--- a/Presantation/Presentation - Final.pptx
+++ b/Presantation/Presentation - Final.pptx
@@ -258,7 +258,7 @@
           <a:p>
             <a:fld id="{13EC74B5-31BC-48DF-B017-B99ECD27F240}" type="datetimeFigureOut">
               <a:rPr lang="en-US" smtClean="0"/>
-              <a:t>4/6/2019</a:t>
+              <a:t>4/7/2019</a:t>
             </a:fld>
             <a:endParaRPr lang="en-US"/>
           </a:p>
@@ -475,7 +475,7 @@
           <a:p>
             <a:fld id="{13EC74B5-31BC-48DF-B017-B99ECD27F240}" type="datetimeFigureOut">
               <a:rPr lang="en-US" smtClean="0"/>
-              <a:t>4/6/2019</a:t>
+              <a:t>4/7/2019</a:t>
             </a:fld>
             <a:endParaRPr lang="en-US"/>
           </a:p>
@@ -696,7 +696,7 @@
           <a:p>
             <a:fld id="{13EC74B5-31BC-48DF-B017-B99ECD27F240}" type="datetimeFigureOut">
               <a:rPr lang="en-US" smtClean="0"/>
-              <a:t>4/6/2019</a:t>
+              <a:t>4/7/2019</a:t>
             </a:fld>
             <a:endParaRPr lang="en-US"/>
           </a:p>
@@ -903,7 +903,7 @@
           <a:p>
             <a:fld id="{13EC74B5-31BC-48DF-B017-B99ECD27F240}" type="datetimeFigureOut">
               <a:rPr lang="en-US" smtClean="0"/>
-              <a:t>4/6/2019</a:t>
+              <a:t>4/7/2019</a:t>
             </a:fld>
             <a:endParaRPr lang="en-US"/>
           </a:p>
@@ -1188,7 +1188,7 @@
           <a:p>
             <a:fld id="{13EC74B5-31BC-48DF-B017-B99ECD27F240}" type="datetimeFigureOut">
               <a:rPr lang="en-US" smtClean="0"/>
-              <a:t>4/6/2019</a:t>
+              <a:t>4/7/2019</a:t>
             </a:fld>
             <a:endParaRPr lang="en-US"/>
           </a:p>
@@ -1462,7 +1462,7 @@
           <a:p>
             <a:fld id="{13EC74B5-31BC-48DF-B017-B99ECD27F240}" type="datetimeFigureOut">
               <a:rPr lang="en-US" smtClean="0"/>
-              <a:t>4/6/2019</a:t>
+              <a:t>4/7/2019</a:t>
             </a:fld>
             <a:endParaRPr lang="en-US"/>
           </a:p>
@@ -1884,7 +1884,7 @@
           <a:p>
             <a:fld id="{13EC74B5-31BC-48DF-B017-B99ECD27F240}" type="datetimeFigureOut">
               <a:rPr lang="en-US" smtClean="0"/>
-              <a:t>4/6/2019</a:t>
+              <a:t>4/7/2019</a:t>
             </a:fld>
             <a:endParaRPr lang="en-US"/>
           </a:p>
@@ -2039,7 +2039,7 @@
           <a:p>
             <a:fld id="{13EC74B5-31BC-48DF-B017-B99ECD27F240}" type="datetimeFigureOut">
               <a:rPr lang="en-US" smtClean="0"/>
-              <a:t>4/6/2019</a:t>
+              <a:t>4/7/2019</a:t>
             </a:fld>
             <a:endParaRPr lang="en-US"/>
           </a:p>
@@ -2171,7 +2171,7 @@
           <a:p>
             <a:fld id="{13EC74B5-31BC-48DF-B017-B99ECD27F240}" type="datetimeFigureOut">
               <a:rPr lang="en-US" smtClean="0"/>
-              <a:t>4/6/2019</a:t>
+              <a:t>4/7/2019</a:t>
             </a:fld>
             <a:endParaRPr lang="en-US"/>
           </a:p>
@@ -2422,7 +2422,7 @@
           <a:p>
             <a:fld id="{13EC74B5-31BC-48DF-B017-B99ECD27F240}" type="datetimeFigureOut">
               <a:rPr lang="en-US" smtClean="0"/>
-              <a:t>4/6/2019</a:t>
+              <a:t>4/7/2019</a:t>
             </a:fld>
             <a:endParaRPr lang="en-US"/>
           </a:p>
@@ -2877,7 +2877,7 @@
           <a:p>
             <a:fld id="{13EC74B5-31BC-48DF-B017-B99ECD27F240}" type="datetimeFigureOut">
               <a:rPr lang="en-US" smtClean="0"/>
-              <a:t>4/6/2019</a:t>
+              <a:t>4/7/2019</a:t>
             </a:fld>
             <a:endParaRPr lang="en-US"/>
           </a:p>
@@ -3204,7 +3204,7 @@
           <a:p>
             <a:fld id="{13EC74B5-31BC-48DF-B017-B99ECD27F240}" type="datetimeFigureOut">
               <a:rPr lang="en-US" smtClean="0"/>
-              <a:t>4/6/2019</a:t>
+              <a:t>4/7/2019</a:t>
             </a:fld>
             <a:endParaRPr lang="en-US"/>
           </a:p>
@@ -3704,8 +3704,8 @@
         </p:nvSpPr>
         <p:spPr>
           <a:xfrm>
-            <a:off x="2358886" y="1245704"/>
-            <a:ext cx="9051235" cy="1446550"/>
+            <a:off x="2358886" y="1311019"/>
+            <a:ext cx="9051235" cy="1569660"/>
           </a:xfrm>
           <a:prstGeom prst="rect">
             <a:avLst/>
@@ -3719,7 +3719,7 @@
           <a:lstStyle/>
           <a:p>
             <a:r>
-              <a:rPr lang="en-US" sz="4400" b="1" dirty="0"/>
+              <a:rPr lang="en-US" sz="4800" b="1" dirty="0"/>
               <a:t>Web Based Application for Plastic Waste Management</a:t>
             </a:r>
           </a:p>
@@ -3753,7 +3753,7 @@
         </p:blipFill>
         <p:spPr>
           <a:xfrm>
-            <a:off x="8832164" y="2522437"/>
+            <a:off x="8962793" y="3280083"/>
             <a:ext cx="2143125" cy="2133600"/>
           </a:xfrm>
           <a:prstGeom prst="rect">

--- a/Presantation/Presentation - Final.pptx
+++ b/Presantation/Presentation - Final.pptx
@@ -4,6 +4,9 @@
   <p:sldMasterIdLst>
     <p:sldMasterId id="2147483720" r:id="rId1"/>
   </p:sldMasterIdLst>
+  <p:notesMasterIdLst>
+    <p:notesMasterId r:id="rId10"/>
+  </p:notesMasterIdLst>
   <p:sldIdLst>
     <p:sldId id="256" r:id="rId2"/>
     <p:sldId id="257" r:id="rId3"/>
@@ -119,6 +122,355 @@
 </p:presentation>
 </file>
 
+<file path=ppt/notesMasters/notesMaster1.xml><?xml version="1.0" encoding="utf-8"?>
+<p:notesMaster xmlns:a="http://schemas.openxmlformats.org/drawingml/2006/main" xmlns:r="http://schemas.openxmlformats.org/officeDocument/2006/relationships" xmlns:p="http://schemas.openxmlformats.org/presentationml/2006/main">
+  <p:cSld>
+    <p:bg>
+      <p:bgRef idx="1001">
+        <a:schemeClr val="bg1"/>
+      </p:bgRef>
+    </p:bg>
+    <p:spTree>
+      <p:nvGrpSpPr>
+        <p:cNvPr id="1" name=""/>
+        <p:cNvGrpSpPr/>
+        <p:nvPr/>
+      </p:nvGrpSpPr>
+      <p:grpSpPr>
+        <a:xfrm>
+          <a:off x="0" y="0"/>
+          <a:ext cx="0" cy="0"/>
+          <a:chOff x="0" y="0"/>
+          <a:chExt cx="0" cy="0"/>
+        </a:xfrm>
+      </p:grpSpPr>
+      <p:sp>
+        <p:nvSpPr>
+          <p:cNvPr id="2" name="Header Placeholder 1"/>
+          <p:cNvSpPr>
+            <a:spLocks noGrp="1"/>
+          </p:cNvSpPr>
+          <p:nvPr>
+            <p:ph type="hdr" sz="quarter"/>
+          </p:nvPr>
+        </p:nvSpPr>
+        <p:spPr>
+          <a:xfrm>
+            <a:off x="0" y="0"/>
+            <a:ext cx="2971800" cy="458788"/>
+          </a:xfrm>
+          <a:prstGeom prst="rect">
+            <a:avLst/>
+          </a:prstGeom>
+        </p:spPr>
+        <p:txBody>
+          <a:bodyPr vert="horz" lIns="91440" tIns="45720" rIns="91440" bIns="45720" rtlCol="0"/>
+          <a:lstStyle>
+            <a:lvl1pPr algn="l">
+              <a:defRPr sz="1200"/>
+            </a:lvl1pPr>
+          </a:lstStyle>
+          <a:p>
+            <a:endParaRPr lang="en-US"/>
+          </a:p>
+        </p:txBody>
+      </p:sp>
+      <p:sp>
+        <p:nvSpPr>
+          <p:cNvPr id="3" name="Date Placeholder 2"/>
+          <p:cNvSpPr>
+            <a:spLocks noGrp="1"/>
+          </p:cNvSpPr>
+          <p:nvPr>
+            <p:ph type="dt" idx="1"/>
+          </p:nvPr>
+        </p:nvSpPr>
+        <p:spPr>
+          <a:xfrm>
+            <a:off x="3884613" y="0"/>
+            <a:ext cx="2971800" cy="458788"/>
+          </a:xfrm>
+          <a:prstGeom prst="rect">
+            <a:avLst/>
+          </a:prstGeom>
+        </p:spPr>
+        <p:txBody>
+          <a:bodyPr vert="horz" lIns="91440" tIns="45720" rIns="91440" bIns="45720" rtlCol="0"/>
+          <a:lstStyle>
+            <a:lvl1pPr algn="r">
+              <a:defRPr sz="1200"/>
+            </a:lvl1pPr>
+          </a:lstStyle>
+          <a:p>
+            <a:fld id="{B6264E3E-79F1-457E-9C0F-DD821A27C1C2}" type="datetimeFigureOut">
+              <a:rPr lang="en-US" smtClean="0"/>
+              <a:t>4/8/2019</a:t>
+            </a:fld>
+            <a:endParaRPr lang="en-US"/>
+          </a:p>
+        </p:txBody>
+      </p:sp>
+      <p:sp>
+        <p:nvSpPr>
+          <p:cNvPr id="4" name="Slide Image Placeholder 3"/>
+          <p:cNvSpPr>
+            <a:spLocks noGrp="1" noRot="1" noChangeAspect="1"/>
+          </p:cNvSpPr>
+          <p:nvPr>
+            <p:ph type="sldImg" idx="2"/>
+          </p:nvPr>
+        </p:nvSpPr>
+        <p:spPr>
+          <a:xfrm>
+            <a:off x="685800" y="1143000"/>
+            <a:ext cx="5486400" cy="3086100"/>
+          </a:xfrm>
+          <a:prstGeom prst="rect">
+            <a:avLst/>
+          </a:prstGeom>
+          <a:noFill/>
+          <a:ln w="12700">
+            <a:solidFill>
+              <a:prstClr val="black"/>
+            </a:solidFill>
+          </a:ln>
+        </p:spPr>
+        <p:txBody>
+          <a:bodyPr vert="horz" lIns="91440" tIns="45720" rIns="91440" bIns="45720" rtlCol="0" anchor="ctr"/>
+          <a:lstStyle/>
+          <a:p>
+            <a:endParaRPr lang="en-US"/>
+          </a:p>
+        </p:txBody>
+      </p:sp>
+      <p:sp>
+        <p:nvSpPr>
+          <p:cNvPr id="5" name="Notes Placeholder 4"/>
+          <p:cNvSpPr>
+            <a:spLocks noGrp="1"/>
+          </p:cNvSpPr>
+          <p:nvPr>
+            <p:ph type="body" sz="quarter" idx="3"/>
+          </p:nvPr>
+        </p:nvSpPr>
+        <p:spPr>
+          <a:xfrm>
+            <a:off x="685800" y="4400550"/>
+            <a:ext cx="5486400" cy="3600450"/>
+          </a:xfrm>
+          <a:prstGeom prst="rect">
+            <a:avLst/>
+          </a:prstGeom>
+        </p:spPr>
+        <p:txBody>
+          <a:bodyPr vert="horz" lIns="91440" tIns="45720" rIns="91440" bIns="45720" rtlCol="0"/>
+          <a:lstStyle/>
+          <a:p>
+            <a:pPr lvl="0"/>
+            <a:r>
+              <a:rPr lang="en-US"/>
+              <a:t>Click to edit Master text styles</a:t>
+            </a:r>
+          </a:p>
+          <a:p>
+            <a:pPr lvl="1"/>
+            <a:r>
+              <a:rPr lang="en-US"/>
+              <a:t>Second level</a:t>
+            </a:r>
+          </a:p>
+          <a:p>
+            <a:pPr lvl="2"/>
+            <a:r>
+              <a:rPr lang="en-US"/>
+              <a:t>Third level</a:t>
+            </a:r>
+          </a:p>
+          <a:p>
+            <a:pPr lvl="3"/>
+            <a:r>
+              <a:rPr lang="en-US"/>
+              <a:t>Fourth level</a:t>
+            </a:r>
+          </a:p>
+          <a:p>
+            <a:pPr lvl="4"/>
+            <a:r>
+              <a:rPr lang="en-US"/>
+              <a:t>Fifth level</a:t>
+            </a:r>
+          </a:p>
+        </p:txBody>
+      </p:sp>
+      <p:sp>
+        <p:nvSpPr>
+          <p:cNvPr id="6" name="Footer Placeholder 5"/>
+          <p:cNvSpPr>
+            <a:spLocks noGrp="1"/>
+          </p:cNvSpPr>
+          <p:nvPr>
+            <p:ph type="ftr" sz="quarter" idx="4"/>
+          </p:nvPr>
+        </p:nvSpPr>
+        <p:spPr>
+          <a:xfrm>
+            <a:off x="0" y="8685213"/>
+            <a:ext cx="2971800" cy="458787"/>
+          </a:xfrm>
+          <a:prstGeom prst="rect">
+            <a:avLst/>
+          </a:prstGeom>
+        </p:spPr>
+        <p:txBody>
+          <a:bodyPr vert="horz" lIns="91440" tIns="45720" rIns="91440" bIns="45720" rtlCol="0" anchor="b"/>
+          <a:lstStyle>
+            <a:lvl1pPr algn="l">
+              <a:defRPr sz="1200"/>
+            </a:lvl1pPr>
+          </a:lstStyle>
+          <a:p>
+            <a:endParaRPr lang="en-US"/>
+          </a:p>
+        </p:txBody>
+      </p:sp>
+      <p:sp>
+        <p:nvSpPr>
+          <p:cNvPr id="7" name="Slide Number Placeholder 6"/>
+          <p:cNvSpPr>
+            <a:spLocks noGrp="1"/>
+          </p:cNvSpPr>
+          <p:nvPr>
+            <p:ph type="sldNum" sz="quarter" idx="5"/>
+          </p:nvPr>
+        </p:nvSpPr>
+        <p:spPr>
+          <a:xfrm>
+            <a:off x="3884613" y="8685213"/>
+            <a:ext cx="2971800" cy="458787"/>
+          </a:xfrm>
+          <a:prstGeom prst="rect">
+            <a:avLst/>
+          </a:prstGeom>
+        </p:spPr>
+        <p:txBody>
+          <a:bodyPr vert="horz" lIns="91440" tIns="45720" rIns="91440" bIns="45720" rtlCol="0" anchor="b"/>
+          <a:lstStyle>
+            <a:lvl1pPr algn="r">
+              <a:defRPr sz="1200"/>
+            </a:lvl1pPr>
+          </a:lstStyle>
+          <a:p>
+            <a:fld id="{D880369A-C44D-4E38-AA5B-60B97F3ED40D}" type="slidenum">
+              <a:rPr lang="en-US" smtClean="0"/>
+              <a:t>‹#›</a:t>
+            </a:fld>
+            <a:endParaRPr lang="en-US"/>
+          </a:p>
+        </p:txBody>
+      </p:sp>
+    </p:spTree>
+    <p:extLst>
+      <p:ext uri="{BB962C8B-B14F-4D97-AF65-F5344CB8AC3E}">
+        <p14:creationId xmlns:p14="http://schemas.microsoft.com/office/powerpoint/2010/main" val="3596079812"/>
+      </p:ext>
+    </p:extLst>
+  </p:cSld>
+  <p:clrMap bg1="lt1" tx1="dk1" bg2="lt2" tx2="dk2" accent1="accent1" accent2="accent2" accent3="accent3" accent4="accent4" accent5="accent5" accent6="accent6" hlink="hlink" folHlink="folHlink"/>
+  <p:notesStyle>
+    <a:lvl1pPr marL="0" algn="l" defTabSz="914400" rtl="0" eaLnBrk="1" latinLnBrk="0" hangingPunct="1">
+      <a:defRPr sz="1200" kern="1200">
+        <a:solidFill>
+          <a:schemeClr val="tx1"/>
+        </a:solidFill>
+        <a:latin typeface="+mn-lt"/>
+        <a:ea typeface="+mn-ea"/>
+        <a:cs typeface="+mn-cs"/>
+      </a:defRPr>
+    </a:lvl1pPr>
+    <a:lvl2pPr marL="457200" algn="l" defTabSz="914400" rtl="0" eaLnBrk="1" latinLnBrk="0" hangingPunct="1">
+      <a:defRPr sz="1200" kern="1200">
+        <a:solidFill>
+          <a:schemeClr val="tx1"/>
+        </a:solidFill>
+        <a:latin typeface="+mn-lt"/>
+        <a:ea typeface="+mn-ea"/>
+        <a:cs typeface="+mn-cs"/>
+      </a:defRPr>
+    </a:lvl2pPr>
+    <a:lvl3pPr marL="914400" algn="l" defTabSz="914400" rtl="0" eaLnBrk="1" latinLnBrk="0" hangingPunct="1">
+      <a:defRPr sz="1200" kern="1200">
+        <a:solidFill>
+          <a:schemeClr val="tx1"/>
+        </a:solidFill>
+        <a:latin typeface="+mn-lt"/>
+        <a:ea typeface="+mn-ea"/>
+        <a:cs typeface="+mn-cs"/>
+      </a:defRPr>
+    </a:lvl3pPr>
+    <a:lvl4pPr marL="1371600" algn="l" defTabSz="914400" rtl="0" eaLnBrk="1" latinLnBrk="0" hangingPunct="1">
+      <a:defRPr sz="1200" kern="1200">
+        <a:solidFill>
+          <a:schemeClr val="tx1"/>
+        </a:solidFill>
+        <a:latin typeface="+mn-lt"/>
+        <a:ea typeface="+mn-ea"/>
+        <a:cs typeface="+mn-cs"/>
+      </a:defRPr>
+    </a:lvl4pPr>
+    <a:lvl5pPr marL="1828800" algn="l" defTabSz="914400" rtl="0" eaLnBrk="1" latinLnBrk="0" hangingPunct="1">
+      <a:defRPr sz="1200" kern="1200">
+        <a:solidFill>
+          <a:schemeClr val="tx1"/>
+        </a:solidFill>
+        <a:latin typeface="+mn-lt"/>
+        <a:ea typeface="+mn-ea"/>
+        <a:cs typeface="+mn-cs"/>
+      </a:defRPr>
+    </a:lvl5pPr>
+    <a:lvl6pPr marL="2286000" algn="l" defTabSz="914400" rtl="0" eaLnBrk="1" latinLnBrk="0" hangingPunct="1">
+      <a:defRPr sz="1200" kern="1200">
+        <a:solidFill>
+          <a:schemeClr val="tx1"/>
+        </a:solidFill>
+        <a:latin typeface="+mn-lt"/>
+        <a:ea typeface="+mn-ea"/>
+        <a:cs typeface="+mn-cs"/>
+      </a:defRPr>
+    </a:lvl6pPr>
+    <a:lvl7pPr marL="2743200" algn="l" defTabSz="914400" rtl="0" eaLnBrk="1" latinLnBrk="0" hangingPunct="1">
+      <a:defRPr sz="1200" kern="1200">
+        <a:solidFill>
+          <a:schemeClr val="tx1"/>
+        </a:solidFill>
+        <a:latin typeface="+mn-lt"/>
+        <a:ea typeface="+mn-ea"/>
+        <a:cs typeface="+mn-cs"/>
+      </a:defRPr>
+    </a:lvl7pPr>
+    <a:lvl8pPr marL="3200400" algn="l" defTabSz="914400" rtl="0" eaLnBrk="1" latinLnBrk="0" hangingPunct="1">
+      <a:defRPr sz="1200" kern="1200">
+        <a:solidFill>
+          <a:schemeClr val="tx1"/>
+        </a:solidFill>
+        <a:latin typeface="+mn-lt"/>
+        <a:ea typeface="+mn-ea"/>
+        <a:cs typeface="+mn-cs"/>
+      </a:defRPr>
+    </a:lvl8pPr>
+    <a:lvl9pPr marL="3657600" algn="l" defTabSz="914400" rtl="0" eaLnBrk="1" latinLnBrk="0" hangingPunct="1">
+      <a:defRPr sz="1200" kern="1200">
+        <a:solidFill>
+          <a:schemeClr val="tx1"/>
+        </a:solidFill>
+        <a:latin typeface="+mn-lt"/>
+        <a:ea typeface="+mn-ea"/>
+        <a:cs typeface="+mn-cs"/>
+      </a:defRPr>
+    </a:lvl9pPr>
+  </p:notesStyle>
+</p:notesMaster>
+</file>
+
 <file path=ppt/slideLayouts/slideLayout1.xml><?xml version="1.0" encoding="utf-8"?>
 <p:sldLayout xmlns:a="http://schemas.openxmlformats.org/drawingml/2006/main" xmlns:r="http://schemas.openxmlformats.org/officeDocument/2006/relationships" xmlns:p="http://schemas.openxmlformats.org/presentationml/2006/main" type="title" preserve="1">
   <p:cSld name="Title Slide">
@@ -256,9 +608,9 @@
           <a:bodyPr/>
           <a:lstStyle/>
           <a:p>
-            <a:fld id="{13EC74B5-31BC-48DF-B017-B99ECD27F240}" type="datetimeFigureOut">
+            <a:fld id="{D3AB1F39-E980-48C7-AA8F-C3FF10C5F150}" type="datetime1">
               <a:rPr lang="en-US" smtClean="0"/>
-              <a:t>4/7/2019</a:t>
+              <a:t>4/8/2019</a:t>
             </a:fld>
             <a:endParaRPr lang="en-US"/>
           </a:p>
@@ -473,9 +825,9 @@
           <a:bodyPr/>
           <a:lstStyle/>
           <a:p>
-            <a:fld id="{13EC74B5-31BC-48DF-B017-B99ECD27F240}" type="datetimeFigureOut">
+            <a:fld id="{61796878-5C5E-4BD5-8EDE-68A5EF2DD9B8}" type="datetime1">
               <a:rPr lang="en-US" smtClean="0"/>
-              <a:t>4/7/2019</a:t>
+              <a:t>4/8/2019</a:t>
             </a:fld>
             <a:endParaRPr lang="en-US"/>
           </a:p>
@@ -694,9 +1046,9 @@
           <a:bodyPr/>
           <a:lstStyle/>
           <a:p>
-            <a:fld id="{13EC74B5-31BC-48DF-B017-B99ECD27F240}" type="datetimeFigureOut">
+            <a:fld id="{077FE279-0392-44AA-B01F-3D056690A0FE}" type="datetime1">
               <a:rPr lang="en-US" smtClean="0"/>
-              <a:t>4/7/2019</a:t>
+              <a:t>4/8/2019</a:t>
             </a:fld>
             <a:endParaRPr lang="en-US"/>
           </a:p>
@@ -901,9 +1253,9 @@
           <a:bodyPr/>
           <a:lstStyle/>
           <a:p>
-            <a:fld id="{13EC74B5-31BC-48DF-B017-B99ECD27F240}" type="datetimeFigureOut">
+            <a:fld id="{5A0E8747-AD8F-4128-A5BA-9B59802D978F}" type="datetime1">
               <a:rPr lang="en-US" smtClean="0"/>
-              <a:t>4/7/2019</a:t>
+              <a:t>4/8/2019</a:t>
             </a:fld>
             <a:endParaRPr lang="en-US"/>
           </a:p>
@@ -1186,9 +1538,9 @@
           <a:bodyPr/>
           <a:lstStyle/>
           <a:p>
-            <a:fld id="{13EC74B5-31BC-48DF-B017-B99ECD27F240}" type="datetimeFigureOut">
+            <a:fld id="{338857B6-8144-4E14-AEC4-0AEC7099B812}" type="datetime1">
               <a:rPr lang="en-US" smtClean="0"/>
-              <a:t>4/7/2019</a:t>
+              <a:t>4/8/2019</a:t>
             </a:fld>
             <a:endParaRPr lang="en-US"/>
           </a:p>
@@ -1460,9 +1812,9 @@
           <a:bodyPr/>
           <a:lstStyle/>
           <a:p>
-            <a:fld id="{13EC74B5-31BC-48DF-B017-B99ECD27F240}" type="datetimeFigureOut">
+            <a:fld id="{6F108119-1A37-4A25-8A9D-30D4A7F48CA6}" type="datetime1">
               <a:rPr lang="en-US" smtClean="0"/>
-              <a:t>4/7/2019</a:t>
+              <a:t>4/8/2019</a:t>
             </a:fld>
             <a:endParaRPr lang="en-US"/>
           </a:p>
@@ -1882,9 +2234,9 @@
           <a:bodyPr/>
           <a:lstStyle/>
           <a:p>
-            <a:fld id="{13EC74B5-31BC-48DF-B017-B99ECD27F240}" type="datetimeFigureOut">
+            <a:fld id="{6E0C4ECB-65AF-4D60-8068-C20A2909E33A}" type="datetime1">
               <a:rPr lang="en-US" smtClean="0"/>
-              <a:t>4/7/2019</a:t>
+              <a:t>4/8/2019</a:t>
             </a:fld>
             <a:endParaRPr lang="en-US"/>
           </a:p>
@@ -2037,9 +2389,9 @@
           <a:bodyPr/>
           <a:lstStyle/>
           <a:p>
-            <a:fld id="{13EC74B5-31BC-48DF-B017-B99ECD27F240}" type="datetimeFigureOut">
+            <a:fld id="{C3D411FE-7BEA-4879-A35C-5512C1C160DD}" type="datetime1">
               <a:rPr lang="en-US" smtClean="0"/>
-              <a:t>4/7/2019</a:t>
+              <a:t>4/8/2019</a:t>
             </a:fld>
             <a:endParaRPr lang="en-US"/>
           </a:p>
@@ -2169,9 +2521,9 @@
           <a:bodyPr/>
           <a:lstStyle/>
           <a:p>
-            <a:fld id="{13EC74B5-31BC-48DF-B017-B99ECD27F240}" type="datetimeFigureOut">
+            <a:fld id="{918069BB-16A9-4CCE-9F46-CB18C564659A}" type="datetime1">
               <a:rPr lang="en-US" smtClean="0"/>
-              <a:t>4/7/2019</a:t>
+              <a:t>4/8/2019</a:t>
             </a:fld>
             <a:endParaRPr lang="en-US"/>
           </a:p>
@@ -2420,9 +2772,9 @@
           <a:bodyPr/>
           <a:lstStyle/>
           <a:p>
-            <a:fld id="{13EC74B5-31BC-48DF-B017-B99ECD27F240}" type="datetimeFigureOut">
+            <a:fld id="{F48225B6-D91B-432F-9818-58F7CBB13E42}" type="datetime1">
               <a:rPr lang="en-US" smtClean="0"/>
-              <a:t>4/7/2019</a:t>
+              <a:t>4/8/2019</a:t>
             </a:fld>
             <a:endParaRPr lang="en-US"/>
           </a:p>
@@ -2875,9 +3227,9 @@
             </a:lvl1pPr>
           </a:lstStyle>
           <a:p>
-            <a:fld id="{13EC74B5-31BC-48DF-B017-B99ECD27F240}" type="datetimeFigureOut">
+            <a:fld id="{2C027F7B-75E6-4617-B138-9F5517E336C2}" type="datetime1">
               <a:rPr lang="en-US" smtClean="0"/>
-              <a:t>4/7/2019</a:t>
+              <a:t>4/8/2019</a:t>
             </a:fld>
             <a:endParaRPr lang="en-US"/>
           </a:p>
@@ -3202,9 +3554,9 @@
             </a:lvl1pPr>
           </a:lstStyle>
           <a:p>
-            <a:fld id="{13EC74B5-31BC-48DF-B017-B99ECD27F240}" type="datetimeFigureOut">
+            <a:fld id="{4406ACB3-1A8E-45F2-A4B4-A562FF536A44}" type="datetime1">
               <a:rPr lang="en-US" smtClean="0"/>
-              <a:t>4/7/2019</a:t>
+              <a:t>4/8/2019</a:t>
             </a:fld>
             <a:endParaRPr lang="en-US"/>
           </a:p>
@@ -3344,6 +3696,7 @@
     <p:sldLayoutId id="2147483730" r:id="rId10"/>
     <p:sldLayoutId id="2147483731" r:id="rId11"/>
   </p:sldLayoutIdLst>
+  <p:hf hdr="0" ftr="0" dt="0"/>
   <p:txStyles>
     <p:titleStyle>
       <a:lvl1pPr algn="l" defTabSz="914400" rtl="0" eaLnBrk="1" latinLnBrk="0" hangingPunct="1">
@@ -3767,6 +4120,35 @@
           </a:effectLst>
         </p:spPr>
       </p:pic>
+      <p:sp>
+        <p:nvSpPr>
+          <p:cNvPr id="2" name="Slide Number Placeholder 1">
+            <a:extLst>
+              <a:ext uri="{FF2B5EF4-FFF2-40B4-BE49-F238E27FC236}">
+                <a16:creationId xmlns:a16="http://schemas.microsoft.com/office/drawing/2014/main" id="{7882B1A8-1747-4089-ACEE-23CC5928FC21}"/>
+              </a:ext>
+            </a:extLst>
+          </p:cNvPr>
+          <p:cNvSpPr>
+            <a:spLocks noGrp="1"/>
+          </p:cNvSpPr>
+          <p:nvPr>
+            <p:ph type="sldNum" sz="quarter" idx="12"/>
+          </p:nvPr>
+        </p:nvSpPr>
+        <p:spPr/>
+        <p:txBody>
+          <a:bodyPr/>
+          <a:lstStyle/>
+          <a:p>
+            <a:fld id="{C856FAD5-89AB-47AB-8E18-7B0A43CE8438}" type="slidenum">
+              <a:rPr lang="en-US" smtClean="0"/>
+              <a:t>1</a:t>
+            </a:fld>
+            <a:endParaRPr lang="en-US"/>
+          </a:p>
+        </p:txBody>
+      </p:sp>
     </p:spTree>
     <p:extLst>
       <p:ext uri="{BB962C8B-B14F-4D97-AF65-F5344CB8AC3E}">
@@ -3916,6 +4298,35 @@
           </a:p>
         </p:txBody>
       </p:sp>
+      <p:sp>
+        <p:nvSpPr>
+          <p:cNvPr id="2" name="Slide Number Placeholder 1">
+            <a:extLst>
+              <a:ext uri="{FF2B5EF4-FFF2-40B4-BE49-F238E27FC236}">
+                <a16:creationId xmlns:a16="http://schemas.microsoft.com/office/drawing/2014/main" id="{C2DB48B7-3F23-4E0F-9FAE-439C73DA146A}"/>
+              </a:ext>
+            </a:extLst>
+          </p:cNvPr>
+          <p:cNvSpPr>
+            <a:spLocks noGrp="1"/>
+          </p:cNvSpPr>
+          <p:nvPr>
+            <p:ph type="sldNum" sz="quarter" idx="12"/>
+          </p:nvPr>
+        </p:nvSpPr>
+        <p:spPr/>
+        <p:txBody>
+          <a:bodyPr/>
+          <a:lstStyle/>
+          <a:p>
+            <a:fld id="{C856FAD5-89AB-47AB-8E18-7B0A43CE8438}" type="slidenum">
+              <a:rPr lang="en-US" smtClean="0"/>
+              <a:t>2</a:t>
+            </a:fld>
+            <a:endParaRPr lang="en-US"/>
+          </a:p>
+        </p:txBody>
+      </p:sp>
     </p:spTree>
     <p:extLst>
       <p:ext uri="{BB962C8B-B14F-4D97-AF65-F5344CB8AC3E}">
@@ -4016,11 +4427,7 @@
             </a:pPr>
             <a:r>
               <a:rPr lang="en-US" sz="3600" dirty="0"/>
-              <a:t> A web based application for plastic &amp; non-degradable waste management</a:t>
-            </a:r>
-            <a:r>
-              <a:rPr lang="en-US" sz="3600" dirty="0" smtClean="0"/>
-              <a:t>.</a:t>
+              <a:t> A web based application for plastic &amp; non-degradable waste management.</a:t>
             </a:r>
           </a:p>
           <a:p>
@@ -4037,11 +4444,7 @@
             </a:pPr>
             <a:r>
               <a:rPr lang="en-US" sz="3600" dirty="0"/>
-              <a:t> Helps public to interact with buyers</a:t>
-            </a:r>
-            <a:r>
-              <a:rPr lang="en-US" sz="3600" dirty="0" smtClean="0"/>
-              <a:t>.</a:t>
+              <a:t> Helps public to interact with buyers.</a:t>
             </a:r>
           </a:p>
           <a:p>
@@ -4058,8 +4461,45 @@
             </a:pPr>
             <a:r>
               <a:rPr lang="en-US" sz="3600" dirty="0"/>
-              <a:t> Helps to State health inspectors to track the waste disposal mechanism </a:t>
-            </a:r>
+              <a:t> </a:t>
+            </a:r>
+            <a:r>
+              <a:rPr lang="en-US" sz="3600"/>
+              <a:t>Helps state </a:t>
+            </a:r>
+            <a:r>
+              <a:rPr lang="en-US" sz="3600" dirty="0"/>
+              <a:t>health inspectors to track the waste disposal mechanism </a:t>
+            </a:r>
+          </a:p>
+        </p:txBody>
+      </p:sp>
+      <p:sp>
+        <p:nvSpPr>
+          <p:cNvPr id="2" name="Slide Number Placeholder 1">
+            <a:extLst>
+              <a:ext uri="{FF2B5EF4-FFF2-40B4-BE49-F238E27FC236}">
+                <a16:creationId xmlns:a16="http://schemas.microsoft.com/office/drawing/2014/main" id="{00682B7E-28FB-4E4A-ABC1-59770A4B79C0}"/>
+              </a:ext>
+            </a:extLst>
+          </p:cNvPr>
+          <p:cNvSpPr>
+            <a:spLocks noGrp="1"/>
+          </p:cNvSpPr>
+          <p:nvPr>
+            <p:ph type="sldNum" sz="quarter" idx="12"/>
+          </p:nvPr>
+        </p:nvSpPr>
+        <p:spPr/>
+        <p:txBody>
+          <a:bodyPr/>
+          <a:lstStyle/>
+          <a:p>
+            <a:fld id="{C856FAD5-89AB-47AB-8E18-7B0A43CE8438}" type="slidenum">
+              <a:rPr lang="en-US" smtClean="0"/>
+              <a:t>3</a:t>
+            </a:fld>
+            <a:endParaRPr lang="en-US"/>
           </a:p>
         </p:txBody>
       </p:sp>
@@ -4173,13 +4613,8 @@
             </a:pPr>
             <a:r>
               <a:rPr lang="en-US" sz="4000" dirty="0"/>
-              <a:t> </a:t>
-            </a:r>
-            <a:r>
-              <a:rPr lang="en-US" sz="4000" dirty="0" smtClean="0"/>
-              <a:t>Firebase </a:t>
-            </a:r>
-            <a:endParaRPr lang="en-US" sz="4000" dirty="0"/>
+              <a:t> Firebase </a:t>
+            </a:r>
           </a:p>
         </p:txBody>
       </p:sp>
@@ -4285,6 +4720,35 @@
           </a:prstGeom>
         </p:spPr>
       </p:pic>
+      <p:sp>
+        <p:nvSpPr>
+          <p:cNvPr id="3" name="Slide Number Placeholder 2">
+            <a:extLst>
+              <a:ext uri="{FF2B5EF4-FFF2-40B4-BE49-F238E27FC236}">
+                <a16:creationId xmlns:a16="http://schemas.microsoft.com/office/drawing/2014/main" id="{C10AA44D-6E6F-4D79-B559-73AF9B7E1C36}"/>
+              </a:ext>
+            </a:extLst>
+          </p:cNvPr>
+          <p:cNvSpPr>
+            <a:spLocks noGrp="1"/>
+          </p:cNvSpPr>
+          <p:nvPr>
+            <p:ph type="sldNum" sz="quarter" idx="12"/>
+          </p:nvPr>
+        </p:nvSpPr>
+        <p:spPr/>
+        <p:txBody>
+          <a:bodyPr/>
+          <a:lstStyle/>
+          <a:p>
+            <a:fld id="{C856FAD5-89AB-47AB-8E18-7B0A43CE8438}" type="slidenum">
+              <a:rPr lang="en-US" smtClean="0"/>
+              <a:t>4</a:t>
+            </a:fld>
+            <a:endParaRPr lang="en-US"/>
+          </a:p>
+        </p:txBody>
+      </p:sp>
     </p:spTree>
     <p:extLst>
       <p:ext uri="{BB962C8B-B14F-4D97-AF65-F5344CB8AC3E}">
@@ -4440,6 +4904,35 @@
           </a:p>
         </p:txBody>
       </p:sp>
+      <p:sp>
+        <p:nvSpPr>
+          <p:cNvPr id="2" name="Slide Number Placeholder 1">
+            <a:extLst>
+              <a:ext uri="{FF2B5EF4-FFF2-40B4-BE49-F238E27FC236}">
+                <a16:creationId xmlns:a16="http://schemas.microsoft.com/office/drawing/2014/main" id="{05646080-90E5-4506-AF02-12DE5A4E4701}"/>
+              </a:ext>
+            </a:extLst>
+          </p:cNvPr>
+          <p:cNvSpPr>
+            <a:spLocks noGrp="1"/>
+          </p:cNvSpPr>
+          <p:nvPr>
+            <p:ph type="sldNum" sz="quarter" idx="12"/>
+          </p:nvPr>
+        </p:nvSpPr>
+        <p:spPr/>
+        <p:txBody>
+          <a:bodyPr/>
+          <a:lstStyle/>
+          <a:p>
+            <a:fld id="{C856FAD5-89AB-47AB-8E18-7B0A43CE8438}" type="slidenum">
+              <a:rPr lang="en-US" smtClean="0"/>
+              <a:t>5</a:t>
+            </a:fld>
+            <a:endParaRPr lang="en-US"/>
+          </a:p>
+        </p:txBody>
+      </p:sp>
     </p:spTree>
     <p:extLst>
       <p:ext uri="{BB962C8B-B14F-4D97-AF65-F5344CB8AC3E}">
@@ -4542,7 +5035,6 @@
               <a:rPr lang="en-US" sz="3600" dirty="0"/>
               <a:t> Gathered the requirement and got familiar with technologies </a:t>
             </a:r>
-            <a:endParaRPr lang="en-US" sz="3600" dirty="0" smtClean="0"/>
           </a:p>
           <a:p>
             <a:pPr marL="285750" indent="-285750">
@@ -4558,11 +5050,7 @@
             </a:pPr>
             <a:r>
               <a:rPr lang="en-US" sz="3600" dirty="0"/>
-              <a:t> Designed the user </a:t>
-            </a:r>
-            <a:r>
-              <a:rPr lang="en-US" sz="3600" dirty="0" smtClean="0"/>
-              <a:t>interface</a:t>
+              <a:t> Designed the user interface</a:t>
             </a:r>
           </a:p>
           <a:p>
@@ -4581,6 +5069,35 @@
               <a:rPr lang="en-US" sz="3600" dirty="0"/>
               <a:t> Configured the database</a:t>
             </a:r>
+          </a:p>
+        </p:txBody>
+      </p:sp>
+      <p:sp>
+        <p:nvSpPr>
+          <p:cNvPr id="2" name="Slide Number Placeholder 1">
+            <a:extLst>
+              <a:ext uri="{FF2B5EF4-FFF2-40B4-BE49-F238E27FC236}">
+                <a16:creationId xmlns:a16="http://schemas.microsoft.com/office/drawing/2014/main" id="{5672C669-5357-43D6-A270-FA8BB6AE332F}"/>
+              </a:ext>
+            </a:extLst>
+          </p:cNvPr>
+          <p:cNvSpPr>
+            <a:spLocks noGrp="1"/>
+          </p:cNvSpPr>
+          <p:nvPr>
+            <p:ph type="sldNum" sz="quarter" idx="12"/>
+          </p:nvPr>
+        </p:nvSpPr>
+        <p:spPr/>
+        <p:txBody>
+          <a:bodyPr/>
+          <a:lstStyle/>
+          <a:p>
+            <a:fld id="{C856FAD5-89AB-47AB-8E18-7B0A43CE8438}" type="slidenum">
+              <a:rPr lang="en-US" smtClean="0"/>
+              <a:t>6</a:t>
+            </a:fld>
+            <a:endParaRPr lang="en-US"/>
           </a:p>
         </p:txBody>
       </p:sp>
@@ -4644,11 +5161,7 @@
           <a:p>
             <a:r>
               <a:rPr lang="en-US" sz="4400" b="1" dirty="0"/>
-              <a:t>Extra </a:t>
-            </a:r>
-            <a:r>
-              <a:rPr lang="en-US" sz="4400" b="1" dirty="0" smtClean="0"/>
-              <a:t>Milestones</a:t>
+              <a:t>Extra Milestones</a:t>
             </a:r>
             <a:endParaRPr lang="en-US" b="1" dirty="0"/>
           </a:p>
@@ -4734,6 +5247,35 @@
           </a:prstGeom>
         </p:spPr>
       </p:pic>
+      <p:sp>
+        <p:nvSpPr>
+          <p:cNvPr id="2" name="Slide Number Placeholder 1">
+            <a:extLst>
+              <a:ext uri="{FF2B5EF4-FFF2-40B4-BE49-F238E27FC236}">
+                <a16:creationId xmlns:a16="http://schemas.microsoft.com/office/drawing/2014/main" id="{61A62C7E-7145-468D-B0B1-A1AA6FCF2087}"/>
+              </a:ext>
+            </a:extLst>
+          </p:cNvPr>
+          <p:cNvSpPr>
+            <a:spLocks noGrp="1"/>
+          </p:cNvSpPr>
+          <p:nvPr>
+            <p:ph type="sldNum" sz="quarter" idx="12"/>
+          </p:nvPr>
+        </p:nvSpPr>
+        <p:spPr/>
+        <p:txBody>
+          <a:bodyPr/>
+          <a:lstStyle/>
+          <a:p>
+            <a:fld id="{C856FAD5-89AB-47AB-8E18-7B0A43CE8438}" type="slidenum">
+              <a:rPr lang="en-US" smtClean="0"/>
+              <a:t>7</a:t>
+            </a:fld>
+            <a:endParaRPr lang="en-US"/>
+          </a:p>
+        </p:txBody>
+      </p:sp>
     </p:spTree>
     <p:extLst>
       <p:ext uri="{BB962C8B-B14F-4D97-AF65-F5344CB8AC3E}">
@@ -4806,10 +5348,38 @@
           <a:p>
             <a:pPr algn="ctr"/>
             <a:r>
-              <a:rPr lang="en-US" sz="7200" b="1" dirty="0" smtClean="0"/>
+              <a:rPr lang="en-US" sz="7200" b="1" dirty="0"/>
               <a:t>Thank You…</a:t>
             </a:r>
-            <a:endParaRPr lang="en-US" sz="7200" b="1" dirty="0"/>
+          </a:p>
+        </p:txBody>
+      </p:sp>
+      <p:sp>
+        <p:nvSpPr>
+          <p:cNvPr id="3" name="Slide Number Placeholder 2">
+            <a:extLst>
+              <a:ext uri="{FF2B5EF4-FFF2-40B4-BE49-F238E27FC236}">
+                <a16:creationId xmlns:a16="http://schemas.microsoft.com/office/drawing/2014/main" id="{6E2E7C59-6BE0-4EF0-9FB3-3A820B44288B}"/>
+              </a:ext>
+            </a:extLst>
+          </p:cNvPr>
+          <p:cNvSpPr>
+            <a:spLocks noGrp="1"/>
+          </p:cNvSpPr>
+          <p:nvPr>
+            <p:ph type="sldNum" sz="quarter" idx="12"/>
+          </p:nvPr>
+        </p:nvSpPr>
+        <p:spPr/>
+        <p:txBody>
+          <a:bodyPr/>
+          <a:lstStyle/>
+          <a:p>
+            <a:fld id="{C856FAD5-89AB-47AB-8E18-7B0A43CE8438}" type="slidenum">
+              <a:rPr lang="en-US" smtClean="0"/>
+              <a:t>8</a:t>
+            </a:fld>
+            <a:endParaRPr lang="en-US"/>
           </a:p>
         </p:txBody>
       </p:sp>
@@ -5077,4 +5647,299 @@
     </a:ext>
   </a:extLst>
 </a:theme>
+</file>
+
+<file path=ppt/theme/theme2.xml><?xml version="1.0" encoding="utf-8"?>
+<a:theme xmlns:a="http://schemas.openxmlformats.org/drawingml/2006/main" name="Office Theme">
+  <a:themeElements>
+    <a:clrScheme name="Office">
+      <a:dk1>
+        <a:sysClr val="windowText" lastClr="000000"/>
+      </a:dk1>
+      <a:lt1>
+        <a:sysClr val="window" lastClr="FFFFFF"/>
+      </a:lt1>
+      <a:dk2>
+        <a:srgbClr val="44546A"/>
+      </a:dk2>
+      <a:lt2>
+        <a:srgbClr val="E7E6E6"/>
+      </a:lt2>
+      <a:accent1>
+        <a:srgbClr val="4472C4"/>
+      </a:accent1>
+      <a:accent2>
+        <a:srgbClr val="ED7D31"/>
+      </a:accent2>
+      <a:accent3>
+        <a:srgbClr val="A5A5A5"/>
+      </a:accent3>
+      <a:accent4>
+        <a:srgbClr val="FFC000"/>
+      </a:accent4>
+      <a:accent5>
+        <a:srgbClr val="5B9BD5"/>
+      </a:accent5>
+      <a:accent6>
+        <a:srgbClr val="70AD47"/>
+      </a:accent6>
+      <a:hlink>
+        <a:srgbClr val="0563C1"/>
+      </a:hlink>
+      <a:folHlink>
+        <a:srgbClr val="954F72"/>
+      </a:folHlink>
+    </a:clrScheme>
+    <a:fontScheme name="Office">
+      <a:majorFont>
+        <a:latin typeface="Calibri Light" panose="020F0302020204030204"/>
+        <a:ea typeface=""/>
+        <a:cs typeface=""/>
+        <a:font script="Jpan" typeface="游ゴシック Light"/>
+        <a:font script="Hang" typeface="맑은 고딕"/>
+        <a:font script="Hans" typeface="等线 Light"/>
+        <a:font script="Hant" typeface="新細明體"/>
+        <a:font script="Arab" typeface="Times New Roman"/>
+        <a:font script="Hebr" typeface="Times New Roman"/>
+        <a:font script="Thai" typeface="Angsana New"/>
+        <a:font script="Ethi" typeface="Nyala"/>
+        <a:font script="Beng" typeface="Vrinda"/>
+        <a:font script="Gujr" typeface="Shruti"/>
+        <a:font script="Khmr" typeface="MoolBoran"/>
+        <a:font script="Knda" typeface="Tunga"/>
+        <a:font script="Guru" typeface="Raavi"/>
+        <a:font script="Cans" typeface="Euphemia"/>
+        <a:font script="Cher" typeface="Plantagenet Cherokee"/>
+        <a:font script="Yiii" typeface="Microsoft Yi Baiti"/>
+        <a:font script="Tibt" typeface="Microsoft Himalaya"/>
+        <a:font script="Thaa" typeface="MV Boli"/>
+        <a:font script="Deva" typeface="Mangal"/>
+        <a:font script="Telu" typeface="Gautami"/>
+        <a:font script="Taml" typeface="Latha"/>
+        <a:font script="Syrc" typeface="Estrangelo Edessa"/>
+        <a:font script="Orya" typeface="Kalinga"/>
+        <a:font script="Mlym" typeface="Kartika"/>
+        <a:font script="Laoo" typeface="DokChampa"/>
+        <a:font script="Sinh" typeface="Iskoola Pota"/>
+        <a:font script="Mong" typeface="Mongolian Baiti"/>
+        <a:font script="Viet" typeface="Times New Roman"/>
+        <a:font script="Uigh" typeface="Microsoft Uighur"/>
+        <a:font script="Geor" typeface="Sylfaen"/>
+        <a:font script="Armn" typeface="Arial"/>
+        <a:font script="Bugi" typeface="Leelawadee UI"/>
+        <a:font script="Bopo" typeface="Microsoft JhengHei"/>
+        <a:font script="Java" typeface="Javanese Text"/>
+        <a:font script="Lisu" typeface="Segoe UI"/>
+        <a:font script="Mymr" typeface="Myanmar Text"/>
+        <a:font script="Nkoo" typeface="Ebrima"/>
+        <a:font script="Olck" typeface="Nirmala UI"/>
+        <a:font script="Osma" typeface="Ebrima"/>
+        <a:font script="Phag" typeface="Phagspa"/>
+        <a:font script="Syrn" typeface="Estrangelo Edessa"/>
+        <a:font script="Syrj" typeface="Estrangelo Edessa"/>
+        <a:font script="Syre" typeface="Estrangelo Edessa"/>
+        <a:font script="Sora" typeface="Nirmala UI"/>
+        <a:font script="Tale" typeface="Microsoft Tai Le"/>
+        <a:font script="Talu" typeface="Microsoft New Tai Lue"/>
+        <a:font script="Tfng" typeface="Ebrima"/>
+      </a:majorFont>
+      <a:minorFont>
+        <a:latin typeface="Calibri" panose="020F0502020204030204"/>
+        <a:ea typeface=""/>
+        <a:cs typeface=""/>
+        <a:font script="Jpan" typeface="游ゴシック"/>
+        <a:font script="Hang" typeface="맑은 고딕"/>
+        <a:font script="Hans" typeface="等线"/>
+        <a:font script="Hant" typeface="新細明體"/>
+        <a:font script="Arab" typeface="Arial"/>
+        <a:font script="Hebr" typeface="Arial"/>
+        <a:font script="Thai" typeface="Cordia New"/>
+        <a:font script="Ethi" typeface="Nyala"/>
+        <a:font script="Beng" typeface="Vrinda"/>
+        <a:font script="Gujr" typeface="Shruti"/>
+        <a:font script="Khmr" typeface="DaunPenh"/>
+        <a:font script="Knda" typeface="Tunga"/>
+        <a:font script="Guru" typeface="Raavi"/>
+        <a:font script="Cans" typeface="Euphemia"/>
+        <a:font script="Cher" typeface="Plantagenet Cherokee"/>
+        <a:font script="Yiii" typeface="Microsoft Yi Baiti"/>
+        <a:font script="Tibt" typeface="Microsoft Himalaya"/>
+        <a:font script="Thaa" typeface="MV Boli"/>
+        <a:font script="Deva" typeface="Mangal"/>
+        <a:font script="Telu" typeface="Gautami"/>
+        <a:font script="Taml" typeface="Latha"/>
+        <a:font script="Syrc" typeface="Estrangelo Edessa"/>
+        <a:font script="Orya" typeface="Kalinga"/>
+        <a:font script="Mlym" typeface="Kartika"/>
+        <a:font script="Laoo" typeface="DokChampa"/>
+        <a:font script="Sinh" typeface="Iskoola Pota"/>
+        <a:font script="Mong" typeface="Mongolian Baiti"/>
+        <a:font script="Viet" typeface="Arial"/>
+        <a:font script="Uigh" typeface="Microsoft Uighur"/>
+        <a:font script="Geor" typeface="Sylfaen"/>
+        <a:font script="Armn" typeface="Arial"/>
+        <a:font script="Bugi" typeface="Leelawadee UI"/>
+        <a:font script="Bopo" typeface="Microsoft JhengHei"/>
+        <a:font script="Java" typeface="Javanese Text"/>
+        <a:font script="Lisu" typeface="Segoe UI"/>
+        <a:font script="Mymr" typeface="Myanmar Text"/>
+        <a:font script="Nkoo" typeface="Ebrima"/>
+        <a:font script="Olck" typeface="Nirmala UI"/>
+        <a:font script="Osma" typeface="Ebrima"/>
+        <a:font script="Phag" typeface="Phagspa"/>
+        <a:font script="Syrn" typeface="Estrangelo Edessa"/>
+        <a:font script="Syrj" typeface="Estrangelo Edessa"/>
+        <a:font script="Syre" typeface="Estrangelo Edessa"/>
+        <a:font script="Sora" typeface="Nirmala UI"/>
+        <a:font script="Tale" typeface="Microsoft Tai Le"/>
+        <a:font script="Talu" typeface="Microsoft New Tai Lue"/>
+        <a:font script="Tfng" typeface="Ebrima"/>
+      </a:minorFont>
+    </a:fontScheme>
+    <a:fmtScheme name="Office">
+      <a:fillStyleLst>
+        <a:solidFill>
+          <a:schemeClr val="phClr"/>
+        </a:solidFill>
+        <a:gradFill rotWithShape="1">
+          <a:gsLst>
+            <a:gs pos="0">
+              <a:schemeClr val="phClr">
+                <a:lumMod val="110000"/>
+                <a:satMod val="105000"/>
+                <a:tint val="67000"/>
+              </a:schemeClr>
+            </a:gs>
+            <a:gs pos="50000">
+              <a:schemeClr val="phClr">
+                <a:lumMod val="105000"/>
+                <a:satMod val="103000"/>
+                <a:tint val="73000"/>
+              </a:schemeClr>
+            </a:gs>
+            <a:gs pos="100000">
+              <a:schemeClr val="phClr">
+                <a:lumMod val="105000"/>
+                <a:satMod val="109000"/>
+                <a:tint val="81000"/>
+              </a:schemeClr>
+            </a:gs>
+          </a:gsLst>
+          <a:lin ang="5400000" scaled="0"/>
+        </a:gradFill>
+        <a:gradFill rotWithShape="1">
+          <a:gsLst>
+            <a:gs pos="0">
+              <a:schemeClr val="phClr">
+                <a:satMod val="103000"/>
+                <a:lumMod val="102000"/>
+                <a:tint val="94000"/>
+              </a:schemeClr>
+            </a:gs>
+            <a:gs pos="50000">
+              <a:schemeClr val="phClr">
+                <a:satMod val="110000"/>
+                <a:lumMod val="100000"/>
+                <a:shade val="100000"/>
+              </a:schemeClr>
+            </a:gs>
+            <a:gs pos="100000">
+              <a:schemeClr val="phClr">
+                <a:lumMod val="99000"/>
+                <a:satMod val="120000"/>
+                <a:shade val="78000"/>
+              </a:schemeClr>
+            </a:gs>
+          </a:gsLst>
+          <a:lin ang="5400000" scaled="0"/>
+        </a:gradFill>
+      </a:fillStyleLst>
+      <a:lnStyleLst>
+        <a:ln w="6350" cap="flat" cmpd="sng" algn="ctr">
+          <a:solidFill>
+            <a:schemeClr val="phClr"/>
+          </a:solidFill>
+          <a:prstDash val="solid"/>
+          <a:miter lim="800000"/>
+        </a:ln>
+        <a:ln w="12700" cap="flat" cmpd="sng" algn="ctr">
+          <a:solidFill>
+            <a:schemeClr val="phClr"/>
+          </a:solidFill>
+          <a:prstDash val="solid"/>
+          <a:miter lim="800000"/>
+        </a:ln>
+        <a:ln w="19050" cap="flat" cmpd="sng" algn="ctr">
+          <a:solidFill>
+            <a:schemeClr val="phClr"/>
+          </a:solidFill>
+          <a:prstDash val="solid"/>
+          <a:miter lim="800000"/>
+        </a:ln>
+      </a:lnStyleLst>
+      <a:effectStyleLst>
+        <a:effectStyle>
+          <a:effectLst/>
+        </a:effectStyle>
+        <a:effectStyle>
+          <a:effectLst/>
+        </a:effectStyle>
+        <a:effectStyle>
+          <a:effectLst>
+            <a:outerShdw blurRad="57150" dist="19050" dir="5400000" algn="ctr" rotWithShape="0">
+              <a:srgbClr val="000000">
+                <a:alpha val="63000"/>
+              </a:srgbClr>
+            </a:outerShdw>
+          </a:effectLst>
+        </a:effectStyle>
+      </a:effectStyleLst>
+      <a:bgFillStyleLst>
+        <a:solidFill>
+          <a:schemeClr val="phClr"/>
+        </a:solidFill>
+        <a:solidFill>
+          <a:schemeClr val="phClr">
+            <a:tint val="95000"/>
+            <a:satMod val="170000"/>
+          </a:schemeClr>
+        </a:solidFill>
+        <a:gradFill rotWithShape="1">
+          <a:gsLst>
+            <a:gs pos="0">
+              <a:schemeClr val="phClr">
+                <a:tint val="93000"/>
+                <a:satMod val="150000"/>
+                <a:shade val="98000"/>
+                <a:lumMod val="102000"/>
+              </a:schemeClr>
+            </a:gs>
+            <a:gs pos="50000">
+              <a:schemeClr val="phClr">
+                <a:tint val="98000"/>
+                <a:satMod val="130000"/>
+                <a:shade val="90000"/>
+                <a:lumMod val="103000"/>
+              </a:schemeClr>
+            </a:gs>
+            <a:gs pos="100000">
+              <a:schemeClr val="phClr">
+                <a:shade val="63000"/>
+                <a:satMod val="120000"/>
+              </a:schemeClr>
+            </a:gs>
+          </a:gsLst>
+          <a:lin ang="5400000" scaled="0"/>
+        </a:gradFill>
+      </a:bgFillStyleLst>
+    </a:fmtScheme>
+  </a:themeElements>
+  <a:objectDefaults/>
+  <a:extraClrSchemeLst/>
+  <a:extLst>
+    <a:ext uri="{05A4C25C-085E-4340-85A3-A5531E510DB2}">
+      <thm15:themeFamily xmlns:thm15="http://schemas.microsoft.com/office/thememl/2012/main" name="Office Theme" id="{62F939B6-93AF-4DB8-9C6B-D6C7DFDC589F}" vid="{4A3C46E8-61CC-4603-A589-7422A47A8E4A}"/>
+    </a:ext>
+  </a:extLst>
+</a:theme>
 </file>
--- a/Presantation/Presentation - Final.pptx
+++ b/Presantation/Presentation - Final.pptx
@@ -258,7 +258,7 @@
           <a:p>
             <a:fld id="{13EC74B5-31BC-48DF-B017-B99ECD27F240}" type="datetimeFigureOut">
               <a:rPr lang="en-US" smtClean="0"/>
-              <a:t>4/7/2019</a:t>
+              <a:t>4/8/2019</a:t>
             </a:fld>
             <a:endParaRPr lang="en-US"/>
           </a:p>
@@ -475,7 +475,7 @@
           <a:p>
             <a:fld id="{13EC74B5-31BC-48DF-B017-B99ECD27F240}" type="datetimeFigureOut">
               <a:rPr lang="en-US" smtClean="0"/>
-              <a:t>4/7/2019</a:t>
+              <a:t>4/8/2019</a:t>
             </a:fld>
             <a:endParaRPr lang="en-US"/>
           </a:p>
@@ -696,7 +696,7 @@
           <a:p>
             <a:fld id="{13EC74B5-31BC-48DF-B017-B99ECD27F240}" type="datetimeFigureOut">
               <a:rPr lang="en-US" smtClean="0"/>
-              <a:t>4/7/2019</a:t>
+              <a:t>4/8/2019</a:t>
             </a:fld>
             <a:endParaRPr lang="en-US"/>
           </a:p>
@@ -903,7 +903,7 @@
           <a:p>
             <a:fld id="{13EC74B5-31BC-48DF-B017-B99ECD27F240}" type="datetimeFigureOut">
               <a:rPr lang="en-US" smtClean="0"/>
-              <a:t>4/7/2019</a:t>
+              <a:t>4/8/2019</a:t>
             </a:fld>
             <a:endParaRPr lang="en-US"/>
           </a:p>
@@ -1188,7 +1188,7 @@
           <a:p>
             <a:fld id="{13EC74B5-31BC-48DF-B017-B99ECD27F240}" type="datetimeFigureOut">
               <a:rPr lang="en-US" smtClean="0"/>
-              <a:t>4/7/2019</a:t>
+              <a:t>4/8/2019</a:t>
             </a:fld>
             <a:endParaRPr lang="en-US"/>
           </a:p>
@@ -1462,7 +1462,7 @@
           <a:p>
             <a:fld id="{13EC74B5-31BC-48DF-B017-B99ECD27F240}" type="datetimeFigureOut">
               <a:rPr lang="en-US" smtClean="0"/>
-              <a:t>4/7/2019</a:t>
+              <a:t>4/8/2019</a:t>
             </a:fld>
             <a:endParaRPr lang="en-US"/>
           </a:p>
@@ -1884,7 +1884,7 @@
           <a:p>
             <a:fld id="{13EC74B5-31BC-48DF-B017-B99ECD27F240}" type="datetimeFigureOut">
               <a:rPr lang="en-US" smtClean="0"/>
-              <a:t>4/7/2019</a:t>
+              <a:t>4/8/2019</a:t>
             </a:fld>
             <a:endParaRPr lang="en-US"/>
           </a:p>
@@ -2039,7 +2039,7 @@
           <a:p>
             <a:fld id="{13EC74B5-31BC-48DF-B017-B99ECD27F240}" type="datetimeFigureOut">
               <a:rPr lang="en-US" smtClean="0"/>
-              <a:t>4/7/2019</a:t>
+              <a:t>4/8/2019</a:t>
             </a:fld>
             <a:endParaRPr lang="en-US"/>
           </a:p>
@@ -2171,7 +2171,7 @@
           <a:p>
             <a:fld id="{13EC74B5-31BC-48DF-B017-B99ECD27F240}" type="datetimeFigureOut">
               <a:rPr lang="en-US" smtClean="0"/>
-              <a:t>4/7/2019</a:t>
+              <a:t>4/8/2019</a:t>
             </a:fld>
             <a:endParaRPr lang="en-US"/>
           </a:p>
@@ -2422,7 +2422,7 @@
           <a:p>
             <a:fld id="{13EC74B5-31BC-48DF-B017-B99ECD27F240}" type="datetimeFigureOut">
               <a:rPr lang="en-US" smtClean="0"/>
-              <a:t>4/7/2019</a:t>
+              <a:t>4/8/2019</a:t>
             </a:fld>
             <a:endParaRPr lang="en-US"/>
           </a:p>
@@ -2877,7 +2877,7 @@
           <a:p>
             <a:fld id="{13EC74B5-31BC-48DF-B017-B99ECD27F240}" type="datetimeFigureOut">
               <a:rPr lang="en-US" smtClean="0"/>
-              <a:t>4/7/2019</a:t>
+              <a:t>4/8/2019</a:t>
             </a:fld>
             <a:endParaRPr lang="en-US"/>
           </a:p>
@@ -3204,7 +3204,7 @@
           <a:p>
             <a:fld id="{13EC74B5-31BC-48DF-B017-B99ECD27F240}" type="datetimeFigureOut">
               <a:rPr lang="en-US" smtClean="0"/>
-              <a:t>4/7/2019</a:t>
+              <a:t>4/8/2019</a:t>
             </a:fld>
             <a:endParaRPr lang="en-US"/>
           </a:p>
@@ -4058,7 +4058,19 @@
             </a:pPr>
             <a:r>
               <a:rPr lang="en-US" sz="3600" dirty="0"/>
-              <a:t> Helps to State health inspectors to track the waste disposal mechanism </a:t>
+              <a:t> Helps </a:t>
+            </a:r>
+            <a:r>
+              <a:rPr lang="en-US" sz="3600" dirty="0"/>
+              <a:t>s</a:t>
+            </a:r>
+            <a:r>
+              <a:rPr lang="en-US" sz="3600" dirty="0" smtClean="0"/>
+              <a:t>tate </a:t>
+            </a:r>
+            <a:r>
+              <a:rPr lang="en-US" sz="3600" dirty="0"/>
+              <a:t>health inspectors to track the waste disposal mechanism </a:t>
             </a:r>
           </a:p>
         </p:txBody>

--- a/Presantation/Presentation - Final.pptx
+++ b/Presantation/Presentation - Final.pptx
@@ -4058,11 +4058,7 @@
             </a:pPr>
             <a:r>
               <a:rPr lang="en-US" sz="3600" dirty="0"/>
-              <a:t> Helps </a:t>
-            </a:r>
-            <a:r>
-              <a:rPr lang="en-US" sz="3600" dirty="0"/>
-              <a:t>s</a:t>
+              <a:t> Helps s</a:t>
             </a:r>
             <a:r>
               <a:rPr lang="en-US" sz="3600" dirty="0" smtClean="0"/>
@@ -4377,7 +4373,7 @@
         </p:nvSpPr>
         <p:spPr>
           <a:xfrm>
-            <a:off x="1431233" y="1815549"/>
+            <a:off x="1431233" y="2037620"/>
             <a:ext cx="9687341" cy="3539430"/>
           </a:xfrm>
           <a:prstGeom prst="rect">

--- a/Presantation/Presentation - Final.pptx
+++ b/Presantation/Presentation - Final.pptx
@@ -4,6 +4,9 @@
   <p:sldMasterIdLst>
     <p:sldMasterId id="2147483720" r:id="rId1"/>
   </p:sldMasterIdLst>
+  <p:notesMasterIdLst>
+    <p:notesMasterId r:id="rId10"/>
+  </p:notesMasterIdLst>
   <p:sldIdLst>
     <p:sldId id="256" r:id="rId2"/>
     <p:sldId id="257" r:id="rId3"/>
@@ -119,6 +122,355 @@
 </p:presentation>
 </file>
 
+<file path=ppt/notesMasters/notesMaster1.xml><?xml version="1.0" encoding="utf-8"?>
+<p:notesMaster xmlns:a="http://schemas.openxmlformats.org/drawingml/2006/main" xmlns:r="http://schemas.openxmlformats.org/officeDocument/2006/relationships" xmlns:p="http://schemas.openxmlformats.org/presentationml/2006/main">
+  <p:cSld>
+    <p:bg>
+      <p:bgRef idx="1001">
+        <a:schemeClr val="bg1"/>
+      </p:bgRef>
+    </p:bg>
+    <p:spTree>
+      <p:nvGrpSpPr>
+        <p:cNvPr id="1" name=""/>
+        <p:cNvGrpSpPr/>
+        <p:nvPr/>
+      </p:nvGrpSpPr>
+      <p:grpSpPr>
+        <a:xfrm>
+          <a:off x="0" y="0"/>
+          <a:ext cx="0" cy="0"/>
+          <a:chOff x="0" y="0"/>
+          <a:chExt cx="0" cy="0"/>
+        </a:xfrm>
+      </p:grpSpPr>
+      <p:sp>
+        <p:nvSpPr>
+          <p:cNvPr id="2" name="Header Placeholder 1"/>
+          <p:cNvSpPr>
+            <a:spLocks noGrp="1"/>
+          </p:cNvSpPr>
+          <p:nvPr>
+            <p:ph type="hdr" sz="quarter"/>
+          </p:nvPr>
+        </p:nvSpPr>
+        <p:spPr>
+          <a:xfrm>
+            <a:off x="0" y="0"/>
+            <a:ext cx="2971800" cy="458788"/>
+          </a:xfrm>
+          <a:prstGeom prst="rect">
+            <a:avLst/>
+          </a:prstGeom>
+        </p:spPr>
+        <p:txBody>
+          <a:bodyPr vert="horz" lIns="91440" tIns="45720" rIns="91440" bIns="45720" rtlCol="0"/>
+          <a:lstStyle>
+            <a:lvl1pPr algn="l">
+              <a:defRPr sz="1200"/>
+            </a:lvl1pPr>
+          </a:lstStyle>
+          <a:p>
+            <a:endParaRPr lang="en-US"/>
+          </a:p>
+        </p:txBody>
+      </p:sp>
+      <p:sp>
+        <p:nvSpPr>
+          <p:cNvPr id="3" name="Date Placeholder 2"/>
+          <p:cNvSpPr>
+            <a:spLocks noGrp="1"/>
+          </p:cNvSpPr>
+          <p:nvPr>
+            <p:ph type="dt" idx="1"/>
+          </p:nvPr>
+        </p:nvSpPr>
+        <p:spPr>
+          <a:xfrm>
+            <a:off x="3884613" y="0"/>
+            <a:ext cx="2971800" cy="458788"/>
+          </a:xfrm>
+          <a:prstGeom prst="rect">
+            <a:avLst/>
+          </a:prstGeom>
+        </p:spPr>
+        <p:txBody>
+          <a:bodyPr vert="horz" lIns="91440" tIns="45720" rIns="91440" bIns="45720" rtlCol="0"/>
+          <a:lstStyle>
+            <a:lvl1pPr algn="r">
+              <a:defRPr sz="1200"/>
+            </a:lvl1pPr>
+          </a:lstStyle>
+          <a:p>
+            <a:fld id="{B6264E3E-79F1-457E-9C0F-DD821A27C1C2}" type="datetimeFigureOut">
+              <a:rPr lang="en-US" smtClean="0"/>
+              <a:t>4/8/2019</a:t>
+            </a:fld>
+            <a:endParaRPr lang="en-US"/>
+          </a:p>
+        </p:txBody>
+      </p:sp>
+      <p:sp>
+        <p:nvSpPr>
+          <p:cNvPr id="4" name="Slide Image Placeholder 3"/>
+          <p:cNvSpPr>
+            <a:spLocks noGrp="1" noRot="1" noChangeAspect="1"/>
+          </p:cNvSpPr>
+          <p:nvPr>
+            <p:ph type="sldImg" idx="2"/>
+          </p:nvPr>
+        </p:nvSpPr>
+        <p:spPr>
+          <a:xfrm>
+            <a:off x="685800" y="1143000"/>
+            <a:ext cx="5486400" cy="3086100"/>
+          </a:xfrm>
+          <a:prstGeom prst="rect">
+            <a:avLst/>
+          </a:prstGeom>
+          <a:noFill/>
+          <a:ln w="12700">
+            <a:solidFill>
+              <a:prstClr val="black"/>
+            </a:solidFill>
+          </a:ln>
+        </p:spPr>
+        <p:txBody>
+          <a:bodyPr vert="horz" lIns="91440" tIns="45720" rIns="91440" bIns="45720" rtlCol="0" anchor="ctr"/>
+          <a:lstStyle/>
+          <a:p>
+            <a:endParaRPr lang="en-US"/>
+          </a:p>
+        </p:txBody>
+      </p:sp>
+      <p:sp>
+        <p:nvSpPr>
+          <p:cNvPr id="5" name="Notes Placeholder 4"/>
+          <p:cNvSpPr>
+            <a:spLocks noGrp="1"/>
+          </p:cNvSpPr>
+          <p:nvPr>
+            <p:ph type="body" sz="quarter" idx="3"/>
+          </p:nvPr>
+        </p:nvSpPr>
+        <p:spPr>
+          <a:xfrm>
+            <a:off x="685800" y="4400550"/>
+            <a:ext cx="5486400" cy="3600450"/>
+          </a:xfrm>
+          <a:prstGeom prst="rect">
+            <a:avLst/>
+          </a:prstGeom>
+        </p:spPr>
+        <p:txBody>
+          <a:bodyPr vert="horz" lIns="91440" tIns="45720" rIns="91440" bIns="45720" rtlCol="0"/>
+          <a:lstStyle/>
+          <a:p>
+            <a:pPr lvl="0"/>
+            <a:r>
+              <a:rPr lang="en-US"/>
+              <a:t>Click to edit Master text styles</a:t>
+            </a:r>
+          </a:p>
+          <a:p>
+            <a:pPr lvl="1"/>
+            <a:r>
+              <a:rPr lang="en-US"/>
+              <a:t>Second level</a:t>
+            </a:r>
+          </a:p>
+          <a:p>
+            <a:pPr lvl="2"/>
+            <a:r>
+              <a:rPr lang="en-US"/>
+              <a:t>Third level</a:t>
+            </a:r>
+          </a:p>
+          <a:p>
+            <a:pPr lvl="3"/>
+            <a:r>
+              <a:rPr lang="en-US"/>
+              <a:t>Fourth level</a:t>
+            </a:r>
+          </a:p>
+          <a:p>
+            <a:pPr lvl="4"/>
+            <a:r>
+              <a:rPr lang="en-US"/>
+              <a:t>Fifth level</a:t>
+            </a:r>
+          </a:p>
+        </p:txBody>
+      </p:sp>
+      <p:sp>
+        <p:nvSpPr>
+          <p:cNvPr id="6" name="Footer Placeholder 5"/>
+          <p:cNvSpPr>
+            <a:spLocks noGrp="1"/>
+          </p:cNvSpPr>
+          <p:nvPr>
+            <p:ph type="ftr" sz="quarter" idx="4"/>
+          </p:nvPr>
+        </p:nvSpPr>
+        <p:spPr>
+          <a:xfrm>
+            <a:off x="0" y="8685213"/>
+            <a:ext cx="2971800" cy="458787"/>
+          </a:xfrm>
+          <a:prstGeom prst="rect">
+            <a:avLst/>
+          </a:prstGeom>
+        </p:spPr>
+        <p:txBody>
+          <a:bodyPr vert="horz" lIns="91440" tIns="45720" rIns="91440" bIns="45720" rtlCol="0" anchor="b"/>
+          <a:lstStyle>
+            <a:lvl1pPr algn="l">
+              <a:defRPr sz="1200"/>
+            </a:lvl1pPr>
+          </a:lstStyle>
+          <a:p>
+            <a:endParaRPr lang="en-US"/>
+          </a:p>
+        </p:txBody>
+      </p:sp>
+      <p:sp>
+        <p:nvSpPr>
+          <p:cNvPr id="7" name="Slide Number Placeholder 6"/>
+          <p:cNvSpPr>
+            <a:spLocks noGrp="1"/>
+          </p:cNvSpPr>
+          <p:nvPr>
+            <p:ph type="sldNum" sz="quarter" idx="5"/>
+          </p:nvPr>
+        </p:nvSpPr>
+        <p:spPr>
+          <a:xfrm>
+            <a:off x="3884613" y="8685213"/>
+            <a:ext cx="2971800" cy="458787"/>
+          </a:xfrm>
+          <a:prstGeom prst="rect">
+            <a:avLst/>
+          </a:prstGeom>
+        </p:spPr>
+        <p:txBody>
+          <a:bodyPr vert="horz" lIns="91440" tIns="45720" rIns="91440" bIns="45720" rtlCol="0" anchor="b"/>
+          <a:lstStyle>
+            <a:lvl1pPr algn="r">
+              <a:defRPr sz="1200"/>
+            </a:lvl1pPr>
+          </a:lstStyle>
+          <a:p>
+            <a:fld id="{D880369A-C44D-4E38-AA5B-60B97F3ED40D}" type="slidenum">
+              <a:rPr lang="en-US" smtClean="0"/>
+              <a:t>‹#›</a:t>
+            </a:fld>
+            <a:endParaRPr lang="en-US"/>
+          </a:p>
+        </p:txBody>
+      </p:sp>
+    </p:spTree>
+    <p:extLst>
+      <p:ext uri="{BB962C8B-B14F-4D97-AF65-F5344CB8AC3E}">
+        <p14:creationId xmlns:p14="http://schemas.microsoft.com/office/powerpoint/2010/main" val="3596079812"/>
+      </p:ext>
+    </p:extLst>
+  </p:cSld>
+  <p:clrMap bg1="lt1" tx1="dk1" bg2="lt2" tx2="dk2" accent1="accent1" accent2="accent2" accent3="accent3" accent4="accent4" accent5="accent5" accent6="accent6" hlink="hlink" folHlink="folHlink"/>
+  <p:notesStyle>
+    <a:lvl1pPr marL="0" algn="l" defTabSz="914400" rtl="0" eaLnBrk="1" latinLnBrk="0" hangingPunct="1">
+      <a:defRPr sz="1200" kern="1200">
+        <a:solidFill>
+          <a:schemeClr val="tx1"/>
+        </a:solidFill>
+        <a:latin typeface="+mn-lt"/>
+        <a:ea typeface="+mn-ea"/>
+        <a:cs typeface="+mn-cs"/>
+      </a:defRPr>
+    </a:lvl1pPr>
+    <a:lvl2pPr marL="457200" algn="l" defTabSz="914400" rtl="0" eaLnBrk="1" latinLnBrk="0" hangingPunct="1">
+      <a:defRPr sz="1200" kern="1200">
+        <a:solidFill>
+          <a:schemeClr val="tx1"/>
+        </a:solidFill>
+        <a:latin typeface="+mn-lt"/>
+        <a:ea typeface="+mn-ea"/>
+        <a:cs typeface="+mn-cs"/>
+      </a:defRPr>
+    </a:lvl2pPr>
+    <a:lvl3pPr marL="914400" algn="l" defTabSz="914400" rtl="0" eaLnBrk="1" latinLnBrk="0" hangingPunct="1">
+      <a:defRPr sz="1200" kern="1200">
+        <a:solidFill>
+          <a:schemeClr val="tx1"/>
+        </a:solidFill>
+        <a:latin typeface="+mn-lt"/>
+        <a:ea typeface="+mn-ea"/>
+        <a:cs typeface="+mn-cs"/>
+      </a:defRPr>
+    </a:lvl3pPr>
+    <a:lvl4pPr marL="1371600" algn="l" defTabSz="914400" rtl="0" eaLnBrk="1" latinLnBrk="0" hangingPunct="1">
+      <a:defRPr sz="1200" kern="1200">
+        <a:solidFill>
+          <a:schemeClr val="tx1"/>
+        </a:solidFill>
+        <a:latin typeface="+mn-lt"/>
+        <a:ea typeface="+mn-ea"/>
+        <a:cs typeface="+mn-cs"/>
+      </a:defRPr>
+    </a:lvl4pPr>
+    <a:lvl5pPr marL="1828800" algn="l" defTabSz="914400" rtl="0" eaLnBrk="1" latinLnBrk="0" hangingPunct="1">
+      <a:defRPr sz="1200" kern="1200">
+        <a:solidFill>
+          <a:schemeClr val="tx1"/>
+        </a:solidFill>
+        <a:latin typeface="+mn-lt"/>
+        <a:ea typeface="+mn-ea"/>
+        <a:cs typeface="+mn-cs"/>
+      </a:defRPr>
+    </a:lvl5pPr>
+    <a:lvl6pPr marL="2286000" algn="l" defTabSz="914400" rtl="0" eaLnBrk="1" latinLnBrk="0" hangingPunct="1">
+      <a:defRPr sz="1200" kern="1200">
+        <a:solidFill>
+          <a:schemeClr val="tx1"/>
+        </a:solidFill>
+        <a:latin typeface="+mn-lt"/>
+        <a:ea typeface="+mn-ea"/>
+        <a:cs typeface="+mn-cs"/>
+      </a:defRPr>
+    </a:lvl6pPr>
+    <a:lvl7pPr marL="2743200" algn="l" defTabSz="914400" rtl="0" eaLnBrk="1" latinLnBrk="0" hangingPunct="1">
+      <a:defRPr sz="1200" kern="1200">
+        <a:solidFill>
+          <a:schemeClr val="tx1"/>
+        </a:solidFill>
+        <a:latin typeface="+mn-lt"/>
+        <a:ea typeface="+mn-ea"/>
+        <a:cs typeface="+mn-cs"/>
+      </a:defRPr>
+    </a:lvl7pPr>
+    <a:lvl8pPr marL="3200400" algn="l" defTabSz="914400" rtl="0" eaLnBrk="1" latinLnBrk="0" hangingPunct="1">
+      <a:defRPr sz="1200" kern="1200">
+        <a:solidFill>
+          <a:schemeClr val="tx1"/>
+        </a:solidFill>
+        <a:latin typeface="+mn-lt"/>
+        <a:ea typeface="+mn-ea"/>
+        <a:cs typeface="+mn-cs"/>
+      </a:defRPr>
+    </a:lvl8pPr>
+    <a:lvl9pPr marL="3657600" algn="l" defTabSz="914400" rtl="0" eaLnBrk="1" latinLnBrk="0" hangingPunct="1">
+      <a:defRPr sz="1200" kern="1200">
+        <a:solidFill>
+          <a:schemeClr val="tx1"/>
+        </a:solidFill>
+        <a:latin typeface="+mn-lt"/>
+        <a:ea typeface="+mn-ea"/>
+        <a:cs typeface="+mn-cs"/>
+      </a:defRPr>
+    </a:lvl9pPr>
+  </p:notesStyle>
+</p:notesMaster>
+</file>
+
 <file path=ppt/slideLayouts/slideLayout1.xml><?xml version="1.0" encoding="utf-8"?>
 <p:sldLayout xmlns:a="http://schemas.openxmlformats.org/drawingml/2006/main" xmlns:r="http://schemas.openxmlformats.org/officeDocument/2006/relationships" xmlns:p="http://schemas.openxmlformats.org/presentationml/2006/main" type="title" preserve="1">
   <p:cSld name="Title Slide">
@@ -256,7 +608,7 @@
           <a:bodyPr/>
           <a:lstStyle/>
           <a:p>
-            <a:fld id="{13EC74B5-31BC-48DF-B017-B99ECD27F240}" type="datetimeFigureOut">
+            <a:fld id="{D3AB1F39-E980-48C7-AA8F-C3FF10C5F150}" type="datetime1">
               <a:rPr lang="en-US" smtClean="0"/>
               <a:t>4/8/2019</a:t>
             </a:fld>
@@ -473,7 +825,7 @@
           <a:bodyPr/>
           <a:lstStyle/>
           <a:p>
-            <a:fld id="{13EC74B5-31BC-48DF-B017-B99ECD27F240}" type="datetimeFigureOut">
+            <a:fld id="{61796878-5C5E-4BD5-8EDE-68A5EF2DD9B8}" type="datetime1">
               <a:rPr lang="en-US" smtClean="0"/>
               <a:t>4/8/2019</a:t>
             </a:fld>
@@ -694,7 +1046,7 @@
           <a:bodyPr/>
           <a:lstStyle/>
           <a:p>
-            <a:fld id="{13EC74B5-31BC-48DF-B017-B99ECD27F240}" type="datetimeFigureOut">
+            <a:fld id="{077FE279-0392-44AA-B01F-3D056690A0FE}" type="datetime1">
               <a:rPr lang="en-US" smtClean="0"/>
               <a:t>4/8/2019</a:t>
             </a:fld>
@@ -901,7 +1253,7 @@
           <a:bodyPr/>
           <a:lstStyle/>
           <a:p>
-            <a:fld id="{13EC74B5-31BC-48DF-B017-B99ECD27F240}" type="datetimeFigureOut">
+            <a:fld id="{5A0E8747-AD8F-4128-A5BA-9B59802D978F}" type="datetime1">
               <a:rPr lang="en-US" smtClean="0"/>
               <a:t>4/8/2019</a:t>
             </a:fld>
@@ -1186,7 +1538,7 @@
           <a:bodyPr/>
           <a:lstStyle/>
           <a:p>
-            <a:fld id="{13EC74B5-31BC-48DF-B017-B99ECD27F240}" type="datetimeFigureOut">
+            <a:fld id="{338857B6-8144-4E14-AEC4-0AEC7099B812}" type="datetime1">
               <a:rPr lang="en-US" smtClean="0"/>
               <a:t>4/8/2019</a:t>
             </a:fld>
@@ -1460,7 +1812,7 @@
           <a:bodyPr/>
           <a:lstStyle/>
           <a:p>
-            <a:fld id="{13EC74B5-31BC-48DF-B017-B99ECD27F240}" type="datetimeFigureOut">
+            <a:fld id="{6F108119-1A37-4A25-8A9D-30D4A7F48CA6}" type="datetime1">
               <a:rPr lang="en-US" smtClean="0"/>
               <a:t>4/8/2019</a:t>
             </a:fld>
@@ -1882,7 +2234,7 @@
           <a:bodyPr/>
           <a:lstStyle/>
           <a:p>
-            <a:fld id="{13EC74B5-31BC-48DF-B017-B99ECD27F240}" type="datetimeFigureOut">
+            <a:fld id="{6E0C4ECB-65AF-4D60-8068-C20A2909E33A}" type="datetime1">
               <a:rPr lang="en-US" smtClean="0"/>
               <a:t>4/8/2019</a:t>
             </a:fld>
@@ -2037,7 +2389,7 @@
           <a:bodyPr/>
           <a:lstStyle/>
           <a:p>
-            <a:fld id="{13EC74B5-31BC-48DF-B017-B99ECD27F240}" type="datetimeFigureOut">
+            <a:fld id="{C3D411FE-7BEA-4879-A35C-5512C1C160DD}" type="datetime1">
               <a:rPr lang="en-US" smtClean="0"/>
               <a:t>4/8/2019</a:t>
             </a:fld>
@@ -2169,7 +2521,7 @@
           <a:bodyPr/>
           <a:lstStyle/>
           <a:p>
-            <a:fld id="{13EC74B5-31BC-48DF-B017-B99ECD27F240}" type="datetimeFigureOut">
+            <a:fld id="{918069BB-16A9-4CCE-9F46-CB18C564659A}" type="datetime1">
               <a:rPr lang="en-US" smtClean="0"/>
               <a:t>4/8/2019</a:t>
             </a:fld>
@@ -2420,7 +2772,7 @@
           <a:bodyPr/>
           <a:lstStyle/>
           <a:p>
-            <a:fld id="{13EC74B5-31BC-48DF-B017-B99ECD27F240}" type="datetimeFigureOut">
+            <a:fld id="{F48225B6-D91B-432F-9818-58F7CBB13E42}" type="datetime1">
               <a:rPr lang="en-US" smtClean="0"/>
               <a:t>4/8/2019</a:t>
             </a:fld>
@@ -2875,7 +3227,7 @@
             </a:lvl1pPr>
           </a:lstStyle>
           <a:p>
-            <a:fld id="{13EC74B5-31BC-48DF-B017-B99ECD27F240}" type="datetimeFigureOut">
+            <a:fld id="{2C027F7B-75E6-4617-B138-9F5517E336C2}" type="datetime1">
               <a:rPr lang="en-US" smtClean="0"/>
               <a:t>4/8/2019</a:t>
             </a:fld>
@@ -3202,7 +3554,7 @@
             </a:lvl1pPr>
           </a:lstStyle>
           <a:p>
-            <a:fld id="{13EC74B5-31BC-48DF-B017-B99ECD27F240}" type="datetimeFigureOut">
+            <a:fld id="{4406ACB3-1A8E-45F2-A4B4-A562FF536A44}" type="datetime1">
               <a:rPr lang="en-US" smtClean="0"/>
               <a:t>4/8/2019</a:t>
             </a:fld>
@@ -3344,6 +3696,7 @@
     <p:sldLayoutId id="2147483730" r:id="rId10"/>
     <p:sldLayoutId id="2147483731" r:id="rId11"/>
   </p:sldLayoutIdLst>
+  <p:hf hdr="0" ftr="0" dt="0"/>
   <p:txStyles>
     <p:titleStyle>
       <a:lvl1pPr algn="l" defTabSz="914400" rtl="0" eaLnBrk="1" latinLnBrk="0" hangingPunct="1">
@@ -3704,7 +4057,7 @@
         </p:nvSpPr>
         <p:spPr>
           <a:xfrm>
-            <a:off x="2358886" y="1311019"/>
+            <a:off x="2676939" y="1134113"/>
             <a:ext cx="9051235" cy="1569660"/>
           </a:xfrm>
           <a:prstGeom prst="rect">
@@ -3719,7 +4072,10 @@
           <a:lstStyle/>
           <a:p>
             <a:r>
-              <a:rPr lang="en-US" sz="4800" b="1" dirty="0"/>
+              <a:rPr lang="en-US" sz="4800" b="1" dirty="0">
+                <a:latin typeface="Adobe Caslon Pro" panose="0205050205050A020403" pitchFamily="18" charset="0"/>
+                <a:ea typeface="Cambria Math" panose="02040503050406030204" pitchFamily="18" charset="0"/>
+              </a:rPr>
               <a:t>Web Based Application for Plastic Waste Management</a:t>
             </a:r>
           </a:p>
@@ -3753,7 +4109,7 @@
         </p:blipFill>
         <p:spPr>
           <a:xfrm>
-            <a:off x="8962793" y="3280083"/>
+            <a:off x="9148323" y="3319840"/>
             <a:ext cx="2143125" cy="2133600"/>
           </a:xfrm>
           <a:prstGeom prst="rect">
@@ -3767,6 +4123,35 @@
           </a:effectLst>
         </p:spPr>
       </p:pic>
+      <p:sp>
+        <p:nvSpPr>
+          <p:cNvPr id="2" name="Slide Number Placeholder 1">
+            <a:extLst>
+              <a:ext uri="{FF2B5EF4-FFF2-40B4-BE49-F238E27FC236}">
+                <a16:creationId xmlns:a16="http://schemas.microsoft.com/office/drawing/2014/main" id="{7882B1A8-1747-4089-ACEE-23CC5928FC21}"/>
+              </a:ext>
+            </a:extLst>
+          </p:cNvPr>
+          <p:cNvSpPr>
+            <a:spLocks noGrp="1"/>
+          </p:cNvSpPr>
+          <p:nvPr>
+            <p:ph type="sldNum" sz="quarter" idx="12"/>
+          </p:nvPr>
+        </p:nvSpPr>
+        <p:spPr/>
+        <p:txBody>
+          <a:bodyPr/>
+          <a:lstStyle/>
+          <a:p>
+            <a:fld id="{C856FAD5-89AB-47AB-8E18-7B0A43CE8438}" type="slidenum">
+              <a:rPr lang="en-US" smtClean="0"/>
+              <a:t>1</a:t>
+            </a:fld>
+            <a:endParaRPr lang="en-US"/>
+          </a:p>
+        </p:txBody>
+      </p:sp>
     </p:spTree>
     <p:extLst>
       <p:ext uri="{BB962C8B-B14F-4D97-AF65-F5344CB8AC3E}">
@@ -3826,10 +4211,14 @@
           <a:lstStyle/>
           <a:p>
             <a:r>
-              <a:rPr lang="en-US" sz="4400" b="1" dirty="0"/>
+              <a:rPr lang="en-US" sz="4400" b="1" dirty="0">
+                <a:latin typeface="+mj-lt"/>
+              </a:rPr>
               <a:t>Group Members</a:t>
             </a:r>
-            <a:endParaRPr lang="en-US" b="1" dirty="0"/>
+            <a:endParaRPr lang="en-US" b="1" dirty="0">
+              <a:latin typeface="+mj-lt"/>
+            </a:endParaRPr>
           </a:p>
         </p:txBody>
       </p:sp>
@@ -3847,7 +4236,7 @@
         </p:nvSpPr>
         <p:spPr>
           <a:xfrm>
-            <a:off x="1431233" y="1961323"/>
+            <a:off x="1722781" y="1855305"/>
             <a:ext cx="10469219" cy="2923877"/>
           </a:xfrm>
           <a:prstGeom prst="rect">
@@ -3867,7 +4256,13 @@
             </a:pPr>
             <a:r>
               <a:rPr lang="en-US" sz="3200" dirty="0"/>
-              <a:t> M.M.M. ASLAM						E/15/021</a:t>
+              <a:t> </a:t>
+            </a:r>
+            <a:r>
+              <a:rPr lang="en-US" sz="3200" dirty="0">
+                <a:latin typeface="Adobe Caslon Pro" panose="0205050205050A020403" pitchFamily="18" charset="0"/>
+              </a:rPr>
+              <a:t>M.M.M. ASLAM						    E/15/021</a:t>
             </a:r>
           </a:p>
           <a:p>
@@ -3876,7 +4271,9 @@
               <a:buChar char="Ø"/>
             </a:pPr>
             <a:r>
-              <a:rPr lang="en-US" sz="3200" dirty="0"/>
+              <a:rPr lang="en-US" sz="3200" dirty="0">
+                <a:latin typeface="Adobe Caslon Pro" panose="0205050205050A020403" pitchFamily="18" charset="0"/>
+              </a:rPr>
               <a:t> M.H. HISNI MOHAMED			E/15/131</a:t>
             </a:r>
           </a:p>
@@ -3886,8 +4283,10 @@
               <a:buChar char="Ø"/>
             </a:pPr>
             <a:r>
-              <a:rPr lang="en-US" sz="3200" dirty="0"/>
-              <a:t> S. SUHAIL								E/15/348</a:t>
+              <a:rPr lang="en-US" sz="3200" dirty="0">
+                <a:latin typeface="Adobe Caslon Pro" panose="0205050205050A020403" pitchFamily="18" charset="0"/>
+              </a:rPr>
+              <a:t> S. SUHAIL								     E/15/348</a:t>
             </a:r>
           </a:p>
           <a:p>
@@ -3895,14 +4294,18 @@
               <a:buFont typeface="Wingdings" panose="05000000000000000000" pitchFamily="2" charset="2"/>
               <a:buChar char="Ø"/>
             </a:pPr>
-            <a:endParaRPr lang="en-US" sz="3200" dirty="0"/>
+            <a:endParaRPr lang="en-US" sz="3200" dirty="0">
+              <a:latin typeface="Adobe Caslon Pro" panose="0205050205050A020403" pitchFamily="18" charset="0"/>
+            </a:endParaRPr>
           </a:p>
           <a:p>
             <a:pPr marL="285750" indent="-285750">
               <a:buFont typeface="Wingdings" panose="05000000000000000000" pitchFamily="2" charset="2"/>
               <a:buChar char="Ø"/>
             </a:pPr>
-            <a:endParaRPr lang="en-US" sz="2800" dirty="0"/>
+            <a:endParaRPr lang="en-US" sz="2800" dirty="0">
+              <a:latin typeface="Adobe Caslon Pro" panose="0205050205050A020403" pitchFamily="18" charset="0"/>
+            </a:endParaRPr>
           </a:p>
           <a:p>
             <a:pPr marL="285750" indent="-285750">
@@ -3910,9 +4313,40 @@
               <a:buChar char="Ø"/>
             </a:pPr>
             <a:r>
-              <a:rPr lang="en-US" sz="2800" dirty="0"/>
+              <a:rPr lang="en-US" sz="2800" dirty="0">
+                <a:latin typeface="Adobe Caslon Pro" panose="0205050205050A020403" pitchFamily="18" charset="0"/>
+              </a:rPr>
               <a:t> Product owner &amp; Scrum Master : Miss. NIMALI KULARATNE</a:t>
             </a:r>
+          </a:p>
+        </p:txBody>
+      </p:sp>
+      <p:sp>
+        <p:nvSpPr>
+          <p:cNvPr id="2" name="Slide Number Placeholder 1">
+            <a:extLst>
+              <a:ext uri="{FF2B5EF4-FFF2-40B4-BE49-F238E27FC236}">
+                <a16:creationId xmlns:a16="http://schemas.microsoft.com/office/drawing/2014/main" id="{C2DB48B7-3F23-4E0F-9FAE-439C73DA146A}"/>
+              </a:ext>
+            </a:extLst>
+          </p:cNvPr>
+          <p:cNvSpPr>
+            <a:spLocks noGrp="1"/>
+          </p:cNvSpPr>
+          <p:nvPr>
+            <p:ph type="sldNum" sz="quarter" idx="12"/>
+          </p:nvPr>
+        </p:nvSpPr>
+        <p:spPr/>
+        <p:txBody>
+          <a:bodyPr/>
+          <a:lstStyle/>
+          <a:p>
+            <a:fld id="{C856FAD5-89AB-47AB-8E18-7B0A43CE8438}" type="slidenum">
+              <a:rPr lang="en-US" smtClean="0"/>
+              <a:t>2</a:t>
+            </a:fld>
+            <a:endParaRPr lang="en-US"/>
           </a:p>
         </p:txBody>
       </p:sp>
@@ -3996,8 +4430,8 @@
         </p:nvSpPr>
         <p:spPr>
           <a:xfrm>
-            <a:off x="1431233" y="2082106"/>
-            <a:ext cx="9568071" cy="3970318"/>
+            <a:off x="1603511" y="2082106"/>
+            <a:ext cx="9568071" cy="3354765"/>
           </a:xfrm>
           <a:prstGeom prst="rect">
             <a:avLst/>
@@ -4015,59 +4449,78 @@
               <a:buChar char="Ø"/>
             </a:pPr>
             <a:r>
-              <a:rPr lang="en-US" sz="3600" dirty="0"/>
-              <a:t> A web based application for plastic &amp; non-degradable waste management</a:t>
-            </a:r>
-            <a:r>
-              <a:rPr lang="en-US" sz="3600" dirty="0" smtClean="0"/>
-              <a:t>.</a:t>
-            </a:r>
+              <a:rPr lang="en-US" sz="3600" dirty="0">
+                <a:latin typeface="Adobe Caslon Pro" panose="0205050205050A020403" pitchFamily="18" charset="0"/>
+              </a:rPr>
+              <a:t> A web based application for plastic &amp; non-degradable waste management.</a:t>
+            </a:r>
+          </a:p>
+          <a:p>
+            <a:endParaRPr lang="en-US" sz="1600" dirty="0">
+              <a:latin typeface="Adobe Caslon Pro" panose="0205050205050A020403" pitchFamily="18" charset="0"/>
+            </a:endParaRPr>
           </a:p>
           <a:p>
             <a:pPr marL="285750" indent="-285750">
               <a:buFont typeface="Wingdings" panose="05000000000000000000" pitchFamily="2" charset="2"/>
               <a:buChar char="Ø"/>
             </a:pPr>
-            <a:endParaRPr lang="en-US" sz="3600" dirty="0"/>
+            <a:r>
+              <a:rPr lang="en-US" sz="3600" dirty="0">
+                <a:latin typeface="Adobe Caslon Pro" panose="0205050205050A020403" pitchFamily="18" charset="0"/>
+              </a:rPr>
+              <a:t> Helps public to interact with buyers.</a:t>
+            </a:r>
           </a:p>
           <a:p>
             <a:pPr marL="285750" indent="-285750">
               <a:buFont typeface="Wingdings" panose="05000000000000000000" pitchFamily="2" charset="2"/>
               <a:buChar char="Ø"/>
             </a:pPr>
-            <a:r>
-              <a:rPr lang="en-US" sz="3600" dirty="0"/>
-              <a:t> Helps public to interact with buyers</a:t>
-            </a:r>
-            <a:r>
-              <a:rPr lang="en-US" sz="3600" dirty="0" smtClean="0"/>
-              <a:t>.</a:t>
-            </a:r>
+            <a:endParaRPr lang="en-US" sz="1600" dirty="0">
+              <a:latin typeface="Adobe Caslon Pro" panose="0205050205050A020403" pitchFamily="18" charset="0"/>
+            </a:endParaRPr>
           </a:p>
           <a:p>
             <a:pPr marL="285750" indent="-285750">
               <a:buFont typeface="Wingdings" panose="05000000000000000000" pitchFamily="2" charset="2"/>
               <a:buChar char="Ø"/>
             </a:pPr>
-            <a:endParaRPr lang="en-US" sz="3600" dirty="0"/>
-          </a:p>
-          <a:p>
-            <a:pPr marL="285750" indent="-285750">
-              <a:buFont typeface="Wingdings" panose="05000000000000000000" pitchFamily="2" charset="2"/>
-              <a:buChar char="Ø"/>
-            </a:pPr>
-            <a:r>
-              <a:rPr lang="en-US" sz="3600" dirty="0"/>
-              <a:t> Helps s</a:t>
-            </a:r>
-            <a:r>
-              <a:rPr lang="en-US" sz="3600" dirty="0" smtClean="0"/>
-              <a:t>tate </a:t>
-            </a:r>
-            <a:r>
-              <a:rPr lang="en-US" sz="3600" dirty="0"/>
-              <a:t>health inspectors to track the waste disposal mechanism </a:t>
-            </a:r>
+            <a:r>
+              <a:rPr lang="en-US" sz="3600" dirty="0">
+                <a:latin typeface="Adobe Caslon Pro" panose="0205050205050A020403" pitchFamily="18" charset="0"/>
+              </a:rPr>
+              <a:t> Helps state health inspectors to track the waste disposal mechanism </a:t>
+            </a:r>
+          </a:p>
+        </p:txBody>
+      </p:sp>
+      <p:sp>
+        <p:nvSpPr>
+          <p:cNvPr id="2" name="Slide Number Placeholder 1">
+            <a:extLst>
+              <a:ext uri="{FF2B5EF4-FFF2-40B4-BE49-F238E27FC236}">
+                <a16:creationId xmlns:a16="http://schemas.microsoft.com/office/drawing/2014/main" id="{00682B7E-28FB-4E4A-ABC1-59770A4B79C0}"/>
+              </a:ext>
+            </a:extLst>
+          </p:cNvPr>
+          <p:cNvSpPr>
+            <a:spLocks noGrp="1"/>
+          </p:cNvSpPr>
+          <p:nvPr>
+            <p:ph type="sldNum" sz="quarter" idx="12"/>
+          </p:nvPr>
+        </p:nvSpPr>
+        <p:spPr/>
+        <p:txBody>
+          <a:bodyPr/>
+          <a:lstStyle/>
+          <a:p>
+            <a:fld id="{C856FAD5-89AB-47AB-8E18-7B0A43CE8438}" type="slidenum">
+              <a:rPr lang="en-US" smtClean="0"/>
+              <a:t>3</a:t>
+            </a:fld>
+            <a:endParaRPr lang="en-US"/>
           </a:p>
         </p:txBody>
       </p:sp>
@@ -4087,6 +4540,36 @@
 <file path=ppt/slides/slide4.xml><?xml version="1.0" encoding="utf-8"?>
 <p:sld xmlns:a="http://schemas.openxmlformats.org/drawingml/2006/main" xmlns:r="http://schemas.openxmlformats.org/officeDocument/2006/relationships" xmlns:p="http://schemas.openxmlformats.org/presentationml/2006/main">
   <p:cSld>
+    <p:bg>
+      <p:bgPr>
+        <a:gradFill rotWithShape="1">
+          <a:gsLst>
+            <a:gs pos="48664">
+              <a:srgbClr val="E9E8E5"/>
+            </a:gs>
+            <a:gs pos="22100">
+              <a:srgbClr val="F2F2F0"/>
+            </a:gs>
+            <a:gs pos="0">
+              <a:schemeClr val="bg2">
+                <a:tint val="94000"/>
+                <a:satMod val="80000"/>
+                <a:lumMod val="106000"/>
+              </a:schemeClr>
+            </a:gs>
+            <a:gs pos="100000">
+              <a:schemeClr val="bg2">
+                <a:shade val="80000"/>
+              </a:schemeClr>
+            </a:gs>
+          </a:gsLst>
+          <a:path path="circle">
+            <a:fillToRect l="50000" t="50000" r="50000" b="50000"/>
+          </a:path>
+        </a:gradFill>
+        <a:effectLst/>
+      </p:bgPr>
+    </p:bg>
     <p:spTree>
       <p:nvGrpSpPr>
         <p:cNvPr id="1" name=""/>
@@ -4171,7 +4654,13 @@
             </a:pPr>
             <a:r>
               <a:rPr lang="en-US" sz="4000" dirty="0"/>
-              <a:t> React JS</a:t>
+              <a:t> </a:t>
+            </a:r>
+            <a:r>
+              <a:rPr lang="en-US" sz="4000" dirty="0">
+                <a:latin typeface="Adobe Caslon Pro" panose="0205050205050A020403" pitchFamily="18" charset="0"/>
+              </a:rPr>
+              <a:t>React JS</a:t>
             </a:r>
           </a:p>
           <a:p>
@@ -4180,23 +4669,20 @@
               <a:buChar char="Ø"/>
             </a:pPr>
             <a:r>
-              <a:rPr lang="en-US" sz="4000" dirty="0"/>
-              <a:t> </a:t>
-            </a:r>
-            <a:r>
-              <a:rPr lang="en-US" sz="4000" dirty="0" smtClean="0"/>
-              <a:t>Firebase </a:t>
-            </a:r>
-            <a:endParaRPr lang="en-US" sz="4000" dirty="0"/>
+              <a:rPr lang="en-US" sz="4000" dirty="0">
+                <a:latin typeface="Adobe Caslon Pro" panose="0205050205050A020403" pitchFamily="18" charset="0"/>
+              </a:rPr>
+              <a:t> Firebase </a:t>
+            </a:r>
           </a:p>
         </p:txBody>
       </p:sp>
       <p:pic>
         <p:nvPicPr>
-          <p:cNvPr id="7" name="Picture 6">
+          <p:cNvPr id="9" name="Picture 8">
             <a:extLst>
               <a:ext uri="{FF2B5EF4-FFF2-40B4-BE49-F238E27FC236}">
-                <a16:creationId xmlns:a16="http://schemas.microsoft.com/office/drawing/2014/main" id="{7B1233A5-8A97-4E65-84E8-637214546B07}"/>
+                <a16:creationId xmlns:a16="http://schemas.microsoft.com/office/drawing/2014/main" id="{A4276200-7C93-48B5-A67A-562DB7F82790}"/>
               </a:ext>
             </a:extLst>
           </p:cNvPr>
@@ -4219,8 +4705,8 @@
         </p:blipFill>
         <p:spPr>
           <a:xfrm>
-            <a:off x="7491782" y="1361351"/>
-            <a:ext cx="3695700" cy="1238250"/>
+            <a:off x="4970697" y="4594673"/>
+            <a:ext cx="3695700" cy="1133475"/>
           </a:xfrm>
           <a:prstGeom prst="rect">
             <a:avLst/>
@@ -4229,13 +4715,7 @@
       </p:pic>
       <p:pic>
         <p:nvPicPr>
-          <p:cNvPr id="9" name="Picture 8">
-            <a:extLst>
-              <a:ext uri="{FF2B5EF4-FFF2-40B4-BE49-F238E27FC236}">
-                <a16:creationId xmlns:a16="http://schemas.microsoft.com/office/drawing/2014/main" id="{A4276200-7C93-48B5-A67A-562DB7F82790}"/>
-              </a:ext>
-            </a:extLst>
-          </p:cNvPr>
+          <p:cNvPr id="2" name="Picture 1"/>
           <p:cNvPicPr>
             <a:picLocks noChangeAspect="1"/>
           </p:cNvPicPr>
@@ -4255,17 +4735,52 @@
         </p:blipFill>
         <p:spPr>
           <a:xfrm>
-            <a:off x="4983949" y="4594673"/>
-            <a:ext cx="3695700" cy="1133475"/>
+            <a:off x="6272250" y="2978012"/>
+            <a:ext cx="3695700" cy="1238250"/>
           </a:xfrm>
           <a:prstGeom prst="rect">
             <a:avLst/>
           </a:prstGeom>
         </p:spPr>
       </p:pic>
+      <p:sp>
+        <p:nvSpPr>
+          <p:cNvPr id="3" name="Slide Number Placeholder 2">
+            <a:extLst>
+              <a:ext uri="{FF2B5EF4-FFF2-40B4-BE49-F238E27FC236}">
+                <a16:creationId xmlns:a16="http://schemas.microsoft.com/office/drawing/2014/main" id="{C10AA44D-6E6F-4D79-B559-73AF9B7E1C36}"/>
+              </a:ext>
+            </a:extLst>
+          </p:cNvPr>
+          <p:cNvSpPr>
+            <a:spLocks noGrp="1"/>
+          </p:cNvSpPr>
+          <p:nvPr>
+            <p:ph type="sldNum" sz="quarter" idx="12"/>
+          </p:nvPr>
+        </p:nvSpPr>
+        <p:spPr/>
+        <p:txBody>
+          <a:bodyPr/>
+          <a:lstStyle/>
+          <a:p>
+            <a:fld id="{C856FAD5-89AB-47AB-8E18-7B0A43CE8438}" type="slidenum">
+              <a:rPr lang="en-US" smtClean="0"/>
+              <a:t>4</a:t>
+            </a:fld>
+            <a:endParaRPr lang="en-US"/>
+          </a:p>
+        </p:txBody>
+      </p:sp>
       <p:pic>
         <p:nvPicPr>
-          <p:cNvPr id="2" name="Picture 1"/>
+          <p:cNvPr id="7" name="Picture 6">
+            <a:extLst>
+              <a:ext uri="{FF2B5EF4-FFF2-40B4-BE49-F238E27FC236}">
+                <a16:creationId xmlns:a16="http://schemas.microsoft.com/office/drawing/2014/main" id="{7B1233A5-8A97-4E65-84E8-637214546B07}"/>
+              </a:ext>
+            </a:extLst>
+          </p:cNvPr>
           <p:cNvPicPr>
             <a:picLocks noChangeAspect="1"/>
           </p:cNvPicPr>
@@ -4285,12 +4800,20 @@
         </p:blipFill>
         <p:spPr>
           <a:xfrm>
-            <a:off x="6272250" y="2978012"/>
+            <a:off x="7491782" y="1361351"/>
             <a:ext cx="3695700" cy="1238250"/>
           </a:xfrm>
           <a:prstGeom prst="rect">
             <a:avLst/>
           </a:prstGeom>
+          <a:pattFill prst="trellis">
+            <a:fgClr>
+              <a:schemeClr val="accent1"/>
+            </a:fgClr>
+            <a:bgClr>
+              <a:schemeClr val="bg1"/>
+            </a:bgClr>
+          </a:pattFill>
         </p:spPr>
       </p:pic>
     </p:spTree>
@@ -4337,7 +4860,7 @@
         </p:nvSpPr>
         <p:spPr>
           <a:xfrm>
-            <a:off x="1431234" y="940906"/>
+            <a:off x="1431233" y="917830"/>
             <a:ext cx="5115339" cy="769441"/>
           </a:xfrm>
           <a:prstGeom prst="rect">
@@ -4373,7 +4896,7 @@
         </p:nvSpPr>
         <p:spPr>
           <a:xfrm>
-            <a:off x="1431233" y="2037620"/>
+            <a:off x="1702901" y="1802296"/>
             <a:ext cx="9687341" cy="3539430"/>
           </a:xfrm>
           <a:prstGeom prst="rect">
@@ -4393,7 +4916,13 @@
             </a:pPr>
             <a:r>
               <a:rPr lang="en-US" sz="3200" dirty="0"/>
-              <a:t> Requirement gathering and getting familiar with technologies </a:t>
+              <a:t> </a:t>
+            </a:r>
+            <a:r>
+              <a:rPr lang="en-US" sz="3200" dirty="0">
+                <a:latin typeface="Adobe Caslon Pro" panose="0205050205050A020403" pitchFamily="18" charset="0"/>
+              </a:rPr>
+              <a:t>Requirement gathering and getting familiar with technologies </a:t>
             </a:r>
           </a:p>
           <a:p>
@@ -4402,7 +4931,9 @@
               <a:buChar char="Ø"/>
             </a:pPr>
             <a:r>
-              <a:rPr lang="en-US" sz="3200" dirty="0"/>
+              <a:rPr lang="en-US" sz="3200" dirty="0">
+                <a:latin typeface="Adobe Caslon Pro" panose="0205050205050A020403" pitchFamily="18" charset="0"/>
+              </a:rPr>
               <a:t> User interface designing </a:t>
             </a:r>
           </a:p>
@@ -4412,7 +4943,9 @@
               <a:buChar char="Ø"/>
             </a:pPr>
             <a:r>
-              <a:rPr lang="en-US" sz="3200" dirty="0"/>
+              <a:rPr lang="en-US" sz="3200" dirty="0">
+                <a:latin typeface="Adobe Caslon Pro" panose="0205050205050A020403" pitchFamily="18" charset="0"/>
+              </a:rPr>
               <a:t> Database configuration</a:t>
             </a:r>
           </a:p>
@@ -4422,7 +4955,9 @@
               <a:buChar char="Ø"/>
             </a:pPr>
             <a:r>
-              <a:rPr lang="en-US" sz="3200" dirty="0"/>
+              <a:rPr lang="en-US" sz="3200" dirty="0">
+                <a:latin typeface="Adobe Caslon Pro" panose="0205050205050A020403" pitchFamily="18" charset="0"/>
+              </a:rPr>
               <a:t> Implementing user registration &amp; authentication </a:t>
             </a:r>
           </a:p>
@@ -4432,7 +4967,9 @@
               <a:buChar char="Ø"/>
             </a:pPr>
             <a:r>
-              <a:rPr lang="en-US" sz="3200" dirty="0"/>
+              <a:rPr lang="en-US" sz="3200" dirty="0">
+                <a:latin typeface="Adobe Caslon Pro" panose="0205050205050A020403" pitchFamily="18" charset="0"/>
+              </a:rPr>
               <a:t> Cloud deployment &amp; Configuration </a:t>
             </a:r>
           </a:p>
@@ -4442,9 +4979,40 @@
               <a:buChar char="Ø"/>
             </a:pPr>
             <a:r>
-              <a:rPr lang="en-US" sz="3200" dirty="0"/>
+              <a:rPr lang="en-US" sz="3200" dirty="0">
+                <a:latin typeface="Adobe Caslon Pro" panose="0205050205050A020403" pitchFamily="18" charset="0"/>
+              </a:rPr>
               <a:t> Testing &amp; Evaluation </a:t>
             </a:r>
+          </a:p>
+        </p:txBody>
+      </p:sp>
+      <p:sp>
+        <p:nvSpPr>
+          <p:cNvPr id="2" name="Slide Number Placeholder 1">
+            <a:extLst>
+              <a:ext uri="{FF2B5EF4-FFF2-40B4-BE49-F238E27FC236}">
+                <a16:creationId xmlns:a16="http://schemas.microsoft.com/office/drawing/2014/main" id="{05646080-90E5-4506-AF02-12DE5A4E4701}"/>
+              </a:ext>
+            </a:extLst>
+          </p:cNvPr>
+          <p:cNvSpPr>
+            <a:spLocks noGrp="1"/>
+          </p:cNvSpPr>
+          <p:nvPr>
+            <p:ph type="sldNum" sz="quarter" idx="12"/>
+          </p:nvPr>
+        </p:nvSpPr>
+        <p:spPr/>
+        <p:txBody>
+          <a:bodyPr/>
+          <a:lstStyle/>
+          <a:p>
+            <a:fld id="{C856FAD5-89AB-47AB-8E18-7B0A43CE8438}" type="slidenum">
+              <a:rPr lang="en-US" smtClean="0"/>
+              <a:t>5</a:t>
+            </a:fld>
+            <a:endParaRPr lang="en-US"/>
           </a:p>
         </p:txBody>
       </p:sp>
@@ -4528,8 +5096,8 @@
         </p:nvSpPr>
         <p:spPr>
           <a:xfrm>
-            <a:off x="1431233" y="2358887"/>
-            <a:ext cx="9409045" cy="3416320"/>
+            <a:off x="1842050" y="2133600"/>
+            <a:ext cx="9409045" cy="2800767"/>
           </a:xfrm>
           <a:prstGeom prst="rect">
             <a:avLst/>
@@ -4547,17 +5115,20 @@
               <a:buChar char="Ø"/>
             </a:pPr>
             <a:r>
-              <a:rPr lang="en-US" sz="3600" dirty="0"/>
-              <a:t> Gathered the requirement and got familiar with technologies </a:t>
-            </a:r>
-            <a:endParaRPr lang="en-US" sz="3600" dirty="0" smtClean="0"/>
+              <a:rPr lang="en-US" sz="3600" dirty="0">
+                <a:latin typeface="Adobe Caslon Pro" panose="0205050205050A020403" pitchFamily="18" charset="0"/>
+              </a:rPr>
+              <a:t> Gathered the requirement and got familiar    	with technologies </a:t>
+            </a:r>
           </a:p>
           <a:p>
             <a:pPr marL="285750" indent="-285750">
               <a:buFont typeface="Wingdings" panose="05000000000000000000" pitchFamily="2" charset="2"/>
               <a:buChar char="Ø"/>
             </a:pPr>
-            <a:endParaRPr lang="en-US" sz="3600" dirty="0"/>
+            <a:endParaRPr lang="en-US" sz="1600" dirty="0">
+              <a:latin typeface="Adobe Caslon Pro" panose="0205050205050A020403" pitchFamily="18" charset="0"/>
+            </a:endParaRPr>
           </a:p>
           <a:p>
             <a:pPr marL="285750" indent="-285750">
@@ -4565,12 +5136,10 @@
               <a:buChar char="Ø"/>
             </a:pPr>
             <a:r>
-              <a:rPr lang="en-US" sz="3600" dirty="0"/>
-              <a:t> Designed the user </a:t>
-            </a:r>
-            <a:r>
-              <a:rPr lang="en-US" sz="3600" dirty="0" smtClean="0"/>
-              <a:t>interface</a:t>
+              <a:rPr lang="en-US" sz="3600" dirty="0">
+                <a:latin typeface="Adobe Caslon Pro" panose="0205050205050A020403" pitchFamily="18" charset="0"/>
+              </a:rPr>
+              <a:t> Designed the user interface</a:t>
             </a:r>
           </a:p>
           <a:p>
@@ -4578,7 +5147,9 @@
               <a:buFont typeface="Wingdings" panose="05000000000000000000" pitchFamily="2" charset="2"/>
               <a:buChar char="Ø"/>
             </a:pPr>
-            <a:endParaRPr lang="en-US" sz="3600" dirty="0"/>
+            <a:endParaRPr lang="en-US" sz="1600" dirty="0">
+              <a:latin typeface="Adobe Caslon Pro" panose="0205050205050A020403" pitchFamily="18" charset="0"/>
+            </a:endParaRPr>
           </a:p>
           <a:p>
             <a:pPr marL="285750" indent="-285750">
@@ -4586,9 +5157,40 @@
               <a:buChar char="Ø"/>
             </a:pPr>
             <a:r>
-              <a:rPr lang="en-US" sz="3600" dirty="0"/>
+              <a:rPr lang="en-US" sz="3600" dirty="0">
+                <a:latin typeface="Adobe Caslon Pro" panose="0205050205050A020403" pitchFamily="18" charset="0"/>
+              </a:rPr>
               <a:t> Configured the database</a:t>
             </a:r>
+          </a:p>
+        </p:txBody>
+      </p:sp>
+      <p:sp>
+        <p:nvSpPr>
+          <p:cNvPr id="2" name="Slide Number Placeholder 1">
+            <a:extLst>
+              <a:ext uri="{FF2B5EF4-FFF2-40B4-BE49-F238E27FC236}">
+                <a16:creationId xmlns:a16="http://schemas.microsoft.com/office/drawing/2014/main" id="{5672C669-5357-43D6-A270-FA8BB6AE332F}"/>
+              </a:ext>
+            </a:extLst>
+          </p:cNvPr>
+          <p:cNvSpPr>
+            <a:spLocks noGrp="1"/>
+          </p:cNvSpPr>
+          <p:nvPr>
+            <p:ph type="sldNum" sz="quarter" idx="12"/>
+          </p:nvPr>
+        </p:nvSpPr>
+        <p:spPr/>
+        <p:txBody>
+          <a:bodyPr/>
+          <a:lstStyle/>
+          <a:p>
+            <a:fld id="{C856FAD5-89AB-47AB-8E18-7B0A43CE8438}" type="slidenum">
+              <a:rPr lang="en-US" smtClean="0"/>
+              <a:t>6</a:t>
+            </a:fld>
+            <a:endParaRPr lang="en-US"/>
           </a:p>
         </p:txBody>
       </p:sp>
@@ -4636,7 +5238,7 @@
         </p:nvSpPr>
         <p:spPr>
           <a:xfrm>
-            <a:off x="1431234" y="940906"/>
+            <a:off x="1431234" y="957998"/>
             <a:ext cx="5115339" cy="769441"/>
           </a:xfrm>
           <a:prstGeom prst="rect">
@@ -4652,11 +5254,7 @@
           <a:p>
             <a:r>
               <a:rPr lang="en-US" sz="4400" b="1" dirty="0"/>
-              <a:t>Extra </a:t>
-            </a:r>
-            <a:r>
-              <a:rPr lang="en-US" sz="4400" b="1" dirty="0" smtClean="0"/>
-              <a:t>Milestones</a:t>
+              <a:t>Extra Milestones</a:t>
             </a:r>
             <a:endParaRPr lang="en-US" b="1" dirty="0"/>
           </a:p>
@@ -4676,8 +5274,8 @@
         </p:nvSpPr>
         <p:spPr>
           <a:xfrm>
-            <a:off x="1431233" y="2676939"/>
-            <a:ext cx="9965637" cy="2554545"/>
+            <a:off x="1563754" y="2464020"/>
+            <a:ext cx="9965637" cy="2308324"/>
           </a:xfrm>
           <a:prstGeom prst="rect">
             <a:avLst/>
@@ -4690,17 +5288,35 @@
           </a:bodyPr>
           <a:lstStyle/>
           <a:p>
-            <a:r>
-              <a:rPr lang="en-US" sz="4000" dirty="0"/>
+            <a:pPr marL="571500" indent="-571500">
+              <a:buFont typeface="Wingdings" panose="05000000000000000000" pitchFamily="2" charset="2"/>
+              <a:buChar char="Ø"/>
+            </a:pPr>
+            <a:r>
+              <a:rPr lang="en-US" sz="4000" dirty="0">
+                <a:latin typeface="Adobe Caslon Pro" panose="0205050205050A020403" pitchFamily="18" charset="0"/>
+              </a:rPr>
               <a:t>Developing a Mobile App (Android)</a:t>
             </a:r>
           </a:p>
           <a:p>
-            <a:endParaRPr lang="en-US" sz="4000" dirty="0"/>
-          </a:p>
-          <a:p>
-            <a:r>
-              <a:rPr lang="en-US" sz="4000" dirty="0"/>
+            <a:pPr marL="342900" indent="-342900">
+              <a:buFont typeface="Wingdings" panose="05000000000000000000" pitchFamily="2" charset="2"/>
+              <a:buChar char="Ø"/>
+            </a:pPr>
+            <a:endParaRPr lang="en-US" sz="2400" dirty="0">
+              <a:latin typeface="Adobe Caslon Pro" panose="0205050205050A020403" pitchFamily="18" charset="0"/>
+            </a:endParaRPr>
+          </a:p>
+          <a:p>
+            <a:pPr marL="571500" indent="-571500">
+              <a:buFont typeface="Wingdings" panose="05000000000000000000" pitchFamily="2" charset="2"/>
+              <a:buChar char="Ø"/>
+            </a:pPr>
+            <a:r>
+              <a:rPr lang="en-US" sz="4000" dirty="0">
+                <a:latin typeface="Adobe Caslon Pro" panose="0205050205050A020403" pitchFamily="18" charset="0"/>
+              </a:rPr>
               <a:t>Monitoring System/Portal for State health inspectors</a:t>
             </a:r>
           </a:p>
@@ -4734,7 +5350,7 @@
         </p:blipFill>
         <p:spPr>
           <a:xfrm>
-            <a:off x="8698349" y="578515"/>
+            <a:off x="8155620" y="247543"/>
             <a:ext cx="2605146" cy="1838114"/>
           </a:xfrm>
           <a:prstGeom prst="rect">
@@ -4742,6 +5358,40 @@
           </a:prstGeom>
         </p:spPr>
       </p:pic>
+      <p:sp>
+        <p:nvSpPr>
+          <p:cNvPr id="2" name="Slide Number Placeholder 1">
+            <a:extLst>
+              <a:ext uri="{FF2B5EF4-FFF2-40B4-BE49-F238E27FC236}">
+                <a16:creationId xmlns:a16="http://schemas.microsoft.com/office/drawing/2014/main" id="{61A62C7E-7145-468D-B0B1-A1AA6FCF2087}"/>
+              </a:ext>
+            </a:extLst>
+          </p:cNvPr>
+          <p:cNvSpPr>
+            <a:spLocks noGrp="1"/>
+          </p:cNvSpPr>
+          <p:nvPr>
+            <p:ph type="sldNum" sz="quarter" idx="12"/>
+          </p:nvPr>
+        </p:nvSpPr>
+        <p:spPr>
+          <a:xfrm>
+            <a:off x="480061" y="839141"/>
+            <a:ext cx="765644" cy="503578"/>
+          </a:xfrm>
+        </p:spPr>
+        <p:txBody>
+          <a:bodyPr/>
+          <a:lstStyle/>
+          <a:p>
+            <a:fld id="{C856FAD5-89AB-47AB-8E18-7B0A43CE8438}" type="slidenum">
+              <a:rPr lang="en-US" smtClean="0"/>
+              <a:t>7</a:t>
+            </a:fld>
+            <a:endParaRPr lang="en-US"/>
+          </a:p>
+        </p:txBody>
+      </p:sp>
     </p:spTree>
     <p:extLst>
       <p:ext uri="{BB962C8B-B14F-4D97-AF65-F5344CB8AC3E}">
@@ -4814,10 +5464,9 @@
           <a:p>
             <a:pPr algn="ctr"/>
             <a:r>
-              <a:rPr lang="en-US" sz="7200" b="1" dirty="0" smtClean="0"/>
+              <a:rPr lang="en-US" sz="7200" b="1" dirty="0"/>
               <a:t>Thank You…</a:t>
             </a:r>
-            <a:endParaRPr lang="en-US" sz="7200" b="1" dirty="0"/>
           </a:p>
         </p:txBody>
       </p:sp>
@@ -5085,4 +5734,299 @@
     </a:ext>
   </a:extLst>
 </a:theme>
+</file>
+
+<file path=ppt/theme/theme2.xml><?xml version="1.0" encoding="utf-8"?>
+<a:theme xmlns:a="http://schemas.openxmlformats.org/drawingml/2006/main" name="Office Theme">
+  <a:themeElements>
+    <a:clrScheme name="Office">
+      <a:dk1>
+        <a:sysClr val="windowText" lastClr="000000"/>
+      </a:dk1>
+      <a:lt1>
+        <a:sysClr val="window" lastClr="FFFFFF"/>
+      </a:lt1>
+      <a:dk2>
+        <a:srgbClr val="44546A"/>
+      </a:dk2>
+      <a:lt2>
+        <a:srgbClr val="E7E6E6"/>
+      </a:lt2>
+      <a:accent1>
+        <a:srgbClr val="4472C4"/>
+      </a:accent1>
+      <a:accent2>
+        <a:srgbClr val="ED7D31"/>
+      </a:accent2>
+      <a:accent3>
+        <a:srgbClr val="A5A5A5"/>
+      </a:accent3>
+      <a:accent4>
+        <a:srgbClr val="FFC000"/>
+      </a:accent4>
+      <a:accent5>
+        <a:srgbClr val="5B9BD5"/>
+      </a:accent5>
+      <a:accent6>
+        <a:srgbClr val="70AD47"/>
+      </a:accent6>
+      <a:hlink>
+        <a:srgbClr val="0563C1"/>
+      </a:hlink>
+      <a:folHlink>
+        <a:srgbClr val="954F72"/>
+      </a:folHlink>
+    </a:clrScheme>
+    <a:fontScheme name="Office">
+      <a:majorFont>
+        <a:latin typeface="Calibri Light" panose="020F0302020204030204"/>
+        <a:ea typeface=""/>
+        <a:cs typeface=""/>
+        <a:font script="Jpan" typeface="游ゴシック Light"/>
+        <a:font script="Hang" typeface="맑은 고딕"/>
+        <a:font script="Hans" typeface="等线 Light"/>
+        <a:font script="Hant" typeface="新細明體"/>
+        <a:font script="Arab" typeface="Times New Roman"/>
+        <a:font script="Hebr" typeface="Times New Roman"/>
+        <a:font script="Thai" typeface="Angsana New"/>
+        <a:font script="Ethi" typeface="Nyala"/>
+        <a:font script="Beng" typeface="Vrinda"/>
+        <a:font script="Gujr" typeface="Shruti"/>
+        <a:font script="Khmr" typeface="MoolBoran"/>
+        <a:font script="Knda" typeface="Tunga"/>
+        <a:font script="Guru" typeface="Raavi"/>
+        <a:font script="Cans" typeface="Euphemia"/>
+        <a:font script="Cher" typeface="Plantagenet Cherokee"/>
+        <a:font script="Yiii" typeface="Microsoft Yi Baiti"/>
+        <a:font script="Tibt" typeface="Microsoft Himalaya"/>
+        <a:font script="Thaa" typeface="MV Boli"/>
+        <a:font script="Deva" typeface="Mangal"/>
+        <a:font script="Telu" typeface="Gautami"/>
+        <a:font script="Taml" typeface="Latha"/>
+        <a:font script="Syrc" typeface="Estrangelo Edessa"/>
+        <a:font script="Orya" typeface="Kalinga"/>
+        <a:font script="Mlym" typeface="Kartika"/>
+        <a:font script="Laoo" typeface="DokChampa"/>
+        <a:font script="Sinh" typeface="Iskoola Pota"/>
+        <a:font script="Mong" typeface="Mongolian Baiti"/>
+        <a:font script="Viet" typeface="Times New Roman"/>
+        <a:font script="Uigh" typeface="Microsoft Uighur"/>
+        <a:font script="Geor" typeface="Sylfaen"/>
+        <a:font script="Armn" typeface="Arial"/>
+        <a:font script="Bugi" typeface="Leelawadee UI"/>
+        <a:font script="Bopo" typeface="Microsoft JhengHei"/>
+        <a:font script="Java" typeface="Javanese Text"/>
+        <a:font script="Lisu" typeface="Segoe UI"/>
+        <a:font script="Mymr" typeface="Myanmar Text"/>
+        <a:font script="Nkoo" typeface="Ebrima"/>
+        <a:font script="Olck" typeface="Nirmala UI"/>
+        <a:font script="Osma" typeface="Ebrima"/>
+        <a:font script="Phag" typeface="Phagspa"/>
+        <a:font script="Syrn" typeface="Estrangelo Edessa"/>
+        <a:font script="Syrj" typeface="Estrangelo Edessa"/>
+        <a:font script="Syre" typeface="Estrangelo Edessa"/>
+        <a:font script="Sora" typeface="Nirmala UI"/>
+        <a:font script="Tale" typeface="Microsoft Tai Le"/>
+        <a:font script="Talu" typeface="Microsoft New Tai Lue"/>
+        <a:font script="Tfng" typeface="Ebrima"/>
+      </a:majorFont>
+      <a:minorFont>
+        <a:latin typeface="Calibri" panose="020F0502020204030204"/>
+        <a:ea typeface=""/>
+        <a:cs typeface=""/>
+        <a:font script="Jpan" typeface="游ゴシック"/>
+        <a:font script="Hang" typeface="맑은 고딕"/>
+        <a:font script="Hans" typeface="等线"/>
+        <a:font script="Hant" typeface="新細明體"/>
+        <a:font script="Arab" typeface="Arial"/>
+        <a:font script="Hebr" typeface="Arial"/>
+        <a:font script="Thai" typeface="Cordia New"/>
+        <a:font script="Ethi" typeface="Nyala"/>
+        <a:font script="Beng" typeface="Vrinda"/>
+        <a:font script="Gujr" typeface="Shruti"/>
+        <a:font script="Khmr" typeface="DaunPenh"/>
+        <a:font script="Knda" typeface="Tunga"/>
+        <a:font script="Guru" typeface="Raavi"/>
+        <a:font script="Cans" typeface="Euphemia"/>
+        <a:font script="Cher" typeface="Plantagenet Cherokee"/>
+        <a:font script="Yiii" typeface="Microsoft Yi Baiti"/>
+        <a:font script="Tibt" typeface="Microsoft Himalaya"/>
+        <a:font script="Thaa" typeface="MV Boli"/>
+        <a:font script="Deva" typeface="Mangal"/>
+        <a:font script="Telu" typeface="Gautami"/>
+        <a:font script="Taml" typeface="Latha"/>
+        <a:font script="Syrc" typeface="Estrangelo Edessa"/>
+        <a:font script="Orya" typeface="Kalinga"/>
+        <a:font script="Mlym" typeface="Kartika"/>
+        <a:font script="Laoo" typeface="DokChampa"/>
+        <a:font script="Sinh" typeface="Iskoola Pota"/>
+        <a:font script="Mong" typeface="Mongolian Baiti"/>
+        <a:font script="Viet" typeface="Arial"/>
+        <a:font script="Uigh" typeface="Microsoft Uighur"/>
+        <a:font script="Geor" typeface="Sylfaen"/>
+        <a:font script="Armn" typeface="Arial"/>
+        <a:font script="Bugi" typeface="Leelawadee UI"/>
+        <a:font script="Bopo" typeface="Microsoft JhengHei"/>
+        <a:font script="Java" typeface="Javanese Text"/>
+        <a:font script="Lisu" typeface="Segoe UI"/>
+        <a:font script="Mymr" typeface="Myanmar Text"/>
+        <a:font script="Nkoo" typeface="Ebrima"/>
+        <a:font script="Olck" typeface="Nirmala UI"/>
+        <a:font script="Osma" typeface="Ebrima"/>
+        <a:font script="Phag" typeface="Phagspa"/>
+        <a:font script="Syrn" typeface="Estrangelo Edessa"/>
+        <a:font script="Syrj" typeface="Estrangelo Edessa"/>
+        <a:font script="Syre" typeface="Estrangelo Edessa"/>
+        <a:font script="Sora" typeface="Nirmala UI"/>
+        <a:font script="Tale" typeface="Microsoft Tai Le"/>
+        <a:font script="Talu" typeface="Microsoft New Tai Lue"/>
+        <a:font script="Tfng" typeface="Ebrima"/>
+      </a:minorFont>
+    </a:fontScheme>
+    <a:fmtScheme name="Office">
+      <a:fillStyleLst>
+        <a:solidFill>
+          <a:schemeClr val="phClr"/>
+        </a:solidFill>
+        <a:gradFill rotWithShape="1">
+          <a:gsLst>
+            <a:gs pos="0">
+              <a:schemeClr val="phClr">
+                <a:lumMod val="110000"/>
+                <a:satMod val="105000"/>
+                <a:tint val="67000"/>
+              </a:schemeClr>
+            </a:gs>
+            <a:gs pos="50000">
+              <a:schemeClr val="phClr">
+                <a:lumMod val="105000"/>
+                <a:satMod val="103000"/>
+                <a:tint val="73000"/>
+              </a:schemeClr>
+            </a:gs>
+            <a:gs pos="100000">
+              <a:schemeClr val="phClr">
+                <a:lumMod val="105000"/>
+                <a:satMod val="109000"/>
+                <a:tint val="81000"/>
+              </a:schemeClr>
+            </a:gs>
+          </a:gsLst>
+          <a:lin ang="5400000" scaled="0"/>
+        </a:gradFill>
+        <a:gradFill rotWithShape="1">
+          <a:gsLst>
+            <a:gs pos="0">
+              <a:schemeClr val="phClr">
+                <a:satMod val="103000"/>
+                <a:lumMod val="102000"/>
+                <a:tint val="94000"/>
+              </a:schemeClr>
+            </a:gs>
+            <a:gs pos="50000">
+              <a:schemeClr val="phClr">
+                <a:satMod val="110000"/>
+                <a:lumMod val="100000"/>
+                <a:shade val="100000"/>
+              </a:schemeClr>
+            </a:gs>
+            <a:gs pos="100000">
+              <a:schemeClr val="phClr">
+                <a:lumMod val="99000"/>
+                <a:satMod val="120000"/>
+                <a:shade val="78000"/>
+              </a:schemeClr>
+            </a:gs>
+          </a:gsLst>
+          <a:lin ang="5400000" scaled="0"/>
+        </a:gradFill>
+      </a:fillStyleLst>
+      <a:lnStyleLst>
+        <a:ln w="6350" cap="flat" cmpd="sng" algn="ctr">
+          <a:solidFill>
+            <a:schemeClr val="phClr"/>
+          </a:solidFill>
+          <a:prstDash val="solid"/>
+          <a:miter lim="800000"/>
+        </a:ln>
+        <a:ln w="12700" cap="flat" cmpd="sng" algn="ctr">
+          <a:solidFill>
+            <a:schemeClr val="phClr"/>
+          </a:solidFill>
+          <a:prstDash val="solid"/>
+          <a:miter lim="800000"/>
+        </a:ln>
+        <a:ln w="19050" cap="flat" cmpd="sng" algn="ctr">
+          <a:solidFill>
+            <a:schemeClr val="phClr"/>
+          </a:solidFill>
+          <a:prstDash val="solid"/>
+          <a:miter lim="800000"/>
+        </a:ln>
+      </a:lnStyleLst>
+      <a:effectStyleLst>
+        <a:effectStyle>
+          <a:effectLst/>
+        </a:effectStyle>
+        <a:effectStyle>
+          <a:effectLst/>
+        </a:effectStyle>
+        <a:effectStyle>
+          <a:effectLst>
+            <a:outerShdw blurRad="57150" dist="19050" dir="5400000" algn="ctr" rotWithShape="0">
+              <a:srgbClr val="000000">
+                <a:alpha val="63000"/>
+              </a:srgbClr>
+            </a:outerShdw>
+          </a:effectLst>
+        </a:effectStyle>
+      </a:effectStyleLst>
+      <a:bgFillStyleLst>
+        <a:solidFill>
+          <a:schemeClr val="phClr"/>
+        </a:solidFill>
+        <a:solidFill>
+          <a:schemeClr val="phClr">
+            <a:tint val="95000"/>
+            <a:satMod val="170000"/>
+          </a:schemeClr>
+        </a:solidFill>
+        <a:gradFill rotWithShape="1">
+          <a:gsLst>
+            <a:gs pos="0">
+              <a:schemeClr val="phClr">
+                <a:tint val="93000"/>
+                <a:satMod val="150000"/>
+                <a:shade val="98000"/>
+                <a:lumMod val="102000"/>
+              </a:schemeClr>
+            </a:gs>
+            <a:gs pos="50000">
+              <a:schemeClr val="phClr">
+                <a:tint val="98000"/>
+                <a:satMod val="130000"/>
+                <a:shade val="90000"/>
+                <a:lumMod val="103000"/>
+              </a:schemeClr>
+            </a:gs>
+            <a:gs pos="100000">
+              <a:schemeClr val="phClr">
+                <a:shade val="63000"/>
+                <a:satMod val="120000"/>
+              </a:schemeClr>
+            </a:gs>
+          </a:gsLst>
+          <a:lin ang="5400000" scaled="0"/>
+        </a:gradFill>
+      </a:bgFillStyleLst>
+    </a:fmtScheme>
+  </a:themeElements>
+  <a:objectDefaults/>
+  <a:extraClrSchemeLst/>
+  <a:extLst>
+    <a:ext uri="{05A4C25C-085E-4340-85A3-A5531E510DB2}">
+      <thm15:themeFamily xmlns:thm15="http://schemas.microsoft.com/office/thememl/2012/main" name="Office Theme" id="{62F939B6-93AF-4DB8-9C6B-D6C7DFDC589F}" vid="{4A3C46E8-61CC-4603-A589-7422A47A8E4A}"/>
+    </a:ext>
+  </a:extLst>
+</a:theme>
 </file>
--- a/Presantation/Presentation - Final.pptx
+++ b/Presantation/Presentation - Final.pptx
@@ -4237,7 +4237,7 @@
         <p:spPr>
           <a:xfrm>
             <a:off x="1722781" y="1855305"/>
-            <a:ext cx="10469219" cy="2923877"/>
+            <a:ext cx="10469219" cy="3170099"/>
           </a:xfrm>
           <a:prstGeom prst="rect">
             <a:avLst/>
@@ -4270,6 +4270,15 @@
               <a:buFont typeface="Wingdings" panose="05000000000000000000" pitchFamily="2" charset="2"/>
               <a:buChar char="Ø"/>
             </a:pPr>
+            <a:endParaRPr lang="en-US" sz="800" dirty="0">
+              <a:latin typeface="Adobe Caslon Pro" panose="0205050205050A020403" pitchFamily="18" charset="0"/>
+            </a:endParaRPr>
+          </a:p>
+          <a:p>
+            <a:pPr marL="285750" indent="-285750">
+              <a:buFont typeface="Wingdings" panose="05000000000000000000" pitchFamily="2" charset="2"/>
+              <a:buChar char="Ø"/>
+            </a:pPr>
             <a:r>
               <a:rPr lang="en-US" sz="3200" dirty="0">
                 <a:latin typeface="Adobe Caslon Pro" panose="0205050205050A020403" pitchFamily="18" charset="0"/>
@@ -4282,6 +4291,15 @@
               <a:buFont typeface="Wingdings" panose="05000000000000000000" pitchFamily="2" charset="2"/>
               <a:buChar char="Ø"/>
             </a:pPr>
+            <a:endParaRPr lang="en-US" sz="800" dirty="0">
+              <a:latin typeface="Adobe Caslon Pro" panose="0205050205050A020403" pitchFamily="18" charset="0"/>
+            </a:endParaRPr>
+          </a:p>
+          <a:p>
+            <a:pPr marL="285750" indent="-285750">
+              <a:buFont typeface="Wingdings" panose="05000000000000000000" pitchFamily="2" charset="2"/>
+              <a:buChar char="Ø"/>
+            </a:pPr>
             <a:r>
               <a:rPr lang="en-US" sz="3200" dirty="0">
                 <a:latin typeface="Adobe Caslon Pro" panose="0205050205050A020403" pitchFamily="18" charset="0"/>
@@ -4290,19 +4308,11 @@
             </a:r>
           </a:p>
           <a:p>
-            <a:pPr marL="285750" indent="-285750">
-              <a:buFont typeface="Wingdings" panose="05000000000000000000" pitchFamily="2" charset="2"/>
-              <a:buChar char="Ø"/>
-            </a:pPr>
             <a:endParaRPr lang="en-US" sz="3200" dirty="0">
               <a:latin typeface="Adobe Caslon Pro" panose="0205050205050A020403" pitchFamily="18" charset="0"/>
             </a:endParaRPr>
           </a:p>
           <a:p>
-            <a:pPr marL="285750" indent="-285750">
-              <a:buFont typeface="Wingdings" panose="05000000000000000000" pitchFamily="2" charset="2"/>
-              <a:buChar char="Ø"/>
-            </a:pPr>
             <a:endParaRPr lang="en-US" sz="2800" dirty="0">
               <a:latin typeface="Adobe Caslon Pro" panose="0205050205050A020403" pitchFamily="18" charset="0"/>
             </a:endParaRPr>

--- a/Presantation/Presentation - Final.pptx
+++ b/Presantation/Presentation - Final.pptx
@@ -5,7 +5,7 @@
     <p:sldMasterId id="2147483720" r:id="rId1"/>
   </p:sldMasterIdLst>
   <p:notesMasterIdLst>
-    <p:notesMasterId r:id="rId10"/>
+    <p:notesMasterId r:id="rId11"/>
   </p:notesMasterIdLst>
   <p:sldIdLst>
     <p:sldId id="256" r:id="rId2"/>
@@ -14,8 +14,9 @@
     <p:sldId id="259" r:id="rId5"/>
     <p:sldId id="260" r:id="rId6"/>
     <p:sldId id="261" r:id="rId7"/>
-    <p:sldId id="262" r:id="rId8"/>
-    <p:sldId id="264" r:id="rId9"/>
+    <p:sldId id="266" r:id="rId8"/>
+    <p:sldId id="262" r:id="rId9"/>
+    <p:sldId id="264" r:id="rId10"/>
   </p:sldIdLst>
   <p:sldSz cx="12192000" cy="6858000"/>
   <p:notesSz cx="6858000" cy="9144000"/>
@@ -4058,7 +4059,7 @@
         <p:spPr>
           <a:xfrm>
             <a:off x="2676939" y="1134113"/>
-            <a:ext cx="9051235" cy="1569660"/>
+            <a:ext cx="9051235" cy="1692771"/>
           </a:xfrm>
           <a:prstGeom prst="rect">
             <a:avLst/>
@@ -4072,8 +4073,8 @@
           <a:lstStyle/>
           <a:p>
             <a:r>
-              <a:rPr lang="en-US" sz="4800" b="1" dirty="0">
-                <a:latin typeface="Adobe Caslon Pro" panose="0205050205050A020403" pitchFamily="18" charset="0"/>
+              <a:rPr lang="en-US" sz="5200" b="1" dirty="0">
+                <a:latin typeface="Bahnschrift SemiBold" panose="020B0502040204020203" pitchFamily="34" charset="0"/>
                 <a:ea typeface="Cambria Math" panose="02040503050406030204" pitchFamily="18" charset="0"/>
               </a:rPr>
               <a:t>Web Based Application for Plastic Waste Management</a:t>
@@ -4109,7 +4110,7 @@
         </p:blipFill>
         <p:spPr>
           <a:xfrm>
-            <a:off x="9148323" y="3319840"/>
+            <a:off x="8678060" y="3385154"/>
             <a:ext cx="2143125" cy="2133600"/>
           </a:xfrm>
           <a:prstGeom prst="rect">
@@ -4162,6 +4163,13 @@
   <p:clrMapOvr>
     <a:masterClrMapping/>
   </p:clrMapOvr>
+  <p:timing>
+    <p:tnLst>
+      <p:par>
+        <p:cTn id="1" dur="indefinite" restart="never" nodeType="tmRoot"/>
+      </p:par>
+    </p:tnLst>
+  </p:timing>
 </p:sld>
 </file>
 
@@ -4212,12 +4220,12 @@
           <a:p>
             <a:r>
               <a:rPr lang="en-US" sz="4400" b="1" dirty="0">
-                <a:latin typeface="+mj-lt"/>
+                <a:latin typeface="Bahnschrift SemiBold" panose="020B0502040204020203" pitchFamily="34" charset="0"/>
               </a:rPr>
               <a:t>Group Members</a:t>
             </a:r>
             <a:endParaRPr lang="en-US" b="1" dirty="0">
-              <a:latin typeface="+mj-lt"/>
+              <a:latin typeface="Bahnschrift SemiBold" panose="020B0502040204020203" pitchFamily="34" charset="0"/>
             </a:endParaRPr>
           </a:p>
         </p:txBody>
@@ -4237,7 +4245,7 @@
         <p:spPr>
           <a:xfrm>
             <a:off x="1722781" y="1855305"/>
-            <a:ext cx="10469219" cy="3170099"/>
+            <a:ext cx="10469219" cy="3785652"/>
           </a:xfrm>
           <a:prstGeom prst="rect">
             <a:avLst/>
@@ -4251,83 +4259,108 @@
           <a:lstStyle/>
           <a:p>
             <a:pPr marL="285750" indent="-285750">
+              <a:lnSpc>
+                <a:spcPct val="150000"/>
+              </a:lnSpc>
               <a:buFont typeface="Wingdings" panose="05000000000000000000" pitchFamily="2" charset="2"/>
               <a:buChar char="Ø"/>
             </a:pPr>
             <a:r>
-              <a:rPr lang="en-US" sz="3200" dirty="0"/>
-              <a:t> </a:t>
-            </a:r>
-            <a:r>
-              <a:rPr lang="en-US" sz="3200" dirty="0">
-                <a:latin typeface="Adobe Caslon Pro" panose="0205050205050A020403" pitchFamily="18" charset="0"/>
+              <a:rPr lang="en-US" sz="3200" dirty="0" smtClean="0">
+                <a:latin typeface="Bahnschrift" panose="020B0502040204020203" pitchFamily="34" charset="0"/>
               </a:rPr>
-              <a:t>M.M.M. ASLAM						    E/15/021</a:t>
+              <a:t> M.M.M. ASLAM	</a:t>
+            </a:r>
+            <a:r>
+              <a:rPr lang="en-US" sz="3200" dirty="0" smtClean="0">
+                <a:latin typeface="Bahnschrift" panose="020B0502040204020203" pitchFamily="34" charset="0"/>
+              </a:rPr>
+              <a:t>					</a:t>
+            </a:r>
+            <a:r>
+              <a:rPr lang="en-US" sz="3200" dirty="0" smtClean="0">
+                <a:latin typeface="Bahnschrift" panose="020B0502040204020203" pitchFamily="34" charset="0"/>
+              </a:rPr>
+              <a:t>E/15/021</a:t>
             </a:r>
           </a:p>
           <a:p>
             <a:pPr marL="285750" indent="-285750">
+              <a:lnSpc>
+                <a:spcPct val="150000"/>
+              </a:lnSpc>
               <a:buFont typeface="Wingdings" panose="05000000000000000000" pitchFamily="2" charset="2"/>
               <a:buChar char="Ø"/>
             </a:pPr>
-            <a:endParaRPr lang="en-US" sz="800" dirty="0">
-              <a:latin typeface="Adobe Caslon Pro" panose="0205050205050A020403" pitchFamily="18" charset="0"/>
-            </a:endParaRPr>
+            <a:r>
+              <a:rPr lang="en-US" sz="3200" dirty="0" smtClean="0">
+                <a:latin typeface="Bahnschrift" panose="020B0502040204020203" pitchFamily="34" charset="0"/>
+              </a:rPr>
+              <a:t> M.H. HISNI MOHAMED	</a:t>
+            </a:r>
+            <a:r>
+              <a:rPr lang="en-US" sz="3200" dirty="0" smtClean="0">
+                <a:latin typeface="Bahnschrift" panose="020B0502040204020203" pitchFamily="34" charset="0"/>
+              </a:rPr>
+              <a:t>		</a:t>
+            </a:r>
+            <a:r>
+              <a:rPr lang="en-US" sz="3200" dirty="0" smtClean="0">
+                <a:latin typeface="Bahnschrift" panose="020B0502040204020203" pitchFamily="34" charset="0"/>
+              </a:rPr>
+              <a:t>E/15/131</a:t>
+            </a:r>
           </a:p>
           <a:p>
             <a:pPr marL="285750" indent="-285750">
+              <a:lnSpc>
+                <a:spcPct val="150000"/>
+              </a:lnSpc>
               <a:buFont typeface="Wingdings" panose="05000000000000000000" pitchFamily="2" charset="2"/>
               <a:buChar char="Ø"/>
             </a:pPr>
             <a:r>
-              <a:rPr lang="en-US" sz="3200" dirty="0">
-                <a:latin typeface="Adobe Caslon Pro" panose="0205050205050A020403" pitchFamily="18" charset="0"/>
+              <a:rPr lang="en-US" sz="3200" dirty="0" smtClean="0">
+                <a:latin typeface="Bahnschrift" panose="020B0502040204020203" pitchFamily="34" charset="0"/>
               </a:rPr>
-              <a:t> M.H. HISNI MOHAMED			E/15/131</a:t>
+              <a:t> S. SUHAIL								E/15/348</a:t>
             </a:r>
           </a:p>
           <a:p>
             <a:pPr marL="285750" indent="-285750">
+              <a:lnSpc>
+                <a:spcPct val="150000"/>
+              </a:lnSpc>
               <a:buFont typeface="Wingdings" panose="05000000000000000000" pitchFamily="2" charset="2"/>
               <a:buChar char="Ø"/>
             </a:pPr>
-            <a:endParaRPr lang="en-US" sz="800" dirty="0">
-              <a:latin typeface="Adobe Caslon Pro" panose="0205050205050A020403" pitchFamily="18" charset="0"/>
+            <a:endParaRPr lang="en-US" sz="3200" dirty="0" smtClean="0">
+              <a:latin typeface="Bahnschrift" panose="020B0502040204020203" pitchFamily="34" charset="0"/>
             </a:endParaRPr>
           </a:p>
           <a:p>
             <a:pPr marL="285750" indent="-285750">
+              <a:lnSpc>
+                <a:spcPct val="150000"/>
+              </a:lnSpc>
               <a:buFont typeface="Wingdings" panose="05000000000000000000" pitchFamily="2" charset="2"/>
               <a:buChar char="Ø"/>
             </a:pPr>
             <a:r>
-              <a:rPr lang="en-US" sz="3200" dirty="0">
-                <a:latin typeface="Adobe Caslon Pro" panose="0205050205050A020403" pitchFamily="18" charset="0"/>
+              <a:rPr lang="en-US" sz="3200" dirty="0" smtClean="0">
+                <a:latin typeface="Bahnschrift" panose="020B0502040204020203" pitchFamily="34" charset="0"/>
               </a:rPr>
-              <a:t> S. SUHAIL								     E/15/348</a:t>
-            </a:r>
-          </a:p>
-          <a:p>
+              <a:t> </a:t>
+            </a:r>
+            <a:r>
+              <a:rPr lang="en-US" sz="2800" dirty="0" smtClean="0">
+                <a:latin typeface="Bahnschrift" panose="020B0502040204020203" pitchFamily="34" charset="0"/>
+              </a:rPr>
+              <a:t>Product owner &amp; Scrum Master : Miss. NIMALI KULARATNE</a:t>
+            </a:r>
             <a:endParaRPr lang="en-US" sz="3200" dirty="0">
-              <a:latin typeface="Adobe Caslon Pro" panose="0205050205050A020403" pitchFamily="18" charset="0"/>
+              <a:latin typeface="Bahnschrift" panose="020B0502040204020203" pitchFamily="34" charset="0"/>
             </a:endParaRPr>
-          </a:p>
-          <a:p>
-            <a:endParaRPr lang="en-US" sz="2800" dirty="0">
-              <a:latin typeface="Adobe Caslon Pro" panose="0205050205050A020403" pitchFamily="18" charset="0"/>
-            </a:endParaRPr>
-          </a:p>
-          <a:p>
-            <a:pPr marL="285750" indent="-285750">
-              <a:buFont typeface="Wingdings" panose="05000000000000000000" pitchFamily="2" charset="2"/>
-              <a:buChar char="Ø"/>
-            </a:pPr>
-            <a:r>
-              <a:rPr lang="en-US" sz="2800" dirty="0">
-                <a:latin typeface="Adobe Caslon Pro" panose="0205050205050A020403" pitchFamily="18" charset="0"/>
-              </a:rPr>
-              <a:t> Product owner &amp; Scrum Master : Miss. NIMALI KULARATNE</a:t>
-            </a:r>
           </a:p>
         </p:txBody>
       </p:sp>
@@ -4370,6 +4403,13 @@
   <p:clrMapOvr>
     <a:masterClrMapping/>
   </p:clrMapOvr>
+  <p:timing>
+    <p:tnLst>
+      <p:par>
+        <p:cTn id="1" dur="indefinite" restart="never" nodeType="tmRoot"/>
+      </p:par>
+    </p:tnLst>
+  </p:timing>
 </p:sld>
 </file>
 
@@ -4440,8 +4480,8 @@
         </p:nvSpPr>
         <p:spPr>
           <a:xfrm>
-            <a:off x="1603511" y="2082106"/>
-            <a:ext cx="9568071" cy="3354765"/>
+            <a:off x="1603511" y="1990665"/>
+            <a:ext cx="9568071" cy="4134722"/>
           </a:xfrm>
           <a:prstGeom prst="rect">
             <a:avLst/>
@@ -4455,51 +4495,50 @@
           <a:lstStyle/>
           <a:p>
             <a:pPr marL="285750" indent="-285750">
+              <a:lnSpc>
+                <a:spcPct val="150000"/>
+              </a:lnSpc>
               <a:buFont typeface="Wingdings" panose="05000000000000000000" pitchFamily="2" charset="2"/>
               <a:buChar char="Ø"/>
             </a:pPr>
             <a:r>
-              <a:rPr lang="en-US" sz="3600" dirty="0">
-                <a:latin typeface="Adobe Caslon Pro" panose="0205050205050A020403" pitchFamily="18" charset="0"/>
-              </a:rPr>
-              <a:t> A web based application for plastic &amp; non-degradable waste management.</a:t>
-            </a:r>
-          </a:p>
-          <a:p>
-            <a:endParaRPr lang="en-US" sz="1600" dirty="0">
-              <a:latin typeface="Adobe Caslon Pro" panose="0205050205050A020403" pitchFamily="18" charset="0"/>
-            </a:endParaRPr>
+              <a:rPr lang="en-US" sz="3600" dirty="0"/>
+              <a:t> A web based application for plastic &amp; non-degradable waste management</a:t>
+            </a:r>
+            <a:r>
+              <a:rPr lang="en-US" sz="3600" dirty="0" smtClean="0"/>
+              <a:t>.</a:t>
+            </a:r>
+            <a:endParaRPr lang="en-US" sz="1600" dirty="0"/>
           </a:p>
           <a:p>
             <a:pPr marL="285750" indent="-285750">
+              <a:lnSpc>
+                <a:spcPct val="150000"/>
+              </a:lnSpc>
               <a:buFont typeface="Wingdings" panose="05000000000000000000" pitchFamily="2" charset="2"/>
               <a:buChar char="Ø"/>
             </a:pPr>
             <a:r>
-              <a:rPr lang="en-US" sz="3600" dirty="0">
-                <a:latin typeface="Adobe Caslon Pro" panose="0205050205050A020403" pitchFamily="18" charset="0"/>
-              </a:rPr>
-              <a:t> Helps public to interact with buyers.</a:t>
-            </a:r>
+              <a:rPr lang="en-US" sz="3600" dirty="0"/>
+              <a:t> Helps public to interact with buyers</a:t>
+            </a:r>
+            <a:r>
+              <a:rPr lang="en-US" sz="3600" dirty="0" smtClean="0"/>
+              <a:t>.</a:t>
+            </a:r>
+            <a:endParaRPr lang="en-US" sz="1600" dirty="0"/>
           </a:p>
           <a:p>
             <a:pPr marL="285750" indent="-285750">
+              <a:lnSpc>
+                <a:spcPct val="150000"/>
+              </a:lnSpc>
               <a:buFont typeface="Wingdings" panose="05000000000000000000" pitchFamily="2" charset="2"/>
               <a:buChar char="Ø"/>
             </a:pPr>
-            <a:endParaRPr lang="en-US" sz="1600" dirty="0">
-              <a:latin typeface="Adobe Caslon Pro" panose="0205050205050A020403" pitchFamily="18" charset="0"/>
-            </a:endParaRPr>
-          </a:p>
-          <a:p>
-            <a:pPr marL="285750" indent="-285750">
-              <a:buFont typeface="Wingdings" panose="05000000000000000000" pitchFamily="2" charset="2"/>
-              <a:buChar char="Ø"/>
-            </a:pPr>
-            <a:r>
-              <a:rPr lang="en-US" sz="3600" dirty="0">
-                <a:latin typeface="Adobe Caslon Pro" panose="0205050205050A020403" pitchFamily="18" charset="0"/>
-              </a:rPr>
+            <a:r>
+              <a:rPr lang="en-US" sz="3600" dirty="0"/>
               <a:t> Helps state health inspectors to track the waste disposal mechanism </a:t>
             </a:r>
           </a:p>
@@ -4544,6 +4583,13 @@
   <p:clrMapOvr>
     <a:masterClrMapping/>
   </p:clrMapOvr>
+  <p:timing>
+    <p:tnLst>
+      <p:par>
+        <p:cTn id="1" dur="indefinite" restart="never" nodeType="tmRoot"/>
+      </p:par>
+    </p:tnLst>
+  </p:timing>
 </p:sld>
 </file>
 
@@ -4645,7 +4691,7 @@
         <p:spPr>
           <a:xfrm>
             <a:off x="1431233" y="2358887"/>
-            <a:ext cx="9024731" cy="1323439"/>
+            <a:ext cx="9024731" cy="1813830"/>
           </a:xfrm>
           <a:prstGeom prst="rect">
             <a:avLst/>
@@ -4659,29 +4705,27 @@
           <a:lstStyle/>
           <a:p>
             <a:pPr marL="285750" indent="-285750">
+              <a:lnSpc>
+                <a:spcPct val="150000"/>
+              </a:lnSpc>
               <a:buFont typeface="Wingdings" panose="05000000000000000000" pitchFamily="2" charset="2"/>
               <a:buChar char="Ø"/>
             </a:pPr>
             <a:r>
               <a:rPr lang="en-US" sz="4000" dirty="0"/>
-              <a:t> </a:t>
-            </a:r>
-            <a:r>
-              <a:rPr lang="en-US" sz="4000" dirty="0">
-                <a:latin typeface="Adobe Caslon Pro" panose="0205050205050A020403" pitchFamily="18" charset="0"/>
-              </a:rPr>
-              <a:t>React JS</a:t>
+              <a:t> React JS</a:t>
             </a:r>
           </a:p>
           <a:p>
             <a:pPr marL="285750" indent="-285750">
+              <a:lnSpc>
+                <a:spcPct val="150000"/>
+              </a:lnSpc>
               <a:buFont typeface="Wingdings" panose="05000000000000000000" pitchFamily="2" charset="2"/>
               <a:buChar char="Ø"/>
             </a:pPr>
             <a:r>
-              <a:rPr lang="en-US" sz="4000" dirty="0">
-                <a:latin typeface="Adobe Caslon Pro" panose="0205050205050A020403" pitchFamily="18" charset="0"/>
-              </a:rPr>
+              <a:rPr lang="en-US" sz="4000" dirty="0"/>
               <a:t> Firebase </a:t>
             </a:r>
           </a:p>
@@ -4836,6 +4880,13 @@
   <p:clrMapOvr>
     <a:masterClrMapping/>
   </p:clrMapOvr>
+  <p:timing>
+    <p:tnLst>
+      <p:par>
+        <p:cTn id="1" dur="indefinite" restart="never" nodeType="tmRoot"/>
+      </p:par>
+    </p:tnLst>
+  </p:timing>
 </p:sld>
 </file>
 
@@ -4906,8 +4957,8 @@
         </p:nvSpPr>
         <p:spPr>
           <a:xfrm>
-            <a:off x="1702901" y="1802296"/>
-            <a:ext cx="9687341" cy="3539430"/>
+            <a:off x="1402452" y="2115804"/>
+            <a:ext cx="9687341" cy="4072205"/>
           </a:xfrm>
           <a:prstGeom prst="rect">
             <a:avLst/>
@@ -4921,77 +4972,79 @@
           <a:lstStyle/>
           <a:p>
             <a:pPr marL="285750" indent="-285750">
+              <a:lnSpc>
+                <a:spcPts val="4400"/>
+              </a:lnSpc>
               <a:buFont typeface="Wingdings" panose="05000000000000000000" pitchFamily="2" charset="2"/>
               <a:buChar char="Ø"/>
             </a:pPr>
             <a:r>
               <a:rPr lang="en-US" sz="3200" dirty="0"/>
-              <a:t> </a:t>
-            </a:r>
-            <a:r>
-              <a:rPr lang="en-US" sz="3200" dirty="0">
-                <a:latin typeface="Adobe Caslon Pro" panose="0205050205050A020403" pitchFamily="18" charset="0"/>
-              </a:rPr>
-              <a:t>Requirement gathering and getting familiar with technologies </a:t>
+              <a:t> Requirement gathering and getting familiar with technologies </a:t>
             </a:r>
           </a:p>
           <a:p>
             <a:pPr marL="285750" indent="-285750">
+              <a:lnSpc>
+                <a:spcPts val="4400"/>
+              </a:lnSpc>
               <a:buFont typeface="Wingdings" panose="05000000000000000000" pitchFamily="2" charset="2"/>
               <a:buChar char="Ø"/>
             </a:pPr>
             <a:r>
-              <a:rPr lang="en-US" sz="3200" dirty="0">
-                <a:latin typeface="Adobe Caslon Pro" panose="0205050205050A020403" pitchFamily="18" charset="0"/>
-              </a:rPr>
+              <a:rPr lang="en-US" sz="3200" dirty="0"/>
               <a:t> User interface designing </a:t>
             </a:r>
           </a:p>
           <a:p>
             <a:pPr marL="285750" indent="-285750">
+              <a:lnSpc>
+                <a:spcPts val="4400"/>
+              </a:lnSpc>
               <a:buFont typeface="Wingdings" panose="05000000000000000000" pitchFamily="2" charset="2"/>
               <a:buChar char="Ø"/>
             </a:pPr>
             <a:r>
-              <a:rPr lang="en-US" sz="3200" dirty="0">
-                <a:latin typeface="Adobe Caslon Pro" panose="0205050205050A020403" pitchFamily="18" charset="0"/>
-              </a:rPr>
+              <a:rPr lang="en-US" sz="3200" dirty="0"/>
               <a:t> Database configuration</a:t>
             </a:r>
           </a:p>
           <a:p>
             <a:pPr marL="285750" indent="-285750">
+              <a:lnSpc>
+                <a:spcPts val="4400"/>
+              </a:lnSpc>
               <a:buFont typeface="Wingdings" panose="05000000000000000000" pitchFamily="2" charset="2"/>
               <a:buChar char="Ø"/>
             </a:pPr>
             <a:r>
-              <a:rPr lang="en-US" sz="3200" dirty="0">
-                <a:latin typeface="Adobe Caslon Pro" panose="0205050205050A020403" pitchFamily="18" charset="0"/>
-              </a:rPr>
+              <a:rPr lang="en-US" sz="3200" dirty="0"/>
               <a:t> Implementing user registration &amp; authentication </a:t>
             </a:r>
           </a:p>
           <a:p>
             <a:pPr marL="285750" indent="-285750">
+              <a:lnSpc>
+                <a:spcPts val="4400"/>
+              </a:lnSpc>
               <a:buFont typeface="Wingdings" panose="05000000000000000000" pitchFamily="2" charset="2"/>
               <a:buChar char="Ø"/>
             </a:pPr>
             <a:r>
-              <a:rPr lang="en-US" sz="3200" dirty="0">
-                <a:latin typeface="Adobe Caslon Pro" panose="0205050205050A020403" pitchFamily="18" charset="0"/>
-              </a:rPr>
+              <a:rPr lang="en-US" sz="3200" dirty="0"/>
               <a:t> Cloud deployment &amp; Configuration </a:t>
             </a:r>
           </a:p>
           <a:p>
             <a:pPr marL="285750" indent="-285750">
+              <a:lnSpc>
+                <a:spcPts val="4400"/>
+              </a:lnSpc>
               <a:buFont typeface="Wingdings" panose="05000000000000000000" pitchFamily="2" charset="2"/>
               <a:buChar char="Ø"/>
             </a:pPr>
             <a:r>
-              <a:rPr lang="en-US" sz="3200" dirty="0">
-                <a:latin typeface="Adobe Caslon Pro" panose="0205050205050A020403" pitchFamily="18" charset="0"/>
-              </a:rPr>
+              <a:rPr lang="en-US" sz="3200" dirty="0"/>
               <a:t> Testing &amp; Evaluation </a:t>
             </a:r>
           </a:p>
@@ -5036,6 +5089,13 @@
   <p:clrMapOvr>
     <a:masterClrMapping/>
   </p:clrMapOvr>
+  <p:timing>
+    <p:tnLst>
+      <p:par>
+        <p:cTn id="1" dur="indefinite" restart="never" nodeType="tmRoot"/>
+      </p:par>
+    </p:tnLst>
+  </p:timing>
 </p:sld>
 </file>
 
@@ -5106,8 +5166,8 @@
         </p:nvSpPr>
         <p:spPr>
           <a:xfrm>
-            <a:off x="1842050" y="2133600"/>
-            <a:ext cx="9409045" cy="2800767"/>
+            <a:off x="1659168" y="2133600"/>
+            <a:ext cx="9409045" cy="3303725"/>
           </a:xfrm>
           <a:prstGeom prst="rect">
             <a:avLst/>
@@ -5121,55 +5181,45 @@
           <a:lstStyle/>
           <a:p>
             <a:pPr marL="285750" indent="-285750">
+              <a:lnSpc>
+                <a:spcPct val="150000"/>
+              </a:lnSpc>
               <a:buFont typeface="Wingdings" panose="05000000000000000000" pitchFamily="2" charset="2"/>
               <a:buChar char="Ø"/>
             </a:pPr>
             <a:r>
-              <a:rPr lang="en-US" sz="3600" dirty="0">
-                <a:latin typeface="Adobe Caslon Pro" panose="0205050205050A020403" pitchFamily="18" charset="0"/>
-              </a:rPr>
+              <a:rPr lang="en-US" sz="3600" dirty="0"/>
               <a:t> Gathered the requirement and got familiar    	with technologies </a:t>
             </a:r>
           </a:p>
           <a:p>
             <a:pPr marL="285750" indent="-285750">
+              <a:lnSpc>
+                <a:spcPct val="150000"/>
+              </a:lnSpc>
               <a:buFont typeface="Wingdings" panose="05000000000000000000" pitchFamily="2" charset="2"/>
               <a:buChar char="Ø"/>
             </a:pPr>
-            <a:endParaRPr lang="en-US" sz="1600" dirty="0">
-              <a:latin typeface="Adobe Caslon Pro" panose="0205050205050A020403" pitchFamily="18" charset="0"/>
-            </a:endParaRPr>
+            <a:r>
+              <a:rPr lang="en-US" sz="3600" dirty="0"/>
+              <a:t> Designed the user </a:t>
+            </a:r>
+            <a:r>
+              <a:rPr lang="en-US" sz="3600" dirty="0" smtClean="0"/>
+              <a:t>interface</a:t>
+            </a:r>
+            <a:endParaRPr lang="en-US" sz="3600" dirty="0"/>
           </a:p>
           <a:p>
             <a:pPr marL="285750" indent="-285750">
+              <a:lnSpc>
+                <a:spcPct val="150000"/>
+              </a:lnSpc>
               <a:buFont typeface="Wingdings" panose="05000000000000000000" pitchFamily="2" charset="2"/>
               <a:buChar char="Ø"/>
             </a:pPr>
             <a:r>
-              <a:rPr lang="en-US" sz="3600" dirty="0">
-                <a:latin typeface="Adobe Caslon Pro" panose="0205050205050A020403" pitchFamily="18" charset="0"/>
-              </a:rPr>
-              <a:t> Designed the user interface</a:t>
-            </a:r>
-          </a:p>
-          <a:p>
-            <a:pPr marL="285750" indent="-285750">
-              <a:buFont typeface="Wingdings" panose="05000000000000000000" pitchFamily="2" charset="2"/>
-              <a:buChar char="Ø"/>
-            </a:pPr>
-            <a:endParaRPr lang="en-US" sz="1600" dirty="0">
-              <a:latin typeface="Adobe Caslon Pro" panose="0205050205050A020403" pitchFamily="18" charset="0"/>
-            </a:endParaRPr>
-          </a:p>
-          <a:p>
-            <a:pPr marL="285750" indent="-285750">
-              <a:buFont typeface="Wingdings" panose="05000000000000000000" pitchFamily="2" charset="2"/>
-              <a:buChar char="Ø"/>
-            </a:pPr>
-            <a:r>
-              <a:rPr lang="en-US" sz="3600" dirty="0">
-                <a:latin typeface="Adobe Caslon Pro" panose="0205050205050A020403" pitchFamily="18" charset="0"/>
-              </a:rPr>
+              <a:rPr lang="en-US" sz="3600" dirty="0"/>
               <a:t> Configured the database</a:t>
             </a:r>
           </a:p>
@@ -5214,6 +5264,13 @@
   <p:clrMapOvr>
     <a:masterClrMapping/>
   </p:clrMapOvr>
+  <p:timing>
+    <p:tnLst>
+      <p:par>
+        <p:cTn id="1" dur="indefinite" restart="never" nodeType="tmRoot"/>
+      </p:par>
+    </p:tnLst>
+  </p:timing>
 </p:sld>
 </file>
 
@@ -5239,6 +5296,195 @@
           <p:cNvPr id="4" name="TextBox 3">
             <a:extLst>
               <a:ext uri="{FF2B5EF4-FFF2-40B4-BE49-F238E27FC236}">
+                <a16:creationId xmlns:a16="http://schemas.microsoft.com/office/drawing/2014/main" id="{5820B0D1-4802-47DD-9B5F-C846F0C9DC62}"/>
+              </a:ext>
+            </a:extLst>
+          </p:cNvPr>
+          <p:cNvSpPr txBox="1"/>
+          <p:nvPr/>
+        </p:nvSpPr>
+        <p:spPr>
+          <a:xfrm>
+            <a:off x="1431234" y="940906"/>
+            <a:ext cx="6432606" cy="769441"/>
+          </a:xfrm>
+          <a:prstGeom prst="rect">
+            <a:avLst/>
+          </a:prstGeom>
+          <a:noFill/>
+        </p:spPr>
+        <p:txBody>
+          <a:bodyPr wrap="square" rtlCol="0">
+            <a:spAutoFit/>
+          </a:bodyPr>
+          <a:lstStyle/>
+          <a:p>
+            <a:r>
+              <a:rPr lang="en-US" sz="4400" b="1" dirty="0"/>
+              <a:t>Things </a:t>
+            </a:r>
+            <a:r>
+              <a:rPr lang="en-US" sz="4400" b="1" dirty="0" smtClean="0"/>
+              <a:t>to Complete </a:t>
+            </a:r>
+            <a:endParaRPr lang="en-US" b="1" dirty="0"/>
+          </a:p>
+        </p:txBody>
+      </p:sp>
+      <p:sp>
+        <p:nvSpPr>
+          <p:cNvPr id="5" name="TextBox 4">
+            <a:extLst>
+              <a:ext uri="{FF2B5EF4-FFF2-40B4-BE49-F238E27FC236}">
+                <a16:creationId xmlns:a16="http://schemas.microsoft.com/office/drawing/2014/main" id="{E6FB2EB2-44F4-44BB-9F90-0714D1A49061}"/>
+              </a:ext>
+            </a:extLst>
+          </p:cNvPr>
+          <p:cNvSpPr txBox="1"/>
+          <p:nvPr/>
+        </p:nvSpPr>
+        <p:spPr>
+          <a:xfrm>
+            <a:off x="1659168" y="2133600"/>
+            <a:ext cx="9409045" cy="3416320"/>
+          </a:xfrm>
+          <a:prstGeom prst="rect">
+            <a:avLst/>
+          </a:prstGeom>
+          <a:noFill/>
+        </p:spPr>
+        <p:txBody>
+          <a:bodyPr wrap="square" rtlCol="0">
+            <a:spAutoFit/>
+          </a:bodyPr>
+          <a:lstStyle/>
+          <a:p>
+            <a:pPr marL="285750" indent="-285750">
+              <a:lnSpc>
+                <a:spcPct val="150000"/>
+              </a:lnSpc>
+              <a:buFont typeface="Wingdings" panose="05000000000000000000" pitchFamily="2" charset="2"/>
+              <a:buChar char="Ø"/>
+            </a:pPr>
+            <a:r>
+              <a:rPr lang="en-US" sz="3600" dirty="0" smtClean="0"/>
+              <a:t>Configuring user authentication</a:t>
+            </a:r>
+          </a:p>
+          <a:p>
+            <a:pPr marL="285750" indent="-285750">
+              <a:lnSpc>
+                <a:spcPct val="150000"/>
+              </a:lnSpc>
+              <a:buFont typeface="Wingdings" panose="05000000000000000000" pitchFamily="2" charset="2"/>
+              <a:buChar char="Ø"/>
+            </a:pPr>
+            <a:r>
+              <a:rPr lang="en-US" sz="3600" dirty="0" smtClean="0"/>
+              <a:t>Styling and UX improvement </a:t>
+            </a:r>
+            <a:endParaRPr lang="en-US" sz="3600" dirty="0"/>
+          </a:p>
+          <a:p>
+            <a:pPr marL="285750" indent="-285750">
+              <a:lnSpc>
+                <a:spcPct val="150000"/>
+              </a:lnSpc>
+              <a:buFont typeface="Wingdings" panose="05000000000000000000" pitchFamily="2" charset="2"/>
+              <a:buChar char="Ø"/>
+            </a:pPr>
+            <a:r>
+              <a:rPr lang="en-US" sz="3600" dirty="0"/>
+              <a:t> Cloud deployment &amp; Configuration </a:t>
+            </a:r>
+          </a:p>
+          <a:p>
+            <a:pPr marL="285750" indent="-285750">
+              <a:lnSpc>
+                <a:spcPct val="150000"/>
+              </a:lnSpc>
+              <a:buFont typeface="Wingdings" panose="05000000000000000000" pitchFamily="2" charset="2"/>
+              <a:buChar char="Ø"/>
+            </a:pPr>
+            <a:r>
+              <a:rPr lang="en-US" sz="3600" dirty="0"/>
+              <a:t> Testing &amp; Evaluation </a:t>
+            </a:r>
+            <a:endParaRPr lang="en-US" sz="3600" dirty="0"/>
+          </a:p>
+        </p:txBody>
+      </p:sp>
+      <p:sp>
+        <p:nvSpPr>
+          <p:cNvPr id="2" name="Slide Number Placeholder 1">
+            <a:extLst>
+              <a:ext uri="{FF2B5EF4-FFF2-40B4-BE49-F238E27FC236}">
+                <a16:creationId xmlns:a16="http://schemas.microsoft.com/office/drawing/2014/main" id="{5672C669-5357-43D6-A270-FA8BB6AE332F}"/>
+              </a:ext>
+            </a:extLst>
+          </p:cNvPr>
+          <p:cNvSpPr>
+            <a:spLocks noGrp="1"/>
+          </p:cNvSpPr>
+          <p:nvPr>
+            <p:ph type="sldNum" sz="quarter" idx="12"/>
+          </p:nvPr>
+        </p:nvSpPr>
+        <p:spPr/>
+        <p:txBody>
+          <a:bodyPr/>
+          <a:lstStyle/>
+          <a:p>
+            <a:fld id="{C856FAD5-89AB-47AB-8E18-7B0A43CE8438}" type="slidenum">
+              <a:rPr lang="en-US" smtClean="0"/>
+              <a:t>7</a:t>
+            </a:fld>
+            <a:endParaRPr lang="en-US"/>
+          </a:p>
+        </p:txBody>
+      </p:sp>
+    </p:spTree>
+    <p:extLst>
+      <p:ext uri="{BB962C8B-B14F-4D97-AF65-F5344CB8AC3E}">
+        <p14:creationId xmlns:p14="http://schemas.microsoft.com/office/powerpoint/2010/main" val="511187013"/>
+      </p:ext>
+    </p:extLst>
+  </p:cSld>
+  <p:clrMapOvr>
+    <a:masterClrMapping/>
+  </p:clrMapOvr>
+  <p:timing>
+    <p:tnLst>
+      <p:par>
+        <p:cTn id="1" dur="indefinite" restart="never" nodeType="tmRoot"/>
+      </p:par>
+    </p:tnLst>
+  </p:timing>
+</p:sld>
+</file>
+
+<file path=ppt/slides/slide8.xml><?xml version="1.0" encoding="utf-8"?>
+<p:sld xmlns:a="http://schemas.openxmlformats.org/drawingml/2006/main" xmlns:r="http://schemas.openxmlformats.org/officeDocument/2006/relationships" xmlns:p="http://schemas.openxmlformats.org/presentationml/2006/main">
+  <p:cSld>
+    <p:spTree>
+      <p:nvGrpSpPr>
+        <p:cNvPr id="1" name=""/>
+        <p:cNvGrpSpPr/>
+        <p:nvPr/>
+      </p:nvGrpSpPr>
+      <p:grpSpPr>
+        <a:xfrm>
+          <a:off x="0" y="0"/>
+          <a:ext cx="0" cy="0"/>
+          <a:chOff x="0" y="0"/>
+          <a:chExt cx="0" cy="0"/>
+        </a:xfrm>
+      </p:grpSpPr>
+      <p:sp>
+        <p:nvSpPr>
+          <p:cNvPr id="4" name="TextBox 3">
+            <a:extLst>
+              <a:ext uri="{FF2B5EF4-FFF2-40B4-BE49-F238E27FC236}">
                 <a16:creationId xmlns:a16="http://schemas.microsoft.com/office/drawing/2014/main" id="{9087CC11-628F-4CC4-A2FB-7944487E1BBE}"/>
               </a:ext>
             </a:extLst>
@@ -5285,7 +5531,7 @@
         <p:spPr>
           <a:xfrm>
             <a:off x="1563754" y="2464020"/>
-            <a:ext cx="9965637" cy="2308324"/>
+            <a:ext cx="9965637" cy="2862322"/>
           </a:xfrm>
           <a:prstGeom prst="rect">
             <a:avLst/>
@@ -5299,35 +5545,41 @@
           <a:lstStyle/>
           <a:p>
             <a:pPr marL="571500" indent="-571500">
+              <a:lnSpc>
+                <a:spcPct val="150000"/>
+              </a:lnSpc>
               <a:buFont typeface="Wingdings" panose="05000000000000000000" pitchFamily="2" charset="2"/>
               <a:buChar char="Ø"/>
             </a:pPr>
             <a:r>
-              <a:rPr lang="en-US" sz="4000" dirty="0">
-                <a:latin typeface="Adobe Caslon Pro" panose="0205050205050A020403" pitchFamily="18" charset="0"/>
-              </a:rPr>
-              <a:t>Developing a Mobile App (Android)</a:t>
-            </a:r>
-          </a:p>
-          <a:p>
-            <a:pPr marL="342900" indent="-342900">
+              <a:rPr lang="en-US" sz="4000" dirty="0"/>
+              <a:t>Developing a Mobile App (Android</a:t>
+            </a:r>
+            <a:r>
+              <a:rPr lang="en-US" sz="4000" dirty="0" smtClean="0"/>
+              <a:t>)</a:t>
+            </a:r>
+            <a:endParaRPr lang="en-US" sz="4000" dirty="0"/>
+          </a:p>
+          <a:p>
+            <a:pPr marL="571500" indent="-571500">
+              <a:lnSpc>
+                <a:spcPct val="150000"/>
+              </a:lnSpc>
               <a:buFont typeface="Wingdings" panose="05000000000000000000" pitchFamily="2" charset="2"/>
               <a:buChar char="Ø"/>
             </a:pPr>
-            <a:endParaRPr lang="en-US" sz="2400" dirty="0">
-              <a:latin typeface="Adobe Caslon Pro" panose="0205050205050A020403" pitchFamily="18" charset="0"/>
-            </a:endParaRPr>
-          </a:p>
-          <a:p>
-            <a:pPr marL="571500" indent="-571500">
-              <a:buFont typeface="Wingdings" panose="05000000000000000000" pitchFamily="2" charset="2"/>
-              <a:buChar char="Ø"/>
-            </a:pPr>
-            <a:r>
-              <a:rPr lang="en-US" sz="4000" dirty="0">
-                <a:latin typeface="Adobe Caslon Pro" panose="0205050205050A020403" pitchFamily="18" charset="0"/>
-              </a:rPr>
-              <a:t>Monitoring System/Portal for State health inspectors</a:t>
+            <a:r>
+              <a:rPr lang="en-US" sz="4000" dirty="0"/>
+              <a:t>Monitoring System/Portal for </a:t>
+            </a:r>
+            <a:r>
+              <a:rPr lang="en-US" sz="4000" dirty="0" smtClean="0"/>
+              <a:t>state </a:t>
+            </a:r>
+            <a:r>
+              <a:rPr lang="en-US" sz="4000" dirty="0"/>
+              <a:t>health inspectors</a:t>
             </a:r>
           </a:p>
         </p:txBody>
@@ -5396,7 +5648,7 @@
           <a:p>
             <a:fld id="{C856FAD5-89AB-47AB-8E18-7B0A43CE8438}" type="slidenum">
               <a:rPr lang="en-US" smtClean="0"/>
-              <a:t>7</a:t>
+              <a:t>8</a:t>
             </a:fld>
             <a:endParaRPr lang="en-US"/>
           </a:p>
@@ -5412,10 +5664,17 @@
   <p:clrMapOvr>
     <a:masterClrMapping/>
   </p:clrMapOvr>
+  <p:timing>
+    <p:tnLst>
+      <p:par>
+        <p:cTn id="1" dur="indefinite" restart="never" nodeType="tmRoot"/>
+      </p:par>
+    </p:tnLst>
+  </p:timing>
 </p:sld>
 </file>
 
-<file path=ppt/slides/slide8.xml><?xml version="1.0" encoding="utf-8"?>
+<file path=ppt/slides/slide9.xml><?xml version="1.0" encoding="utf-8"?>
 <p:sld xmlns:a="http://schemas.openxmlformats.org/drawingml/2006/main" xmlns:r="http://schemas.openxmlformats.org/officeDocument/2006/relationships" xmlns:p="http://schemas.openxmlformats.org/presentationml/2006/main">
   <p:cSld>
     <p:spTree>
@@ -5474,7 +5733,7 @@
           <a:p>
             <a:pPr algn="ctr"/>
             <a:r>
-              <a:rPr lang="en-US" sz="7200" b="1" dirty="0"/>
+              <a:rPr lang="en-US" sz="8800" b="1" dirty="0"/>
               <a:t>Thank You…</a:t>
             </a:r>
           </a:p>
@@ -5490,6 +5749,13 @@
   <p:clrMapOvr>
     <a:masterClrMapping/>
   </p:clrMapOvr>
+  <p:timing>
+    <p:tnLst>
+      <p:par>
+        <p:cTn id="1" dur="indefinite" restart="never" nodeType="tmRoot"/>
+      </p:par>
+    </p:tnLst>
+  </p:timing>
 </p:sld>
 </file>
 
@@ -5534,76 +5800,16 @@
         <a:srgbClr val="E7C272"/>
       </a:folHlink>
     </a:clrScheme>
-    <a:fontScheme name="Gallery">
+    <a:fontScheme name="Custom 1">
       <a:majorFont>
-        <a:latin typeface="Palatino Linotype" panose="02040502050505030304"/>
+        <a:latin typeface="Bahnschrift SemiBold"/>
         <a:ea typeface=""/>
         <a:cs typeface=""/>
-        <a:font script="Jpan" typeface="游ゴシック Light"/>
-        <a:font script="Hang" typeface="맑은 고딕"/>
-        <a:font script="Hans" typeface="等线 Light"/>
-        <a:font script="Hant" typeface="新細明體"/>
-        <a:font script="Arab" typeface="Times New Roman"/>
-        <a:font script="Hebr" typeface="Times New Roman"/>
-        <a:font script="Thai" typeface="Angsana New"/>
-        <a:font script="Ethi" typeface="Nyala"/>
-        <a:font script="Beng" typeface="Vrinda"/>
-        <a:font script="Gujr" typeface="Shruti"/>
-        <a:font script="Khmr" typeface="MoolBoran"/>
-        <a:font script="Knda" typeface="Tunga"/>
-        <a:font script="Guru" typeface="Raavi"/>
-        <a:font script="Cans" typeface="Euphemia"/>
-        <a:font script="Cher" typeface="Plantagenet Cherokee"/>
-        <a:font script="Yiii" typeface="Microsoft Yi Baiti"/>
-        <a:font script="Tibt" typeface="Microsoft Himalaya"/>
-        <a:font script="Thaa" typeface="MV Boli"/>
-        <a:font script="Deva" typeface="Mangal"/>
-        <a:font script="Telu" typeface="Gautami"/>
-        <a:font script="Taml" typeface="Latha"/>
-        <a:font script="Syrc" typeface="Estrangelo Edessa"/>
-        <a:font script="Orya" typeface="Kalinga"/>
-        <a:font script="Mlym" typeface="Kartika"/>
-        <a:font script="Laoo" typeface="DokChampa"/>
-        <a:font script="Sinh" typeface="Iskoola Pota"/>
-        <a:font script="Mong" typeface="Mongolian Baiti"/>
-        <a:font script="Viet" typeface="Times New Roman"/>
-        <a:font script="Uigh" typeface="Microsoft Uighur"/>
-        <a:font script="Geor" typeface="Sylfaen"/>
       </a:majorFont>
       <a:minorFont>
-        <a:latin typeface="Palatino Linotype" panose="02040502050505030304"/>
+        <a:latin typeface="Bahnschrift"/>
         <a:ea typeface=""/>
         <a:cs typeface=""/>
-        <a:font script="Jpan" typeface="游ゴシック"/>
-        <a:font script="Hang" typeface="맑은 고딕"/>
-        <a:font script="Hans" typeface="等线"/>
-        <a:font script="Hant" typeface="新細明體"/>
-        <a:font script="Arab" typeface="Arial"/>
-        <a:font script="Hebr" typeface="Arial"/>
-        <a:font script="Thai" typeface="Cordia New"/>
-        <a:font script="Ethi" typeface="Nyala"/>
-        <a:font script="Beng" typeface="Vrinda"/>
-        <a:font script="Gujr" typeface="Shruti"/>
-        <a:font script="Khmr" typeface="DaunPenh"/>
-        <a:font script="Knda" typeface="Tunga"/>
-        <a:font script="Guru" typeface="Raavi"/>
-        <a:font script="Cans" typeface="Euphemia"/>
-        <a:font script="Cher" typeface="Plantagenet Cherokee"/>
-        <a:font script="Yiii" typeface="Microsoft Yi Baiti"/>
-        <a:font script="Tibt" typeface="Microsoft Himalaya"/>
-        <a:font script="Thaa" typeface="MV Boli"/>
-        <a:font script="Deva" typeface="Mangal"/>
-        <a:font script="Telu" typeface="Gautami"/>
-        <a:font script="Taml" typeface="Latha"/>
-        <a:font script="Syrc" typeface="Estrangelo Edessa"/>
-        <a:font script="Orya" typeface="Kalinga"/>
-        <a:font script="Mlym" typeface="Kartika"/>
-        <a:font script="Laoo" typeface="DokChampa"/>
-        <a:font script="Sinh" typeface="Iskoola Pota"/>
-        <a:font script="Mong" typeface="Mongolian Baiti"/>
-        <a:font script="Viet" typeface="Arial"/>
-        <a:font script="Uigh" typeface="Microsoft Uighur"/>
-        <a:font script="Geor" typeface="Sylfaen"/>
       </a:minorFont>
     </a:fontScheme>
     <a:fmtScheme name="Gallery">

--- a/Presantation/Presentation - Final.pptx
+++ b/Presantation/Presentation - Final.pptx
@@ -4059,7 +4059,7 @@
         <p:spPr>
           <a:xfrm>
             <a:off x="2676939" y="1134113"/>
-            <a:ext cx="9051235" cy="1692771"/>
+            <a:ext cx="9051235" cy="1754326"/>
           </a:xfrm>
           <a:prstGeom prst="rect">
             <a:avLst/>
@@ -4073,7 +4073,7 @@
           <a:lstStyle/>
           <a:p>
             <a:r>
-              <a:rPr lang="en-US" sz="5200" b="1" dirty="0">
+              <a:rPr lang="en-US" sz="5400" b="1" dirty="0">
                 <a:latin typeface="Bahnschrift SemiBold" panose="020B0502040204020203" pitchFamily="34" charset="0"/>
                 <a:ea typeface="Cambria Math" panose="02040503050406030204" pitchFamily="18" charset="0"/>
               </a:rPr>
@@ -4110,7 +4110,7 @@
         </p:blipFill>
         <p:spPr>
           <a:xfrm>
-            <a:off x="8678060" y="3385154"/>
+            <a:off x="8847877" y="3385154"/>
             <a:ext cx="2143125" cy="2133600"/>
           </a:xfrm>
           <a:prstGeom prst="rect">
@@ -4244,7 +4244,7 @@
         </p:nvSpPr>
         <p:spPr>
           <a:xfrm>
-            <a:off x="1722781" y="1855305"/>
+            <a:off x="1579088" y="1972872"/>
             <a:ext cx="10469219" cy="3785652"/>
           </a:xfrm>
           <a:prstGeom prst="rect">
@@ -4269,20 +4269,17 @@
               <a:rPr lang="en-US" sz="3200" dirty="0" smtClean="0">
                 <a:latin typeface="Bahnschrift" panose="020B0502040204020203" pitchFamily="34" charset="0"/>
               </a:rPr>
-              <a:t> M.M.M. ASLAM	</a:t>
+              <a:t> M.M.M. </a:t>
             </a:r>
             <a:r>
               <a:rPr lang="en-US" sz="3200" dirty="0" smtClean="0">
                 <a:latin typeface="Bahnschrift" panose="020B0502040204020203" pitchFamily="34" charset="0"/>
               </a:rPr>
-              <a:t>					</a:t>
-            </a:r>
-            <a:r>
-              <a:rPr lang="en-US" sz="3200" dirty="0" smtClean="0">
-                <a:latin typeface="Bahnschrift" panose="020B0502040204020203" pitchFamily="34" charset="0"/>
-              </a:rPr>
-              <a:t>E/15/021</a:t>
-            </a:r>
+              <a:t>ASLAM						E/15/021</a:t>
+            </a:r>
+            <a:endParaRPr lang="en-US" sz="3200" dirty="0" smtClean="0">
+              <a:latin typeface="Bahnschrift" panose="020B0502040204020203" pitchFamily="34" charset="0"/>
+            </a:endParaRPr>
           </a:p>
           <a:p>
             <a:pPr marL="285750" indent="-285750">
@@ -4296,20 +4293,17 @@
               <a:rPr lang="en-US" sz="3200" dirty="0" smtClean="0">
                 <a:latin typeface="Bahnschrift" panose="020B0502040204020203" pitchFamily="34" charset="0"/>
               </a:rPr>
-              <a:t> M.H. HISNI MOHAMED	</a:t>
+              <a:t> M.H. HISNI </a:t>
             </a:r>
             <a:r>
               <a:rPr lang="en-US" sz="3200" dirty="0" smtClean="0">
                 <a:latin typeface="Bahnschrift" panose="020B0502040204020203" pitchFamily="34" charset="0"/>
               </a:rPr>
-              <a:t>		</a:t>
-            </a:r>
-            <a:r>
-              <a:rPr lang="en-US" sz="3200" dirty="0" smtClean="0">
-                <a:latin typeface="Bahnschrift" panose="020B0502040204020203" pitchFamily="34" charset="0"/>
-              </a:rPr>
-              <a:t>E/15/131</a:t>
-            </a:r>
+              <a:t>MOHAMED			E/15/131</a:t>
+            </a:r>
+            <a:endParaRPr lang="en-US" sz="3200" dirty="0" smtClean="0">
+              <a:latin typeface="Bahnschrift" panose="020B0502040204020203" pitchFamily="34" charset="0"/>
+            </a:endParaRPr>
           </a:p>
           <a:p>
             <a:pPr marL="285750" indent="-285750">
@@ -4323,8 +4317,17 @@
               <a:rPr lang="en-US" sz="3200" dirty="0" smtClean="0">
                 <a:latin typeface="Bahnschrift" panose="020B0502040204020203" pitchFamily="34" charset="0"/>
               </a:rPr>
-              <a:t> S. SUHAIL								E/15/348</a:t>
-            </a:r>
+              <a:t> S. </a:t>
+            </a:r>
+            <a:r>
+              <a:rPr lang="en-US" sz="3200" dirty="0" smtClean="0">
+                <a:latin typeface="Bahnschrift" panose="020B0502040204020203" pitchFamily="34" charset="0"/>
+              </a:rPr>
+              <a:t>SUHAIL								E/15/348</a:t>
+            </a:r>
+            <a:endParaRPr lang="en-US" sz="3200" dirty="0" smtClean="0">
+              <a:latin typeface="Bahnschrift" panose="020B0502040204020203" pitchFamily="34" charset="0"/>
+            </a:endParaRPr>
           </a:p>
           <a:p>
             <a:pPr marL="285750" indent="-285750">
@@ -4445,7 +4448,7 @@
         <p:spPr>
           <a:xfrm>
             <a:off x="1431234" y="940906"/>
-            <a:ext cx="5115339" cy="769441"/>
+            <a:ext cx="5115339" cy="830997"/>
           </a:xfrm>
           <a:prstGeom prst="rect">
             <a:avLst/>
@@ -4459,10 +4462,10 @@
           <a:lstStyle/>
           <a:p>
             <a:r>
-              <a:rPr lang="en-US" sz="4400" b="1" dirty="0"/>
+              <a:rPr lang="en-US" sz="4800" b="1" dirty="0"/>
               <a:t>Introduction </a:t>
             </a:r>
-            <a:endParaRPr lang="en-US" b="1" dirty="0"/>
+            <a:endParaRPr lang="en-US" sz="2000" b="1" dirty="0"/>
           </a:p>
         </p:txBody>
       </p:sp>
@@ -4480,7 +4483,7 @@
         </p:nvSpPr>
         <p:spPr>
           <a:xfrm>
-            <a:off x="1603511" y="1990665"/>
+            <a:off x="1431234" y="1846972"/>
             <a:ext cx="9568071" cy="4134722"/>
           </a:xfrm>
           <a:prstGeom prst="rect">
@@ -4655,7 +4658,7 @@
         <p:spPr>
           <a:xfrm>
             <a:off x="1431234" y="940906"/>
-            <a:ext cx="5115339" cy="769441"/>
+            <a:ext cx="5701086" cy="830997"/>
           </a:xfrm>
           <a:prstGeom prst="rect">
             <a:avLst/>
@@ -4669,10 +4672,10 @@
           <a:lstStyle/>
           <a:p>
             <a:r>
-              <a:rPr lang="en-US" sz="4400" b="1" dirty="0"/>
+              <a:rPr lang="en-US" sz="4800" b="1" dirty="0"/>
               <a:t>Technologies Used</a:t>
             </a:r>
-            <a:endParaRPr lang="en-US" b="1" dirty="0"/>
+            <a:endParaRPr lang="en-US" sz="2000" b="1" dirty="0"/>
           </a:p>
         </p:txBody>
       </p:sp>
@@ -4922,7 +4925,7 @@
         <p:spPr>
           <a:xfrm>
             <a:off x="1431233" y="917830"/>
-            <a:ext cx="5115339" cy="769441"/>
+            <a:ext cx="5115339" cy="830997"/>
           </a:xfrm>
           <a:prstGeom prst="rect">
             <a:avLst/>
@@ -4936,10 +4939,10 @@
           <a:lstStyle/>
           <a:p>
             <a:r>
-              <a:rPr lang="en-US" sz="4400" b="1" dirty="0"/>
+              <a:rPr lang="en-US" sz="4800" b="1" dirty="0"/>
               <a:t>Project Plan</a:t>
             </a:r>
-            <a:endParaRPr lang="en-US" b="1" dirty="0"/>
+            <a:endParaRPr lang="en-US" sz="2000" b="1" dirty="0"/>
           </a:p>
         </p:txBody>
       </p:sp>
@@ -4957,8 +4960,8 @@
         </p:nvSpPr>
         <p:spPr>
           <a:xfrm>
-            <a:off x="1402452" y="2115804"/>
-            <a:ext cx="9687341" cy="4072205"/>
+            <a:off x="1431233" y="2011302"/>
+            <a:ext cx="9828950" cy="4042132"/>
           </a:xfrm>
           <a:prstGeom prst="rect">
             <a:avLst/>
@@ -4979,9 +4982,25 @@
               <a:buChar char="Ø"/>
             </a:pPr>
             <a:r>
-              <a:rPr lang="en-US" sz="3200" dirty="0"/>
-              <a:t> Requirement gathering and getting familiar with technologies </a:t>
-            </a:r>
+              <a:rPr lang="en-US" sz="3400" dirty="0"/>
+              <a:t> Requirement gathering and getting familiar </a:t>
+            </a:r>
+            <a:r>
+              <a:rPr lang="en-US" sz="3400" dirty="0" smtClean="0"/>
+              <a:t>with</a:t>
+            </a:r>
+          </a:p>
+          <a:p>
+            <a:pPr>
+              <a:lnSpc>
+                <a:spcPts val="4400"/>
+              </a:lnSpc>
+            </a:pPr>
+            <a:r>
+              <a:rPr lang="en-US" sz="3400" dirty="0" smtClean="0"/>
+              <a:t>	technologies </a:t>
+            </a:r>
+            <a:endParaRPr lang="en-US" sz="3400" dirty="0"/>
           </a:p>
           <a:p>
             <a:pPr marL="285750" indent="-285750">
@@ -4992,7 +5011,7 @@
               <a:buChar char="Ø"/>
             </a:pPr>
             <a:r>
-              <a:rPr lang="en-US" sz="3200" dirty="0"/>
+              <a:rPr lang="en-US" sz="3400" dirty="0"/>
               <a:t> User interface designing </a:t>
             </a:r>
           </a:p>
@@ -5005,7 +5024,7 @@
               <a:buChar char="Ø"/>
             </a:pPr>
             <a:r>
-              <a:rPr lang="en-US" sz="3200" dirty="0"/>
+              <a:rPr lang="en-US" sz="3400" dirty="0"/>
               <a:t> Database configuration</a:t>
             </a:r>
           </a:p>
@@ -5018,7 +5037,7 @@
               <a:buChar char="Ø"/>
             </a:pPr>
             <a:r>
-              <a:rPr lang="en-US" sz="3200" dirty="0"/>
+              <a:rPr lang="en-US" sz="3400" dirty="0"/>
               <a:t> Implementing user registration &amp; authentication </a:t>
             </a:r>
           </a:p>
@@ -5031,7 +5050,7 @@
               <a:buChar char="Ø"/>
             </a:pPr>
             <a:r>
-              <a:rPr lang="en-US" sz="3200" dirty="0"/>
+              <a:rPr lang="en-US" sz="3400" dirty="0"/>
               <a:t> Cloud deployment &amp; Configuration </a:t>
             </a:r>
           </a:p>
@@ -5044,7 +5063,7 @@
               <a:buChar char="Ø"/>
             </a:pPr>
             <a:r>
-              <a:rPr lang="en-US" sz="3200" dirty="0"/>
+              <a:rPr lang="en-US" sz="3400" dirty="0"/>
               <a:t> Testing &amp; Evaluation </a:t>
             </a:r>
           </a:p>
@@ -5131,7 +5150,7 @@
         <p:spPr>
           <a:xfrm>
             <a:off x="1431234" y="940906"/>
-            <a:ext cx="5115339" cy="769441"/>
+            <a:ext cx="5115339" cy="830997"/>
           </a:xfrm>
           <a:prstGeom prst="rect">
             <a:avLst/>
@@ -5145,10 +5164,10 @@
           <a:lstStyle/>
           <a:p>
             <a:r>
-              <a:rPr lang="en-US" sz="4400" b="1" dirty="0"/>
+              <a:rPr lang="en-US" sz="4800" b="1" dirty="0"/>
               <a:t>Things Completed </a:t>
             </a:r>
-            <a:endParaRPr lang="en-US" b="1" dirty="0"/>
+            <a:endParaRPr lang="en-US" sz="2000" b="1" dirty="0"/>
           </a:p>
         </p:txBody>
       </p:sp>
@@ -5166,8 +5185,8 @@
         </p:nvSpPr>
         <p:spPr>
           <a:xfrm>
-            <a:off x="1659168" y="2133600"/>
-            <a:ext cx="9409045" cy="3303725"/>
+            <a:off x="1431234" y="2133600"/>
+            <a:ext cx="9409045" cy="3416320"/>
           </a:xfrm>
           <a:prstGeom prst="rect">
             <a:avLst/>
@@ -5189,7 +5208,15 @@
             </a:pPr>
             <a:r>
               <a:rPr lang="en-US" sz="3600" dirty="0"/>
-              <a:t> Gathered the requirement and got familiar    	with technologies </a:t>
+              <a:t> Gathered the requirement and got </a:t>
+            </a:r>
+            <a:r>
+              <a:rPr lang="en-US" sz="3600" dirty="0" smtClean="0"/>
+              <a:t>familiar 	with </a:t>
+            </a:r>
+            <a:r>
+              <a:rPr lang="en-US" sz="3600" dirty="0"/>
+              <a:t>technologies </a:t>
             </a:r>
           </a:p>
           <a:p>
@@ -5306,7 +5333,7 @@
         <p:spPr>
           <a:xfrm>
             <a:off x="1431234" y="940906"/>
-            <a:ext cx="6432606" cy="769441"/>
+            <a:ext cx="6432606" cy="830997"/>
           </a:xfrm>
           <a:prstGeom prst="rect">
             <a:avLst/>
@@ -5320,14 +5347,14 @@
           <a:lstStyle/>
           <a:p>
             <a:r>
-              <a:rPr lang="en-US" sz="4400" b="1" dirty="0"/>
+              <a:rPr lang="en-US" sz="4800" b="1" dirty="0"/>
               <a:t>Things </a:t>
             </a:r>
             <a:r>
-              <a:rPr lang="en-US" sz="4400" b="1" dirty="0" smtClean="0"/>
+              <a:rPr lang="en-US" sz="4800" b="1" dirty="0" smtClean="0"/>
               <a:t>to Complete </a:t>
             </a:r>
-            <a:endParaRPr lang="en-US" b="1" dirty="0"/>
+            <a:endParaRPr lang="en-US" sz="2000" b="1" dirty="0"/>
           </a:p>
         </p:txBody>
       </p:sp>
@@ -5345,8 +5372,8 @@
         </p:nvSpPr>
         <p:spPr>
           <a:xfrm>
-            <a:off x="1659168" y="2133600"/>
-            <a:ext cx="9409045" cy="3416320"/>
+            <a:off x="1431234" y="2185851"/>
+            <a:ext cx="9409045" cy="3303725"/>
           </a:xfrm>
           <a:prstGeom prst="rect">
             <a:avLst/>
@@ -5410,7 +5437,6 @@
               <a:rPr lang="en-US" sz="3600" dirty="0"/>
               <a:t> Testing &amp; Evaluation </a:t>
             </a:r>
-            <a:endParaRPr lang="en-US" sz="3600" dirty="0"/>
           </a:p>
         </p:txBody>
       </p:sp>
@@ -5495,7 +5521,7 @@
         <p:spPr>
           <a:xfrm>
             <a:off x="1431234" y="957998"/>
-            <a:ext cx="5115339" cy="769441"/>
+            <a:ext cx="5115339" cy="830997"/>
           </a:xfrm>
           <a:prstGeom prst="rect">
             <a:avLst/>
@@ -5509,10 +5535,10 @@
           <a:lstStyle/>
           <a:p>
             <a:r>
-              <a:rPr lang="en-US" sz="4400" b="1" dirty="0"/>
+              <a:rPr lang="en-US" sz="4800" b="1" dirty="0"/>
               <a:t>Extra Milestones</a:t>
             </a:r>
-            <a:endParaRPr lang="en-US" b="1" dirty="0"/>
+            <a:endParaRPr lang="en-US" sz="2000" b="1" dirty="0"/>
           </a:p>
         </p:txBody>
       </p:sp>
@@ -5530,8 +5556,8 @@
         </p:nvSpPr>
         <p:spPr>
           <a:xfrm>
-            <a:off x="1563754" y="2464020"/>
-            <a:ext cx="9965637" cy="2862322"/>
+            <a:off x="1431234" y="2516272"/>
+            <a:ext cx="9965637" cy="2472728"/>
           </a:xfrm>
           <a:prstGeom prst="rect">
             <a:avLst/>
@@ -5552,14 +5578,14 @@
               <a:buChar char="Ø"/>
             </a:pPr>
             <a:r>
-              <a:rPr lang="en-US" sz="4000" dirty="0"/>
+              <a:rPr lang="en-US" sz="3600" dirty="0"/>
               <a:t>Developing a Mobile App (Android</a:t>
             </a:r>
             <a:r>
-              <a:rPr lang="en-US" sz="4000" dirty="0" smtClean="0"/>
+              <a:rPr lang="en-US" sz="3600" dirty="0" smtClean="0"/>
               <a:t>)</a:t>
             </a:r>
-            <a:endParaRPr lang="en-US" sz="4000" dirty="0"/>
+            <a:endParaRPr lang="en-US" sz="3600" dirty="0"/>
           </a:p>
           <a:p>
             <a:pPr marL="571500" indent="-571500">
@@ -5570,15 +5596,15 @@
               <a:buChar char="Ø"/>
             </a:pPr>
             <a:r>
-              <a:rPr lang="en-US" sz="4000" dirty="0"/>
+              <a:rPr lang="en-US" sz="3600" dirty="0"/>
               <a:t>Monitoring System/Portal for </a:t>
             </a:r>
             <a:r>
-              <a:rPr lang="en-US" sz="4000" dirty="0" smtClean="0"/>
+              <a:rPr lang="en-US" sz="3600" dirty="0" smtClean="0"/>
               <a:t>state </a:t>
             </a:r>
             <a:r>
-              <a:rPr lang="en-US" sz="4000" dirty="0"/>
+              <a:rPr lang="en-US" sz="3600" dirty="0"/>
               <a:t>health inspectors</a:t>
             </a:r>
           </a:p>

--- a/Presantation/Presentation - Final.pptx
+++ b/Presantation/Presentation - Final.pptx
@@ -205,7 +205,7 @@
           <a:p>
             <a:fld id="{B6264E3E-79F1-457E-9C0F-DD821A27C1C2}" type="datetimeFigureOut">
               <a:rPr lang="en-US" smtClean="0"/>
-              <a:t>4/8/2019</a:t>
+              <a:t>4/9/2019</a:t>
             </a:fld>
             <a:endParaRPr lang="en-US"/>
           </a:p>
@@ -611,7 +611,7 @@
           <a:p>
             <a:fld id="{D3AB1F39-E980-48C7-AA8F-C3FF10C5F150}" type="datetime1">
               <a:rPr lang="en-US" smtClean="0"/>
-              <a:t>4/8/2019</a:t>
+              <a:t>4/9/2019</a:t>
             </a:fld>
             <a:endParaRPr lang="en-US"/>
           </a:p>
@@ -828,7 +828,7 @@
           <a:p>
             <a:fld id="{61796878-5C5E-4BD5-8EDE-68A5EF2DD9B8}" type="datetime1">
               <a:rPr lang="en-US" smtClean="0"/>
-              <a:t>4/8/2019</a:t>
+              <a:t>4/9/2019</a:t>
             </a:fld>
             <a:endParaRPr lang="en-US"/>
           </a:p>
@@ -1049,7 +1049,7 @@
           <a:p>
             <a:fld id="{077FE279-0392-44AA-B01F-3D056690A0FE}" type="datetime1">
               <a:rPr lang="en-US" smtClean="0"/>
-              <a:t>4/8/2019</a:t>
+              <a:t>4/9/2019</a:t>
             </a:fld>
             <a:endParaRPr lang="en-US"/>
           </a:p>
@@ -1256,7 +1256,7 @@
           <a:p>
             <a:fld id="{5A0E8747-AD8F-4128-A5BA-9B59802D978F}" type="datetime1">
               <a:rPr lang="en-US" smtClean="0"/>
-              <a:t>4/8/2019</a:t>
+              <a:t>4/9/2019</a:t>
             </a:fld>
             <a:endParaRPr lang="en-US"/>
           </a:p>
@@ -1541,7 +1541,7 @@
           <a:p>
             <a:fld id="{338857B6-8144-4E14-AEC4-0AEC7099B812}" type="datetime1">
               <a:rPr lang="en-US" smtClean="0"/>
-              <a:t>4/8/2019</a:t>
+              <a:t>4/9/2019</a:t>
             </a:fld>
             <a:endParaRPr lang="en-US"/>
           </a:p>
@@ -1815,7 +1815,7 @@
           <a:p>
             <a:fld id="{6F108119-1A37-4A25-8A9D-30D4A7F48CA6}" type="datetime1">
               <a:rPr lang="en-US" smtClean="0"/>
-              <a:t>4/8/2019</a:t>
+              <a:t>4/9/2019</a:t>
             </a:fld>
             <a:endParaRPr lang="en-US"/>
           </a:p>
@@ -2237,7 +2237,7 @@
           <a:p>
             <a:fld id="{6E0C4ECB-65AF-4D60-8068-C20A2909E33A}" type="datetime1">
               <a:rPr lang="en-US" smtClean="0"/>
-              <a:t>4/8/2019</a:t>
+              <a:t>4/9/2019</a:t>
             </a:fld>
             <a:endParaRPr lang="en-US"/>
           </a:p>
@@ -2392,7 +2392,7 @@
           <a:p>
             <a:fld id="{C3D411FE-7BEA-4879-A35C-5512C1C160DD}" type="datetime1">
               <a:rPr lang="en-US" smtClean="0"/>
-              <a:t>4/8/2019</a:t>
+              <a:t>4/9/2019</a:t>
             </a:fld>
             <a:endParaRPr lang="en-US"/>
           </a:p>
@@ -2524,7 +2524,7 @@
           <a:p>
             <a:fld id="{918069BB-16A9-4CCE-9F46-CB18C564659A}" type="datetime1">
               <a:rPr lang="en-US" smtClean="0"/>
-              <a:t>4/8/2019</a:t>
+              <a:t>4/9/2019</a:t>
             </a:fld>
             <a:endParaRPr lang="en-US"/>
           </a:p>
@@ -2775,7 +2775,7 @@
           <a:p>
             <a:fld id="{F48225B6-D91B-432F-9818-58F7CBB13E42}" type="datetime1">
               <a:rPr lang="en-US" smtClean="0"/>
-              <a:t>4/8/2019</a:t>
+              <a:t>4/9/2019</a:t>
             </a:fld>
             <a:endParaRPr lang="en-US"/>
           </a:p>
@@ -3230,7 +3230,7 @@
           <a:p>
             <a:fld id="{2C027F7B-75E6-4617-B138-9F5517E336C2}" type="datetime1">
               <a:rPr lang="en-US" smtClean="0"/>
-              <a:t>4/8/2019</a:t>
+              <a:t>4/9/2019</a:t>
             </a:fld>
             <a:endParaRPr lang="en-US"/>
           </a:p>
@@ -3557,7 +3557,7 @@
           <a:p>
             <a:fld id="{4406ACB3-1A8E-45F2-A4B4-A562FF536A44}" type="datetime1">
               <a:rPr lang="en-US" smtClean="0"/>
-              <a:t>4/8/2019</a:t>
+              <a:t>4/9/2019</a:t>
             </a:fld>
             <a:endParaRPr lang="en-US"/>
           </a:p>
@@ -4082,22 +4082,45 @@
           </a:p>
         </p:txBody>
       </p:sp>
-      <p:pic>
-        <p:nvPicPr>
-          <p:cNvPr id="6" name="Picture 5">
+      <p:sp>
+        <p:nvSpPr>
+          <p:cNvPr id="2" name="Slide Number Placeholder 1">
             <a:extLst>
               <a:ext uri="{FF2B5EF4-FFF2-40B4-BE49-F238E27FC236}">
-                <a16:creationId xmlns:a16="http://schemas.microsoft.com/office/drawing/2014/main" id="{3E8B8676-53E3-4A53-8E39-3C124C105EB4}"/>
+                <a16:creationId xmlns:a16="http://schemas.microsoft.com/office/drawing/2014/main" id="{7882B1A8-1747-4089-ACEE-23CC5928FC21}"/>
               </a:ext>
             </a:extLst>
           </p:cNvPr>
+          <p:cNvSpPr>
+            <a:spLocks noGrp="1"/>
+          </p:cNvSpPr>
+          <p:nvPr>
+            <p:ph type="sldNum" sz="quarter" idx="12"/>
+          </p:nvPr>
+        </p:nvSpPr>
+        <p:spPr/>
+        <p:txBody>
+          <a:bodyPr/>
+          <a:lstStyle/>
+          <a:p>
+            <a:fld id="{C856FAD5-89AB-47AB-8E18-7B0A43CE8438}" type="slidenum">
+              <a:rPr lang="en-US" smtClean="0"/>
+              <a:t>1</a:t>
+            </a:fld>
+            <a:endParaRPr lang="en-US"/>
+          </a:p>
+        </p:txBody>
+      </p:sp>
+      <p:pic>
+        <p:nvPicPr>
+          <p:cNvPr id="3" name="Picture 2"/>
           <p:cNvPicPr>
             <a:picLocks noChangeAspect="1"/>
           </p:cNvPicPr>
           <p:nvPr/>
         </p:nvPicPr>
         <p:blipFill>
-          <a:blip r:embed="rId2">
+          <a:blip r:embed="rId2" cstate="hqprint">
             <a:extLst>
               <a:ext uri="{28A0092B-C50C-407E-A947-70E740481C1C}">
                 <a14:useLocalDpi xmlns:a14="http://schemas.microsoft.com/office/drawing/2010/main" val="0"/>
@@ -4110,49 +4133,14 @@
         </p:blipFill>
         <p:spPr>
           <a:xfrm>
-            <a:off x="8847877" y="3385154"/>
-            <a:ext cx="2143125" cy="2133600"/>
+            <a:off x="8990975" y="3345965"/>
+            <a:ext cx="2039270" cy="2035932"/>
           </a:xfrm>
           <a:prstGeom prst="rect">
             <a:avLst/>
           </a:prstGeom>
-          <a:ln>
-            <a:noFill/>
-          </a:ln>
-          <a:effectLst>
-            <a:softEdge rad="112500"/>
-          </a:effectLst>
         </p:spPr>
       </p:pic>
-      <p:sp>
-        <p:nvSpPr>
-          <p:cNvPr id="2" name="Slide Number Placeholder 1">
-            <a:extLst>
-              <a:ext uri="{FF2B5EF4-FFF2-40B4-BE49-F238E27FC236}">
-                <a16:creationId xmlns:a16="http://schemas.microsoft.com/office/drawing/2014/main" id="{7882B1A8-1747-4089-ACEE-23CC5928FC21}"/>
-              </a:ext>
-            </a:extLst>
-          </p:cNvPr>
-          <p:cNvSpPr>
-            <a:spLocks noGrp="1"/>
-          </p:cNvSpPr>
-          <p:nvPr>
-            <p:ph type="sldNum" sz="quarter" idx="12"/>
-          </p:nvPr>
-        </p:nvSpPr>
-        <p:spPr/>
-        <p:txBody>
-          <a:bodyPr/>
-          <a:lstStyle/>
-          <a:p>
-            <a:fld id="{C856FAD5-89AB-47AB-8E18-7B0A43CE8438}" type="slidenum">
-              <a:rPr lang="en-US" smtClean="0"/>
-              <a:t>1</a:t>
-            </a:fld>
-            <a:endParaRPr lang="en-US"/>
-          </a:p>
-        </p:txBody>
-      </p:sp>
     </p:spTree>
     <p:extLst>
       <p:ext uri="{BB962C8B-B14F-4D97-AF65-F5344CB8AC3E}">
@@ -4269,17 +4257,8 @@
               <a:rPr lang="en-US" sz="3200" dirty="0" smtClean="0">
                 <a:latin typeface="Bahnschrift" panose="020B0502040204020203" pitchFamily="34" charset="0"/>
               </a:rPr>
-              <a:t> M.M.M. </a:t>
-            </a:r>
-            <a:r>
-              <a:rPr lang="en-US" sz="3200" dirty="0" smtClean="0">
-                <a:latin typeface="Bahnschrift" panose="020B0502040204020203" pitchFamily="34" charset="0"/>
-              </a:rPr>
-              <a:t>ASLAM						E/15/021</a:t>
-            </a:r>
-            <a:endParaRPr lang="en-US" sz="3200" dirty="0" smtClean="0">
-              <a:latin typeface="Bahnschrift" panose="020B0502040204020203" pitchFamily="34" charset="0"/>
-            </a:endParaRPr>
+              <a:t> M.M.M. ASLAM						E/15/021</a:t>
+            </a:r>
           </a:p>
           <a:p>
             <a:pPr marL="285750" indent="-285750">
@@ -4293,17 +4272,8 @@
               <a:rPr lang="en-US" sz="3200" dirty="0" smtClean="0">
                 <a:latin typeface="Bahnschrift" panose="020B0502040204020203" pitchFamily="34" charset="0"/>
               </a:rPr>
-              <a:t> M.H. HISNI </a:t>
-            </a:r>
-            <a:r>
-              <a:rPr lang="en-US" sz="3200" dirty="0" smtClean="0">
-                <a:latin typeface="Bahnschrift" panose="020B0502040204020203" pitchFamily="34" charset="0"/>
-              </a:rPr>
-              <a:t>MOHAMED			E/15/131</a:t>
-            </a:r>
-            <a:endParaRPr lang="en-US" sz="3200" dirty="0" smtClean="0">
-              <a:latin typeface="Bahnschrift" panose="020B0502040204020203" pitchFamily="34" charset="0"/>
-            </a:endParaRPr>
+              <a:t> M.H. HISNI MOHAMED			E/15/131</a:t>
+            </a:r>
           </a:p>
           <a:p>
             <a:pPr marL="285750" indent="-285750">
@@ -4317,17 +4287,8 @@
               <a:rPr lang="en-US" sz="3200" dirty="0" smtClean="0">
                 <a:latin typeface="Bahnschrift" panose="020B0502040204020203" pitchFamily="34" charset="0"/>
               </a:rPr>
-              <a:t> S. </a:t>
-            </a:r>
-            <a:r>
-              <a:rPr lang="en-US" sz="3200" dirty="0" smtClean="0">
-                <a:latin typeface="Bahnschrift" panose="020B0502040204020203" pitchFamily="34" charset="0"/>
-              </a:rPr>
-              <a:t>SUHAIL								E/15/348</a:t>
-            </a:r>
-            <a:endParaRPr lang="en-US" sz="3200" dirty="0" smtClean="0">
-              <a:latin typeface="Bahnschrift" panose="020B0502040204020203" pitchFamily="34" charset="0"/>
-            </a:endParaRPr>
+              <a:t> S. SUHAIL								E/15/348</a:t>
+            </a:r>
           </a:p>
           <a:p>
             <a:pPr marL="285750" indent="-285750">
@@ -5372,7 +5333,7 @@
         </p:nvSpPr>
         <p:spPr>
           <a:xfrm>
-            <a:off x="1431234" y="2185851"/>
+            <a:off x="1431234" y="2198914"/>
             <a:ext cx="9409045" cy="3303725"/>
           </a:xfrm>
           <a:prstGeom prst="rect">

--- a/Presantation/Presentation - Final.pptx
+++ b/Presantation/Presentation - Final.pptx
@@ -5,7 +5,7 @@
     <p:sldMasterId id="2147483720" r:id="rId1"/>
   </p:sldMasterIdLst>
   <p:notesMasterIdLst>
-    <p:notesMasterId r:id="rId11"/>
+    <p:notesMasterId r:id="rId12"/>
   </p:notesMasterIdLst>
   <p:sldIdLst>
     <p:sldId id="256" r:id="rId2"/>
@@ -16,7 +16,8 @@
     <p:sldId id="261" r:id="rId7"/>
     <p:sldId id="266" r:id="rId8"/>
     <p:sldId id="262" r:id="rId9"/>
-    <p:sldId id="264" r:id="rId10"/>
+    <p:sldId id="271" r:id="rId10"/>
+    <p:sldId id="270" r:id="rId11"/>
   </p:sldIdLst>
   <p:sldSz cx="12192000" cy="6858000"/>
   <p:notesSz cx="6858000" cy="9144000"/>
@@ -4161,6 +4162,107 @@
 </p:sld>
 </file>
 
+<file path=ppt/slides/slide10.xml><?xml version="1.0" encoding="utf-8"?>
+<p:sld xmlns:a="http://schemas.openxmlformats.org/drawingml/2006/main" xmlns:r="http://schemas.openxmlformats.org/officeDocument/2006/relationships" xmlns:p="http://schemas.openxmlformats.org/presentationml/2006/main">
+  <p:cSld>
+    <p:spTree>
+      <p:nvGrpSpPr>
+        <p:cNvPr id="1" name=""/>
+        <p:cNvGrpSpPr/>
+        <p:nvPr/>
+      </p:nvGrpSpPr>
+      <p:grpSpPr>
+        <a:xfrm>
+          <a:off x="0" y="0"/>
+          <a:ext cx="0" cy="0"/>
+          <a:chOff x="0" y="0"/>
+          <a:chExt cx="0" cy="0"/>
+        </a:xfrm>
+      </p:grpSpPr>
+      <p:sp>
+        <p:nvSpPr>
+          <p:cNvPr id="3" name="Slide Number Placeholder 2"/>
+          <p:cNvSpPr>
+            <a:spLocks noGrp="1"/>
+          </p:cNvSpPr>
+          <p:nvPr>
+            <p:ph type="sldNum" sz="quarter" idx="12"/>
+          </p:nvPr>
+        </p:nvSpPr>
+        <p:spPr/>
+        <p:txBody>
+          <a:bodyPr/>
+          <a:lstStyle/>
+          <a:p>
+            <a:fld id="{C856FAD5-89AB-47AB-8E18-7B0A43CE8438}" type="slidenum">
+              <a:rPr lang="en-US" smtClean="0"/>
+              <a:t>10</a:t>
+            </a:fld>
+            <a:endParaRPr lang="en-US"/>
+          </a:p>
+        </p:txBody>
+      </p:sp>
+      <p:sp>
+        <p:nvSpPr>
+          <p:cNvPr id="4" name="Title 1"/>
+          <p:cNvSpPr txBox="1">
+            <a:spLocks/>
+          </p:cNvSpPr>
+          <p:nvPr/>
+        </p:nvSpPr>
+        <p:spPr>
+          <a:xfrm>
+            <a:off x="1291079" y="2463502"/>
+            <a:ext cx="9520158" cy="1638236"/>
+          </a:xfrm>
+          <a:prstGeom prst="rect">
+            <a:avLst/>
+          </a:prstGeom>
+        </p:spPr>
+        <p:txBody>
+          <a:bodyPr/>
+          <a:lstStyle>
+            <a:lvl1pPr algn="l" defTabSz="914400" rtl="0" eaLnBrk="1" latinLnBrk="0" hangingPunct="1">
+              <a:lnSpc>
+                <a:spcPct val="90000"/>
+              </a:lnSpc>
+              <a:spcBef>
+                <a:spcPct val="0"/>
+              </a:spcBef>
+              <a:buNone/>
+              <a:defRPr sz="3200" b="0" i="0" kern="1200" cap="none">
+                <a:solidFill>
+                  <a:schemeClr val="tx1"/>
+                </a:solidFill>
+                <a:effectLst/>
+                <a:latin typeface="+mj-lt"/>
+                <a:ea typeface="+mj-ea"/>
+                <a:cs typeface="+mj-cs"/>
+              </a:defRPr>
+            </a:lvl1pPr>
+          </a:lstStyle>
+          <a:p>
+            <a:pPr algn="ctr"/>
+            <a:r>
+              <a:rPr lang="en-US" sz="8800" b="1" dirty="0"/>
+              <a:t>Thank You…</a:t>
+            </a:r>
+          </a:p>
+        </p:txBody>
+      </p:sp>
+    </p:spTree>
+    <p:extLst>
+      <p:ext uri="{BB962C8B-B14F-4D97-AF65-F5344CB8AC3E}">
+        <p14:creationId xmlns:p14="http://schemas.microsoft.com/office/powerpoint/2010/main" val="1427937856"/>
+      </p:ext>
+    </p:extLst>
+  </p:cSld>
+  <p:clrMapOvr>
+    <a:masterClrMapping/>
+  </p:clrMapOvr>
+</p:sld>
+</file>
+
 <file path=ppt/slides/slide2.xml><?xml version="1.0" encoding="utf-8"?>
 <p:sld xmlns:a="http://schemas.openxmlformats.org/drawingml/2006/main" xmlns:r="http://schemas.openxmlformats.org/officeDocument/2006/relationships" xmlns:p="http://schemas.openxmlformats.org/presentationml/2006/main">
   <p:cSld>
@@ -4232,8 +4334,8 @@
         </p:nvSpPr>
         <p:spPr>
           <a:xfrm>
-            <a:off x="1579088" y="1972872"/>
-            <a:ext cx="10469219" cy="3785652"/>
+            <a:off x="1291079" y="2129626"/>
+            <a:ext cx="10469219" cy="3323987"/>
           </a:xfrm>
           <a:prstGeom prst="rect">
             <a:avLst/>
@@ -4246,83 +4348,116 @@
           </a:bodyPr>
           <a:lstStyle/>
           <a:p>
-            <a:pPr marL="285750" indent="-285750">
+            <a:pPr marL="457200" indent="-457200">
               <a:lnSpc>
                 <a:spcPct val="150000"/>
               </a:lnSpc>
-              <a:buFont typeface="Wingdings" panose="05000000000000000000" pitchFamily="2" charset="2"/>
-              <a:buChar char="Ø"/>
+              <a:buFont typeface="Arial" panose="020B0604020202020204" pitchFamily="34" charset="0"/>
+              <a:buChar char="•"/>
             </a:pPr>
             <a:r>
-              <a:rPr lang="en-US" sz="3200" dirty="0" smtClean="0">
+              <a:rPr lang="en-US" sz="2800" dirty="0" smtClean="0">
                 <a:latin typeface="Bahnschrift" panose="020B0502040204020203" pitchFamily="34" charset="0"/>
               </a:rPr>
-              <a:t> M.M.M. ASLAM						E/15/021</a:t>
-            </a:r>
-          </a:p>
-          <a:p>
-            <a:pPr marL="285750" indent="-285750">
+              <a:t> M.M.M. </a:t>
+            </a:r>
+            <a:r>
+              <a:rPr lang="en-US" sz="2800" dirty="0" smtClean="0">
+                <a:latin typeface="Bahnschrift" panose="020B0502040204020203" pitchFamily="34" charset="0"/>
+              </a:rPr>
+              <a:t>ASLAM					E/15/021</a:t>
+            </a:r>
+            <a:endParaRPr lang="en-US" sz="2800" dirty="0" smtClean="0">
+              <a:latin typeface="Bahnschrift" panose="020B0502040204020203" pitchFamily="34" charset="0"/>
+            </a:endParaRPr>
+          </a:p>
+          <a:p>
+            <a:pPr marL="457200" indent="-457200">
               <a:lnSpc>
                 <a:spcPct val="150000"/>
               </a:lnSpc>
-              <a:buFont typeface="Wingdings" panose="05000000000000000000" pitchFamily="2" charset="2"/>
-              <a:buChar char="Ø"/>
+              <a:buFont typeface="Arial" panose="020B0604020202020204" pitchFamily="34" charset="0"/>
+              <a:buChar char="•"/>
             </a:pPr>
             <a:r>
-              <a:rPr lang="en-US" sz="3200" dirty="0" smtClean="0">
+              <a:rPr lang="en-US" sz="2800" dirty="0" smtClean="0">
                 <a:latin typeface="Bahnschrift" panose="020B0502040204020203" pitchFamily="34" charset="0"/>
               </a:rPr>
-              <a:t> M.H. HISNI MOHAMED			E/15/131</a:t>
-            </a:r>
-          </a:p>
-          <a:p>
-            <a:pPr marL="285750" indent="-285750">
+              <a:t> M.H. HISNI </a:t>
+            </a:r>
+            <a:r>
+              <a:rPr lang="en-US" sz="2800" dirty="0" smtClean="0">
+                <a:latin typeface="Bahnschrift" panose="020B0502040204020203" pitchFamily="34" charset="0"/>
+              </a:rPr>
+              <a:t>MOHAMED			E/15/131</a:t>
+            </a:r>
+            <a:endParaRPr lang="en-US" sz="2800" dirty="0" smtClean="0">
+              <a:latin typeface="Bahnschrift" panose="020B0502040204020203" pitchFamily="34" charset="0"/>
+            </a:endParaRPr>
+          </a:p>
+          <a:p>
+            <a:pPr marL="457200" indent="-457200">
               <a:lnSpc>
                 <a:spcPct val="150000"/>
               </a:lnSpc>
-              <a:buFont typeface="Wingdings" panose="05000000000000000000" pitchFamily="2" charset="2"/>
-              <a:buChar char="Ø"/>
+              <a:buFont typeface="Arial" panose="020B0604020202020204" pitchFamily="34" charset="0"/>
+              <a:buChar char="•"/>
             </a:pPr>
             <a:r>
-              <a:rPr lang="en-US" sz="3200" dirty="0" smtClean="0">
+              <a:rPr lang="en-US" sz="2800" dirty="0" smtClean="0">
                 <a:latin typeface="Bahnschrift" panose="020B0502040204020203" pitchFamily="34" charset="0"/>
               </a:rPr>
-              <a:t> S. SUHAIL								E/15/348</a:t>
-            </a:r>
-          </a:p>
-          <a:p>
-            <a:pPr marL="285750" indent="-285750">
+              <a:t> S. </a:t>
+            </a:r>
+            <a:r>
+              <a:rPr lang="en-US" sz="2800" dirty="0" smtClean="0">
+                <a:latin typeface="Bahnschrift" panose="020B0502040204020203" pitchFamily="34" charset="0"/>
+              </a:rPr>
+              <a:t>SUHAIL							E/15/348</a:t>
+            </a:r>
+            <a:endParaRPr lang="en-US" sz="2800" dirty="0" smtClean="0">
+              <a:latin typeface="Bahnschrift" panose="020B0502040204020203" pitchFamily="34" charset="0"/>
+            </a:endParaRPr>
+          </a:p>
+          <a:p>
+            <a:pPr marL="457200" indent="-457200">
               <a:lnSpc>
                 <a:spcPct val="150000"/>
               </a:lnSpc>
-              <a:buFont typeface="Wingdings" panose="05000000000000000000" pitchFamily="2" charset="2"/>
-              <a:buChar char="Ø"/>
+              <a:buFont typeface="Arial" panose="020B0604020202020204" pitchFamily="34" charset="0"/>
+              <a:buChar char="•"/>
             </a:pPr>
-            <a:endParaRPr lang="en-US" sz="3200" dirty="0" smtClean="0">
+            <a:endParaRPr lang="en-US" sz="2800" dirty="0" smtClean="0">
               <a:latin typeface="Bahnschrift" panose="020B0502040204020203" pitchFamily="34" charset="0"/>
             </a:endParaRPr>
           </a:p>
           <a:p>
-            <a:pPr marL="285750" indent="-285750">
+            <a:pPr marL="457200" indent="-457200">
               <a:lnSpc>
                 <a:spcPct val="150000"/>
               </a:lnSpc>
-              <a:buFont typeface="Wingdings" panose="05000000000000000000" pitchFamily="2" charset="2"/>
-              <a:buChar char="Ø"/>
+              <a:buFont typeface="Arial" panose="020B0604020202020204" pitchFamily="34" charset="0"/>
+              <a:buChar char="•"/>
             </a:pPr>
-            <a:r>
-              <a:rPr lang="en-US" sz="3200" dirty="0" smtClean="0">
-                <a:latin typeface="Bahnschrift" panose="020B0502040204020203" pitchFamily="34" charset="0"/>
-              </a:rPr>
-              <a:t> </a:t>
-            </a:r>
             <a:r>
               <a:rPr lang="en-US" sz="2800" dirty="0" smtClean="0">
                 <a:latin typeface="Bahnschrift" panose="020B0502040204020203" pitchFamily="34" charset="0"/>
               </a:rPr>
-              <a:t>Product owner &amp; Scrum Master : Miss. NIMALI KULARATNE</a:t>
-            </a:r>
-            <a:endParaRPr lang="en-US" sz="3200" dirty="0">
+              <a:t> Product owner &amp; Scrum </a:t>
+            </a:r>
+            <a:r>
+              <a:rPr lang="en-US" sz="2800" dirty="0" smtClean="0">
+                <a:latin typeface="Bahnschrift" panose="020B0502040204020203" pitchFamily="34" charset="0"/>
+              </a:rPr>
+              <a:t>Master: </a:t>
+            </a:r>
+            <a:r>
+              <a:rPr lang="en-US" sz="2800" dirty="0" smtClean="0">
+                <a:latin typeface="Bahnschrift" panose="020B0502040204020203" pitchFamily="34" charset="0"/>
+              </a:rPr>
+              <a:t>Miss. NIMALI KULARATNE</a:t>
+            </a:r>
+            <a:endParaRPr lang="en-US" sz="2800" dirty="0">
               <a:latin typeface="Bahnschrift" panose="020B0502040204020203" pitchFamily="34" charset="0"/>
             </a:endParaRPr>
           </a:p>
@@ -4444,8 +4579,8 @@
         </p:nvSpPr>
         <p:spPr>
           <a:xfrm>
-            <a:off x="1431234" y="1846972"/>
-            <a:ext cx="9568071" cy="4134722"/>
+            <a:off x="1291079" y="2173543"/>
+            <a:ext cx="9568071" cy="3685561"/>
           </a:xfrm>
           <a:prstGeom prst="rect">
             <a:avLst/>
@@ -4458,51 +4593,51 @@
           </a:bodyPr>
           <a:lstStyle/>
           <a:p>
-            <a:pPr marL="285750" indent="-285750">
+            <a:pPr marL="457200" indent="-457200">
               <a:lnSpc>
                 <a:spcPct val="150000"/>
               </a:lnSpc>
-              <a:buFont typeface="Wingdings" panose="05000000000000000000" pitchFamily="2" charset="2"/>
-              <a:buChar char="Ø"/>
+              <a:buFont typeface="Arial" panose="020B0604020202020204" pitchFamily="34" charset="0"/>
+              <a:buChar char="•"/>
             </a:pPr>
             <a:r>
-              <a:rPr lang="en-US" sz="3600" dirty="0"/>
+              <a:rPr lang="en-US" sz="3200" dirty="0"/>
               <a:t> A web based application for plastic &amp; non-degradable waste management</a:t>
             </a:r>
             <a:r>
-              <a:rPr lang="en-US" sz="3600" dirty="0" smtClean="0"/>
+              <a:rPr lang="en-US" sz="3200" dirty="0" smtClean="0"/>
               <a:t>.</a:t>
             </a:r>
-            <a:endParaRPr lang="en-US" sz="1600" dirty="0"/>
-          </a:p>
-          <a:p>
-            <a:pPr marL="285750" indent="-285750">
+            <a:endParaRPr lang="en-US" sz="3200" dirty="0"/>
+          </a:p>
+          <a:p>
+            <a:pPr marL="457200" indent="-457200">
               <a:lnSpc>
                 <a:spcPct val="150000"/>
               </a:lnSpc>
-              <a:buFont typeface="Wingdings" panose="05000000000000000000" pitchFamily="2" charset="2"/>
-              <a:buChar char="Ø"/>
+              <a:buFont typeface="Arial" panose="020B0604020202020204" pitchFamily="34" charset="0"/>
+              <a:buChar char="•"/>
             </a:pPr>
             <a:r>
-              <a:rPr lang="en-US" sz="3600" dirty="0"/>
+              <a:rPr lang="en-US" sz="3200" dirty="0"/>
               <a:t> Helps public to interact with buyers</a:t>
             </a:r>
             <a:r>
-              <a:rPr lang="en-US" sz="3600" dirty="0" smtClean="0"/>
+              <a:rPr lang="en-US" sz="3200" dirty="0" smtClean="0"/>
               <a:t>.</a:t>
             </a:r>
-            <a:endParaRPr lang="en-US" sz="1600" dirty="0"/>
-          </a:p>
-          <a:p>
-            <a:pPr marL="285750" indent="-285750">
+            <a:endParaRPr lang="en-US" sz="3200" dirty="0"/>
+          </a:p>
+          <a:p>
+            <a:pPr marL="457200" indent="-457200">
               <a:lnSpc>
                 <a:spcPct val="150000"/>
               </a:lnSpc>
-              <a:buFont typeface="Wingdings" panose="05000000000000000000" pitchFamily="2" charset="2"/>
-              <a:buChar char="Ø"/>
+              <a:buFont typeface="Arial" panose="020B0604020202020204" pitchFamily="34" charset="0"/>
+              <a:buChar char="•"/>
             </a:pPr>
             <a:r>
-              <a:rPr lang="en-US" sz="3600" dirty="0"/>
+              <a:rPr lang="en-US" sz="3200" dirty="0"/>
               <a:t> Helps state health inspectors to track the waste disposal mechanism </a:t>
             </a:r>
           </a:p>
@@ -4655,7 +4790,7 @@
         <p:spPr>
           <a:xfrm>
             <a:off x="1431233" y="2358887"/>
-            <a:ext cx="9024731" cy="1813830"/>
+            <a:ext cx="9024731" cy="1641731"/>
           </a:xfrm>
           <a:prstGeom prst="rect">
             <a:avLst/>
@@ -4668,28 +4803,28 @@
           </a:bodyPr>
           <a:lstStyle/>
           <a:p>
-            <a:pPr marL="285750" indent="-285750">
+            <a:pPr marL="457200" indent="-457200">
               <a:lnSpc>
                 <a:spcPct val="150000"/>
               </a:lnSpc>
-              <a:buFont typeface="Wingdings" panose="05000000000000000000" pitchFamily="2" charset="2"/>
-              <a:buChar char="Ø"/>
+              <a:buFont typeface="Arial" panose="020B0604020202020204" pitchFamily="34" charset="0"/>
+              <a:buChar char="•"/>
             </a:pPr>
             <a:r>
-              <a:rPr lang="en-US" sz="4000" dirty="0"/>
+              <a:rPr lang="en-US" sz="3600" dirty="0"/>
               <a:t> React JS</a:t>
             </a:r>
           </a:p>
           <a:p>
-            <a:pPr marL="285750" indent="-285750">
+            <a:pPr marL="457200" indent="-457200">
               <a:lnSpc>
                 <a:spcPct val="150000"/>
               </a:lnSpc>
-              <a:buFont typeface="Wingdings" panose="05000000000000000000" pitchFamily="2" charset="2"/>
-              <a:buChar char="Ø"/>
+              <a:buFont typeface="Arial" panose="020B0604020202020204" pitchFamily="34" charset="0"/>
+              <a:buChar char="•"/>
             </a:pPr>
             <a:r>
-              <a:rPr lang="en-US" sz="4000" dirty="0"/>
+              <a:rPr lang="en-US" sz="3600" dirty="0"/>
               <a:t> Firebase </a:t>
             </a:r>
           </a:p>
@@ -4786,7 +4921,7 @@
               <a:rPr lang="en-US" smtClean="0"/>
               <a:t>4</a:t>
             </a:fld>
-            <a:endParaRPr lang="en-US"/>
+            <a:endParaRPr lang="en-US" dirty="0"/>
           </a:p>
         </p:txBody>
       </p:sp>
@@ -4921,7 +5056,7 @@
         </p:nvSpPr>
         <p:spPr>
           <a:xfrm>
-            <a:off x="1431233" y="2011302"/>
+            <a:off x="1291079" y="2076616"/>
             <a:ext cx="9828950" cy="4042132"/>
           </a:xfrm>
           <a:prstGeom prst="rect">
@@ -4935,19 +5070,23 @@
           </a:bodyPr>
           <a:lstStyle/>
           <a:p>
-            <a:pPr marL="285750" indent="-285750">
+            <a:pPr marL="457200" indent="-457200">
               <a:lnSpc>
                 <a:spcPts val="4400"/>
               </a:lnSpc>
-              <a:buFont typeface="Wingdings" panose="05000000000000000000" pitchFamily="2" charset="2"/>
-              <a:buChar char="Ø"/>
+              <a:buFont typeface="Arial" panose="020B0604020202020204" pitchFamily="34" charset="0"/>
+              <a:buChar char="•"/>
             </a:pPr>
             <a:r>
-              <a:rPr lang="en-US" sz="3400" dirty="0"/>
-              <a:t> Requirement gathering and getting familiar </a:t>
-            </a:r>
-            <a:r>
-              <a:rPr lang="en-US" sz="3400" dirty="0" smtClean="0"/>
+              <a:rPr lang="en-US" sz="3200" dirty="0" smtClean="0"/>
+              <a:t>Requirement </a:t>
+            </a:r>
+            <a:r>
+              <a:rPr lang="en-US" sz="3200" dirty="0"/>
+              <a:t>gathering and getting familiar </a:t>
+            </a:r>
+            <a:r>
+              <a:rPr lang="en-US" sz="3200" dirty="0" smtClean="0"/>
               <a:t>with</a:t>
             </a:r>
           </a:p>
@@ -4958,74 +5097,98 @@
               </a:lnSpc>
             </a:pPr>
             <a:r>
-              <a:rPr lang="en-US" sz="3400" dirty="0" smtClean="0"/>
-              <a:t>	technologies </a:t>
-            </a:r>
-            <a:endParaRPr lang="en-US" sz="3400" dirty="0"/>
-          </a:p>
-          <a:p>
-            <a:pPr marL="285750" indent="-285750">
+              <a:rPr lang="en-US" sz="3200" dirty="0"/>
+              <a:t>	</a:t>
+            </a:r>
+            <a:r>
+              <a:rPr lang="en-US" sz="3200" dirty="0" smtClean="0"/>
+              <a:t>technologies </a:t>
+            </a:r>
+            <a:endParaRPr lang="en-US" sz="3200" dirty="0"/>
+          </a:p>
+          <a:p>
+            <a:pPr marL="457200" indent="-457200">
               <a:lnSpc>
                 <a:spcPts val="4400"/>
               </a:lnSpc>
-              <a:buFont typeface="Wingdings" panose="05000000000000000000" pitchFamily="2" charset="2"/>
-              <a:buChar char="Ø"/>
+              <a:buFont typeface="Arial" panose="020B0604020202020204" pitchFamily="34" charset="0"/>
+              <a:buChar char="•"/>
             </a:pPr>
             <a:r>
-              <a:rPr lang="en-US" sz="3400" dirty="0"/>
-              <a:t> User interface designing </a:t>
-            </a:r>
-          </a:p>
-          <a:p>
-            <a:pPr marL="285750" indent="-285750">
+              <a:rPr lang="en-US" sz="3200" dirty="0" smtClean="0"/>
+              <a:t>User </a:t>
+            </a:r>
+            <a:r>
+              <a:rPr lang="en-US" sz="3200" dirty="0"/>
+              <a:t>interface designing </a:t>
+            </a:r>
+          </a:p>
+          <a:p>
+            <a:pPr marL="457200" indent="-457200">
               <a:lnSpc>
                 <a:spcPts val="4400"/>
               </a:lnSpc>
-              <a:buFont typeface="Wingdings" panose="05000000000000000000" pitchFamily="2" charset="2"/>
-              <a:buChar char="Ø"/>
+              <a:buFont typeface="Arial" panose="020B0604020202020204" pitchFamily="34" charset="0"/>
+              <a:buChar char="•"/>
             </a:pPr>
             <a:r>
-              <a:rPr lang="en-US" sz="3400" dirty="0"/>
-              <a:t> Database configuration</a:t>
-            </a:r>
-          </a:p>
-          <a:p>
-            <a:pPr marL="285750" indent="-285750">
+              <a:rPr lang="en-US" sz="3200" dirty="0" smtClean="0"/>
+              <a:t>Database </a:t>
+            </a:r>
+            <a:r>
+              <a:rPr lang="en-US" sz="3200" dirty="0"/>
+              <a:t>configuration</a:t>
+            </a:r>
+          </a:p>
+          <a:p>
+            <a:pPr marL="457200" indent="-457200">
               <a:lnSpc>
                 <a:spcPts val="4400"/>
               </a:lnSpc>
-              <a:buFont typeface="Wingdings" panose="05000000000000000000" pitchFamily="2" charset="2"/>
-              <a:buChar char="Ø"/>
+              <a:buFont typeface="Arial" panose="020B0604020202020204" pitchFamily="34" charset="0"/>
+              <a:buChar char="•"/>
             </a:pPr>
             <a:r>
-              <a:rPr lang="en-US" sz="3400" dirty="0"/>
-              <a:t> Implementing user registration &amp; authentication </a:t>
-            </a:r>
-          </a:p>
-          <a:p>
-            <a:pPr marL="285750" indent="-285750">
+              <a:rPr lang="en-US" sz="3200" dirty="0" smtClean="0"/>
+              <a:t>Implementing </a:t>
+            </a:r>
+            <a:r>
+              <a:rPr lang="en-US" sz="3200" dirty="0"/>
+              <a:t>user registration &amp; authentication </a:t>
+            </a:r>
+          </a:p>
+          <a:p>
+            <a:pPr marL="457200" indent="-457200">
               <a:lnSpc>
                 <a:spcPts val="4400"/>
               </a:lnSpc>
-              <a:buFont typeface="Wingdings" panose="05000000000000000000" pitchFamily="2" charset="2"/>
-              <a:buChar char="Ø"/>
+              <a:buFont typeface="Arial" panose="020B0604020202020204" pitchFamily="34" charset="0"/>
+              <a:buChar char="•"/>
             </a:pPr>
             <a:r>
-              <a:rPr lang="en-US" sz="3400" dirty="0"/>
-              <a:t> Cloud deployment &amp; Configuration </a:t>
-            </a:r>
-          </a:p>
-          <a:p>
-            <a:pPr marL="285750" indent="-285750">
+              <a:rPr lang="en-US" sz="3200" dirty="0" smtClean="0"/>
+              <a:t>Cloud </a:t>
+            </a:r>
+            <a:r>
+              <a:rPr lang="en-US" sz="3200" dirty="0"/>
+              <a:t>deployment &amp; Configuration </a:t>
+            </a:r>
+          </a:p>
+          <a:p>
+            <a:pPr marL="457200" indent="-457200">
               <a:lnSpc>
                 <a:spcPts val="4400"/>
               </a:lnSpc>
-              <a:buFont typeface="Wingdings" panose="05000000000000000000" pitchFamily="2" charset="2"/>
-              <a:buChar char="Ø"/>
+              <a:buFont typeface="Arial" panose="020B0604020202020204" pitchFamily="34" charset="0"/>
+              <a:buChar char="•"/>
             </a:pPr>
             <a:r>
-              <a:rPr lang="en-US" sz="3400" dirty="0"/>
-              <a:t> Testing &amp; Evaluation </a:t>
+              <a:rPr lang="en-US" sz="3200" dirty="0" smtClean="0"/>
+              <a:t>Testing </a:t>
+            </a:r>
+            <a:r>
+              <a:rPr lang="en-US" sz="3200" dirty="0"/>
+              <a:t>&amp; Evaluation </a:t>
             </a:r>
           </a:p>
         </p:txBody>
@@ -5146,8 +5309,8 @@
         </p:nvSpPr>
         <p:spPr>
           <a:xfrm>
-            <a:off x="1431234" y="2133600"/>
-            <a:ext cx="9409045" cy="3416320"/>
+            <a:off x="1291079" y="2225040"/>
+            <a:ext cx="9409045" cy="2862322"/>
           </a:xfrm>
           <a:prstGeom prst="rect">
             <a:avLst/>
@@ -5160,55 +5323,68 @@
           </a:bodyPr>
           <a:lstStyle/>
           <a:p>
-            <a:pPr marL="285750" indent="-285750">
+            <a:pPr marL="457200" indent="-457200">
               <a:lnSpc>
                 <a:spcPct val="150000"/>
               </a:lnSpc>
-              <a:buFont typeface="Wingdings" panose="05000000000000000000" pitchFamily="2" charset="2"/>
-              <a:buChar char="Ø"/>
+              <a:buFont typeface="Arial" panose="020B0604020202020204" pitchFamily="34" charset="0"/>
+              <a:buChar char="•"/>
             </a:pPr>
             <a:r>
-              <a:rPr lang="en-US" sz="3600" dirty="0"/>
-              <a:t> Gathered the requirement and got </a:t>
-            </a:r>
-            <a:r>
-              <a:rPr lang="en-US" sz="3600" dirty="0" smtClean="0"/>
-              <a:t>familiar 	with </a:t>
-            </a:r>
-            <a:r>
-              <a:rPr lang="en-US" sz="3600" dirty="0"/>
-              <a:t>technologies </a:t>
-            </a:r>
-          </a:p>
-          <a:p>
-            <a:pPr marL="285750" indent="-285750">
+              <a:rPr lang="en-US" sz="3000" dirty="0" smtClean="0"/>
+              <a:t>Gathered </a:t>
+            </a:r>
+            <a:r>
+              <a:rPr lang="en-US" sz="3000" dirty="0"/>
+              <a:t>the requirement and got </a:t>
+            </a:r>
+            <a:r>
+              <a:rPr lang="en-US" sz="3000" dirty="0" smtClean="0"/>
+              <a:t>familiar </a:t>
+            </a:r>
+            <a:r>
+              <a:rPr lang="en-US" sz="3000" dirty="0" smtClean="0"/>
+              <a:t>with technologies </a:t>
+            </a:r>
+            <a:endParaRPr lang="en-US" sz="3000" dirty="0"/>
+          </a:p>
+          <a:p>
+            <a:pPr marL="457200" indent="-457200">
               <a:lnSpc>
                 <a:spcPct val="150000"/>
               </a:lnSpc>
-              <a:buFont typeface="Wingdings" panose="05000000000000000000" pitchFamily="2" charset="2"/>
-              <a:buChar char="Ø"/>
+              <a:buFont typeface="Arial" panose="020B0604020202020204" pitchFamily="34" charset="0"/>
+              <a:buChar char="•"/>
             </a:pPr>
             <a:r>
-              <a:rPr lang="en-US" sz="3600" dirty="0"/>
-              <a:t> Designed the user </a:t>
-            </a:r>
-            <a:r>
-              <a:rPr lang="en-US" sz="3600" dirty="0" smtClean="0"/>
+              <a:rPr lang="en-US" sz="3000" dirty="0" smtClean="0"/>
+              <a:t>Designed </a:t>
+            </a:r>
+            <a:r>
+              <a:rPr lang="en-US" sz="3000" dirty="0"/>
+              <a:t>the user </a:t>
+            </a:r>
+            <a:r>
+              <a:rPr lang="en-US" sz="3000" dirty="0" smtClean="0"/>
               <a:t>interface</a:t>
             </a:r>
-            <a:endParaRPr lang="en-US" sz="3600" dirty="0"/>
-          </a:p>
-          <a:p>
-            <a:pPr marL="285750" indent="-285750">
+            <a:endParaRPr lang="en-US" sz="3000" dirty="0"/>
+          </a:p>
+          <a:p>
+            <a:pPr marL="457200" indent="-457200">
               <a:lnSpc>
                 <a:spcPct val="150000"/>
               </a:lnSpc>
-              <a:buFont typeface="Wingdings" panose="05000000000000000000" pitchFamily="2" charset="2"/>
-              <a:buChar char="Ø"/>
+              <a:buFont typeface="Arial" panose="020B0604020202020204" pitchFamily="34" charset="0"/>
+              <a:buChar char="•"/>
             </a:pPr>
             <a:r>
-              <a:rPr lang="en-US" sz="3600" dirty="0"/>
-              <a:t> Configured the database</a:t>
+              <a:rPr lang="en-US" sz="3000" dirty="0" smtClean="0"/>
+              <a:t>Configured </a:t>
+            </a:r>
+            <a:r>
+              <a:rPr lang="en-US" sz="3000" dirty="0"/>
+              <a:t>the database</a:t>
             </a:r>
           </a:p>
         </p:txBody>
@@ -5333,8 +5509,8 @@
         </p:nvSpPr>
         <p:spPr>
           <a:xfrm>
-            <a:off x="1431234" y="2198914"/>
-            <a:ext cx="9409045" cy="3303725"/>
+            <a:off x="1291079" y="2198914"/>
+            <a:ext cx="9409045" cy="3046988"/>
           </a:xfrm>
           <a:prstGeom prst="rect">
             <a:avLst/>
@@ -5347,56 +5523,68 @@
           </a:bodyPr>
           <a:lstStyle/>
           <a:p>
-            <a:pPr marL="285750" indent="-285750">
+            <a:pPr marL="457200" indent="-457200">
               <a:lnSpc>
                 <a:spcPct val="150000"/>
               </a:lnSpc>
-              <a:buFont typeface="Wingdings" panose="05000000000000000000" pitchFamily="2" charset="2"/>
-              <a:buChar char="Ø"/>
+              <a:buFont typeface="Arial" panose="020B0604020202020204" pitchFamily="34" charset="0"/>
+              <a:buChar char="•"/>
             </a:pPr>
             <a:r>
-              <a:rPr lang="en-US" sz="3600" dirty="0" smtClean="0"/>
+              <a:rPr lang="en-US" sz="3200" dirty="0" smtClean="0"/>
               <a:t>Configuring user authentication</a:t>
             </a:r>
           </a:p>
           <a:p>
-            <a:pPr marL="285750" indent="-285750">
+            <a:pPr marL="457200" indent="-457200">
               <a:lnSpc>
                 <a:spcPct val="150000"/>
               </a:lnSpc>
-              <a:buFont typeface="Wingdings" panose="05000000000000000000" pitchFamily="2" charset="2"/>
-              <a:buChar char="Ø"/>
+              <a:buFont typeface="Arial" panose="020B0604020202020204" pitchFamily="34" charset="0"/>
+              <a:buChar char="•"/>
             </a:pPr>
             <a:r>
-              <a:rPr lang="en-US" sz="3600" dirty="0" smtClean="0"/>
+              <a:rPr lang="en-US" sz="3200" dirty="0" smtClean="0"/>
               <a:t>Styling and UX improvement </a:t>
             </a:r>
-            <a:endParaRPr lang="en-US" sz="3600" dirty="0"/>
-          </a:p>
-          <a:p>
-            <a:pPr marL="285750" indent="-285750">
+            <a:endParaRPr lang="en-US" sz="3200" dirty="0"/>
+          </a:p>
+          <a:p>
+            <a:pPr marL="457200" indent="-457200">
               <a:lnSpc>
                 <a:spcPct val="150000"/>
               </a:lnSpc>
-              <a:buFont typeface="Wingdings" panose="05000000000000000000" pitchFamily="2" charset="2"/>
-              <a:buChar char="Ø"/>
+              <a:buFont typeface="Arial" panose="020B0604020202020204" pitchFamily="34" charset="0"/>
+              <a:buChar char="•"/>
             </a:pPr>
             <a:r>
-              <a:rPr lang="en-US" sz="3600" dirty="0"/>
-              <a:t> Cloud deployment &amp; Configuration </a:t>
-            </a:r>
-          </a:p>
-          <a:p>
-            <a:pPr marL="285750" indent="-285750">
+              <a:rPr lang="en-US" sz="3200" dirty="0" smtClean="0"/>
+              <a:t>Cloud </a:t>
+            </a:r>
+            <a:r>
+              <a:rPr lang="en-US" sz="3200" dirty="0"/>
+              <a:t>deployment &amp; </a:t>
+            </a:r>
+            <a:r>
+              <a:rPr lang="en-US" sz="3200" dirty="0" smtClean="0"/>
+              <a:t>Configuration</a:t>
+            </a:r>
+          </a:p>
+          <a:p>
+            <a:pPr marL="457200" indent="-457200">
               <a:lnSpc>
                 <a:spcPct val="150000"/>
               </a:lnSpc>
-              <a:buFont typeface="Wingdings" panose="05000000000000000000" pitchFamily="2" charset="2"/>
-              <a:buChar char="Ø"/>
+              <a:buFont typeface="Arial" panose="020B0604020202020204" pitchFamily="34" charset="0"/>
+              <a:buChar char="•"/>
             </a:pPr>
             <a:r>
-              <a:rPr lang="en-US" sz="3600" dirty="0"/>
-              <a:t> Testing &amp; Evaluation </a:t>
+              <a:rPr lang="en-US" sz="3200" dirty="0" smtClean="0"/>
+              <a:t>Testing </a:t>
+            </a:r>
+            <a:r>
+              <a:rPr lang="en-US" sz="3200" dirty="0"/>
+              <a:t>&amp; Evaluation </a:t>
             </a:r>
           </a:p>
         </p:txBody>
@@ -5426,7 +5614,7 @@
               <a:rPr lang="en-US" smtClean="0"/>
               <a:t>7</a:t>
             </a:fld>
-            <a:endParaRPr lang="en-US"/>
+            <a:endParaRPr lang="en-US" dirty="0"/>
           </a:p>
         </p:txBody>
       </p:sp>
@@ -5517,8 +5705,8 @@
         </p:nvSpPr>
         <p:spPr>
           <a:xfrm>
-            <a:off x="1431234" y="2516272"/>
-            <a:ext cx="9965637" cy="2472728"/>
+            <a:off x="1245705" y="2281140"/>
+            <a:ext cx="9965637" cy="2208233"/>
           </a:xfrm>
           <a:prstGeom prst="rect">
             <a:avLst/>
@@ -5535,37 +5723,41 @@
               <a:lnSpc>
                 <a:spcPct val="150000"/>
               </a:lnSpc>
-              <a:buFont typeface="Wingdings" panose="05000000000000000000" pitchFamily="2" charset="2"/>
-              <a:buChar char="Ø"/>
+              <a:buFont typeface="Arial" panose="020B0604020202020204" pitchFamily="34" charset="0"/>
+              <a:buChar char="•"/>
             </a:pPr>
             <a:r>
-              <a:rPr lang="en-US" sz="3600" dirty="0"/>
-              <a:t>Developing a Mobile App (Android</a:t>
-            </a:r>
-            <a:r>
-              <a:rPr lang="en-US" sz="3600" dirty="0" smtClean="0"/>
-              <a:t>)</a:t>
-            </a:r>
-            <a:endParaRPr lang="en-US" sz="3600" dirty="0"/>
+              <a:rPr lang="en-US" sz="3200" dirty="0"/>
+              <a:t>Developing a Mobile App (</a:t>
+            </a:r>
+            <a:r>
+              <a:rPr lang="en-US" sz="3200" dirty="0" smtClean="0"/>
+              <a:t>Android)</a:t>
+            </a:r>
+            <a:endParaRPr lang="en-US" sz="3200" dirty="0"/>
           </a:p>
           <a:p>
             <a:pPr marL="571500" indent="-571500">
               <a:lnSpc>
                 <a:spcPct val="150000"/>
               </a:lnSpc>
-              <a:buFont typeface="Wingdings" panose="05000000000000000000" pitchFamily="2" charset="2"/>
-              <a:buChar char="Ø"/>
+              <a:buFont typeface="Arial" panose="020B0604020202020204" pitchFamily="34" charset="0"/>
+              <a:buChar char="•"/>
             </a:pPr>
             <a:r>
-              <a:rPr lang="en-US" sz="3600" dirty="0"/>
-              <a:t>Monitoring System/Portal for </a:t>
-            </a:r>
-            <a:r>
-              <a:rPr lang="en-US" sz="3600" dirty="0" smtClean="0"/>
+              <a:rPr lang="en-US" sz="3200" dirty="0" smtClean="0"/>
+              <a:t>Monitoring </a:t>
+            </a:r>
+            <a:r>
+              <a:rPr lang="en-US" sz="3200" dirty="0"/>
+              <a:t>System/Portal for </a:t>
+            </a:r>
+            <a:r>
+              <a:rPr lang="en-US" sz="3200" dirty="0" smtClean="0"/>
               <a:t>state </a:t>
             </a:r>
             <a:r>
-              <a:rPr lang="en-US" sz="3600" dirty="0"/>
+              <a:rPr lang="en-US" sz="3200" dirty="0"/>
               <a:t>health inspectors</a:t>
             </a:r>
           </a:p>
@@ -5680,7 +5872,30 @@
       </p:grpSpPr>
       <p:sp>
         <p:nvSpPr>
-          <p:cNvPr id="2" name="Title 1"/>
+          <p:cNvPr id="3" name="Slide Number Placeholder 2"/>
+          <p:cNvSpPr>
+            <a:spLocks noGrp="1"/>
+          </p:cNvSpPr>
+          <p:nvPr>
+            <p:ph type="sldNum" sz="quarter" idx="12"/>
+          </p:nvPr>
+        </p:nvSpPr>
+        <p:spPr/>
+        <p:txBody>
+          <a:bodyPr/>
+          <a:lstStyle/>
+          <a:p>
+            <a:fld id="{C856FAD5-89AB-47AB-8E18-7B0A43CE8438}" type="slidenum">
+              <a:rPr lang="en-US" smtClean="0"/>
+              <a:t>9</a:t>
+            </a:fld>
+            <a:endParaRPr lang="en-US"/>
+          </a:p>
+        </p:txBody>
+      </p:sp>
+      <p:sp>
+        <p:nvSpPr>
+          <p:cNvPr id="4" name="Title 1"/>
           <p:cNvSpPr txBox="1">
             <a:spLocks/>
           </p:cNvSpPr>
@@ -5688,7 +5903,7 @@
         </p:nvSpPr>
         <p:spPr>
           <a:xfrm>
-            <a:off x="1364878" y="2123867"/>
+            <a:off x="1291079" y="2319810"/>
             <a:ext cx="9520158" cy="1638236"/>
           </a:xfrm>
           <a:prstGeom prst="rect">
@@ -5720,29 +5935,23 @@
           <a:p>
             <a:pPr algn="ctr"/>
             <a:r>
-              <a:rPr lang="en-US" sz="8800" b="1" dirty="0"/>
-              <a:t>Thank You…</a:t>
-            </a:r>
+              <a:rPr lang="en-US" sz="8800" b="1" dirty="0" smtClean="0"/>
+              <a:t>Demo</a:t>
+            </a:r>
+            <a:endParaRPr lang="en-US" sz="8800" b="1" dirty="0"/>
           </a:p>
         </p:txBody>
       </p:sp>
     </p:spTree>
     <p:extLst>
       <p:ext uri="{BB962C8B-B14F-4D97-AF65-F5344CB8AC3E}">
-        <p14:creationId xmlns:p14="http://schemas.microsoft.com/office/powerpoint/2010/main" val="1264896588"/>
+        <p14:creationId xmlns:p14="http://schemas.microsoft.com/office/powerpoint/2010/main" val="2992032986"/>
       </p:ext>
     </p:extLst>
   </p:cSld>
   <p:clrMapOvr>
     <a:masterClrMapping/>
   </p:clrMapOvr>
-  <p:timing>
-    <p:tnLst>
-      <p:par>
-        <p:cTn id="1" dur="indefinite" restart="never" nodeType="tmRoot"/>
-      </p:par>
-    </p:tnLst>
-  </p:timing>
 </p:sld>
 </file>
 

--- a/Presantation/Presentation - Final.pptx
+++ b/Presantation/Presentation - Final.pptx
@@ -14,9 +14,9 @@
     <p:sldId id="259" r:id="rId5"/>
     <p:sldId id="260" r:id="rId6"/>
     <p:sldId id="261" r:id="rId7"/>
-    <p:sldId id="266" r:id="rId8"/>
-    <p:sldId id="262" r:id="rId9"/>
-    <p:sldId id="271" r:id="rId10"/>
+    <p:sldId id="271" r:id="rId8"/>
+    <p:sldId id="266" r:id="rId9"/>
+    <p:sldId id="262" r:id="rId10"/>
     <p:sldId id="270" r:id="rId11"/>
   </p:sldIdLst>
   <p:sldSz cx="12192000" cy="6858000"/>
@@ -206,7 +206,7 @@
           <a:p>
             <a:fld id="{B6264E3E-79F1-457E-9C0F-DD821A27C1C2}" type="datetimeFigureOut">
               <a:rPr lang="en-US" smtClean="0"/>
-              <a:t>4/9/2019</a:t>
+              <a:t>4/10/2019</a:t>
             </a:fld>
             <a:endParaRPr lang="en-US"/>
           </a:p>
@@ -612,7 +612,7 @@
           <a:p>
             <a:fld id="{D3AB1F39-E980-48C7-AA8F-C3FF10C5F150}" type="datetime1">
               <a:rPr lang="en-US" smtClean="0"/>
-              <a:t>4/9/2019</a:t>
+              <a:t>4/10/2019</a:t>
             </a:fld>
             <a:endParaRPr lang="en-US"/>
           </a:p>
@@ -829,7 +829,7 @@
           <a:p>
             <a:fld id="{61796878-5C5E-4BD5-8EDE-68A5EF2DD9B8}" type="datetime1">
               <a:rPr lang="en-US" smtClean="0"/>
-              <a:t>4/9/2019</a:t>
+              <a:t>4/10/2019</a:t>
             </a:fld>
             <a:endParaRPr lang="en-US"/>
           </a:p>
@@ -1050,7 +1050,7 @@
           <a:p>
             <a:fld id="{077FE279-0392-44AA-B01F-3D056690A0FE}" type="datetime1">
               <a:rPr lang="en-US" smtClean="0"/>
-              <a:t>4/9/2019</a:t>
+              <a:t>4/10/2019</a:t>
             </a:fld>
             <a:endParaRPr lang="en-US"/>
           </a:p>
@@ -1257,7 +1257,7 @@
           <a:p>
             <a:fld id="{5A0E8747-AD8F-4128-A5BA-9B59802D978F}" type="datetime1">
               <a:rPr lang="en-US" smtClean="0"/>
-              <a:t>4/9/2019</a:t>
+              <a:t>4/10/2019</a:t>
             </a:fld>
             <a:endParaRPr lang="en-US"/>
           </a:p>
@@ -1542,7 +1542,7 @@
           <a:p>
             <a:fld id="{338857B6-8144-4E14-AEC4-0AEC7099B812}" type="datetime1">
               <a:rPr lang="en-US" smtClean="0"/>
-              <a:t>4/9/2019</a:t>
+              <a:t>4/10/2019</a:t>
             </a:fld>
             <a:endParaRPr lang="en-US"/>
           </a:p>
@@ -1816,7 +1816,7 @@
           <a:p>
             <a:fld id="{6F108119-1A37-4A25-8A9D-30D4A7F48CA6}" type="datetime1">
               <a:rPr lang="en-US" smtClean="0"/>
-              <a:t>4/9/2019</a:t>
+              <a:t>4/10/2019</a:t>
             </a:fld>
             <a:endParaRPr lang="en-US"/>
           </a:p>
@@ -2238,7 +2238,7 @@
           <a:p>
             <a:fld id="{6E0C4ECB-65AF-4D60-8068-C20A2909E33A}" type="datetime1">
               <a:rPr lang="en-US" smtClean="0"/>
-              <a:t>4/9/2019</a:t>
+              <a:t>4/10/2019</a:t>
             </a:fld>
             <a:endParaRPr lang="en-US"/>
           </a:p>
@@ -2393,7 +2393,7 @@
           <a:p>
             <a:fld id="{C3D411FE-7BEA-4879-A35C-5512C1C160DD}" type="datetime1">
               <a:rPr lang="en-US" smtClean="0"/>
-              <a:t>4/9/2019</a:t>
+              <a:t>4/10/2019</a:t>
             </a:fld>
             <a:endParaRPr lang="en-US"/>
           </a:p>
@@ -2525,7 +2525,7 @@
           <a:p>
             <a:fld id="{918069BB-16A9-4CCE-9F46-CB18C564659A}" type="datetime1">
               <a:rPr lang="en-US" smtClean="0"/>
-              <a:t>4/9/2019</a:t>
+              <a:t>4/10/2019</a:t>
             </a:fld>
             <a:endParaRPr lang="en-US"/>
           </a:p>
@@ -2776,7 +2776,7 @@
           <a:p>
             <a:fld id="{F48225B6-D91B-432F-9818-58F7CBB13E42}" type="datetime1">
               <a:rPr lang="en-US" smtClean="0"/>
-              <a:t>4/9/2019</a:t>
+              <a:t>4/10/2019</a:t>
             </a:fld>
             <a:endParaRPr lang="en-US"/>
           </a:p>
@@ -3231,7 +3231,7 @@
           <a:p>
             <a:fld id="{2C027F7B-75E6-4617-B138-9F5517E336C2}" type="datetime1">
               <a:rPr lang="en-US" smtClean="0"/>
-              <a:t>4/9/2019</a:t>
+              <a:t>4/10/2019</a:t>
             </a:fld>
             <a:endParaRPr lang="en-US"/>
           </a:p>
@@ -3558,7 +3558,7 @@
           <a:p>
             <a:fld id="{4406ACB3-1A8E-45F2-A4B4-A562FF536A44}" type="datetime1">
               <a:rPr lang="en-US" smtClean="0"/>
-              <a:t>4/9/2019</a:t>
+              <a:t>4/10/2019</a:t>
             </a:fld>
             <a:endParaRPr lang="en-US"/>
           </a:p>
@@ -4359,17 +4359,8 @@
               <a:rPr lang="en-US" sz="2800" dirty="0" smtClean="0">
                 <a:latin typeface="Bahnschrift" panose="020B0502040204020203" pitchFamily="34" charset="0"/>
               </a:rPr>
-              <a:t> M.M.M. </a:t>
-            </a:r>
-            <a:r>
-              <a:rPr lang="en-US" sz="2800" dirty="0" smtClean="0">
-                <a:latin typeface="Bahnschrift" panose="020B0502040204020203" pitchFamily="34" charset="0"/>
-              </a:rPr>
-              <a:t>ASLAM					E/15/021</a:t>
-            </a:r>
-            <a:endParaRPr lang="en-US" sz="2800" dirty="0" smtClean="0">
-              <a:latin typeface="Bahnschrift" panose="020B0502040204020203" pitchFamily="34" charset="0"/>
-            </a:endParaRPr>
+              <a:t> M.M.M. ASLAM					E/15/021</a:t>
+            </a:r>
           </a:p>
           <a:p>
             <a:pPr marL="457200" indent="-457200">
@@ -4383,17 +4374,8 @@
               <a:rPr lang="en-US" sz="2800" dirty="0" smtClean="0">
                 <a:latin typeface="Bahnschrift" panose="020B0502040204020203" pitchFamily="34" charset="0"/>
               </a:rPr>
-              <a:t> M.H. HISNI </a:t>
-            </a:r>
-            <a:r>
-              <a:rPr lang="en-US" sz="2800" dirty="0" smtClean="0">
-                <a:latin typeface="Bahnschrift" panose="020B0502040204020203" pitchFamily="34" charset="0"/>
-              </a:rPr>
-              <a:t>MOHAMED			E/15/131</a:t>
-            </a:r>
-            <a:endParaRPr lang="en-US" sz="2800" dirty="0" smtClean="0">
-              <a:latin typeface="Bahnschrift" panose="020B0502040204020203" pitchFamily="34" charset="0"/>
-            </a:endParaRPr>
+              <a:t> M.H. HISNI MOHAMED			E/15/131</a:t>
+            </a:r>
           </a:p>
           <a:p>
             <a:pPr marL="457200" indent="-457200">
@@ -4407,17 +4389,8 @@
               <a:rPr lang="en-US" sz="2800" dirty="0" smtClean="0">
                 <a:latin typeface="Bahnschrift" panose="020B0502040204020203" pitchFamily="34" charset="0"/>
               </a:rPr>
-              <a:t> S. </a:t>
-            </a:r>
-            <a:r>
-              <a:rPr lang="en-US" sz="2800" dirty="0" smtClean="0">
-                <a:latin typeface="Bahnschrift" panose="020B0502040204020203" pitchFamily="34" charset="0"/>
-              </a:rPr>
-              <a:t>SUHAIL							E/15/348</a:t>
-            </a:r>
-            <a:endParaRPr lang="en-US" sz="2800" dirty="0" smtClean="0">
-              <a:latin typeface="Bahnschrift" panose="020B0502040204020203" pitchFamily="34" charset="0"/>
-            </a:endParaRPr>
+              <a:t> S. SUHAIL							E/15/348</a:t>
+            </a:r>
           </a:p>
           <a:p>
             <a:pPr marL="457200" indent="-457200">
@@ -4443,19 +4416,7 @@
               <a:rPr lang="en-US" sz="2800" dirty="0" smtClean="0">
                 <a:latin typeface="Bahnschrift" panose="020B0502040204020203" pitchFamily="34" charset="0"/>
               </a:rPr>
-              <a:t> Product owner &amp; Scrum </a:t>
-            </a:r>
-            <a:r>
-              <a:rPr lang="en-US" sz="2800" dirty="0" smtClean="0">
-                <a:latin typeface="Bahnschrift" panose="020B0502040204020203" pitchFamily="34" charset="0"/>
-              </a:rPr>
-              <a:t>Master: </a:t>
-            </a:r>
-            <a:r>
-              <a:rPr lang="en-US" sz="2800" dirty="0" smtClean="0">
-                <a:latin typeface="Bahnschrift" panose="020B0502040204020203" pitchFamily="34" charset="0"/>
-              </a:rPr>
-              <a:t>Miss. NIMALI KULARATNE</a:t>
+              <a:t> Product owner &amp; Scrum Master: Miss. NIMALI KULARATNE</a:t>
             </a:r>
             <a:endParaRPr lang="en-US" sz="2800" dirty="0">
               <a:latin typeface="Bahnschrift" panose="020B0502040204020203" pitchFamily="34" charset="0"/>
@@ -5340,11 +5301,7 @@
             </a:r>
             <a:r>
               <a:rPr lang="en-US" sz="3000" dirty="0" smtClean="0"/>
-              <a:t>familiar </a:t>
-            </a:r>
-            <a:r>
-              <a:rPr lang="en-US" sz="3000" dirty="0" smtClean="0"/>
-              <a:t>with technologies </a:t>
+              <a:t>familiar with technologies </a:t>
             </a:r>
             <a:endParaRPr lang="en-US" sz="3000" dirty="0"/>
           </a:p>
@@ -5457,147 +5414,7 @@
       </p:grpSpPr>
       <p:sp>
         <p:nvSpPr>
-          <p:cNvPr id="4" name="TextBox 3">
-            <a:extLst>
-              <a:ext uri="{FF2B5EF4-FFF2-40B4-BE49-F238E27FC236}">
-                <a16:creationId xmlns:a16="http://schemas.microsoft.com/office/drawing/2014/main" id="{5820B0D1-4802-47DD-9B5F-C846F0C9DC62}"/>
-              </a:ext>
-            </a:extLst>
-          </p:cNvPr>
-          <p:cNvSpPr txBox="1"/>
-          <p:nvPr/>
-        </p:nvSpPr>
-        <p:spPr>
-          <a:xfrm>
-            <a:off x="1431234" y="940906"/>
-            <a:ext cx="6432606" cy="830997"/>
-          </a:xfrm>
-          <a:prstGeom prst="rect">
-            <a:avLst/>
-          </a:prstGeom>
-          <a:noFill/>
-        </p:spPr>
-        <p:txBody>
-          <a:bodyPr wrap="square" rtlCol="0">
-            <a:spAutoFit/>
-          </a:bodyPr>
-          <a:lstStyle/>
-          <a:p>
-            <a:r>
-              <a:rPr lang="en-US" sz="4800" b="1" dirty="0"/>
-              <a:t>Things </a:t>
-            </a:r>
-            <a:r>
-              <a:rPr lang="en-US" sz="4800" b="1" dirty="0" smtClean="0"/>
-              <a:t>to Complete </a:t>
-            </a:r>
-            <a:endParaRPr lang="en-US" sz="2000" b="1" dirty="0"/>
-          </a:p>
-        </p:txBody>
-      </p:sp>
-      <p:sp>
-        <p:nvSpPr>
-          <p:cNvPr id="5" name="TextBox 4">
-            <a:extLst>
-              <a:ext uri="{FF2B5EF4-FFF2-40B4-BE49-F238E27FC236}">
-                <a16:creationId xmlns:a16="http://schemas.microsoft.com/office/drawing/2014/main" id="{E6FB2EB2-44F4-44BB-9F90-0714D1A49061}"/>
-              </a:ext>
-            </a:extLst>
-          </p:cNvPr>
-          <p:cNvSpPr txBox="1"/>
-          <p:nvPr/>
-        </p:nvSpPr>
-        <p:spPr>
-          <a:xfrm>
-            <a:off x="1291079" y="2198914"/>
-            <a:ext cx="9409045" cy="3046988"/>
-          </a:xfrm>
-          <a:prstGeom prst="rect">
-            <a:avLst/>
-          </a:prstGeom>
-          <a:noFill/>
-        </p:spPr>
-        <p:txBody>
-          <a:bodyPr wrap="square" rtlCol="0">
-            <a:spAutoFit/>
-          </a:bodyPr>
-          <a:lstStyle/>
-          <a:p>
-            <a:pPr marL="457200" indent="-457200">
-              <a:lnSpc>
-                <a:spcPct val="150000"/>
-              </a:lnSpc>
-              <a:buFont typeface="Arial" panose="020B0604020202020204" pitchFamily="34" charset="0"/>
-              <a:buChar char="•"/>
-            </a:pPr>
-            <a:r>
-              <a:rPr lang="en-US" sz="3200" dirty="0" smtClean="0"/>
-              <a:t>Configuring user authentication</a:t>
-            </a:r>
-          </a:p>
-          <a:p>
-            <a:pPr marL="457200" indent="-457200">
-              <a:lnSpc>
-                <a:spcPct val="150000"/>
-              </a:lnSpc>
-              <a:buFont typeface="Arial" panose="020B0604020202020204" pitchFamily="34" charset="0"/>
-              <a:buChar char="•"/>
-            </a:pPr>
-            <a:r>
-              <a:rPr lang="en-US" sz="3200" dirty="0" smtClean="0"/>
-              <a:t>Styling and UX improvement </a:t>
-            </a:r>
-            <a:endParaRPr lang="en-US" sz="3200" dirty="0"/>
-          </a:p>
-          <a:p>
-            <a:pPr marL="457200" indent="-457200">
-              <a:lnSpc>
-                <a:spcPct val="150000"/>
-              </a:lnSpc>
-              <a:buFont typeface="Arial" panose="020B0604020202020204" pitchFamily="34" charset="0"/>
-              <a:buChar char="•"/>
-            </a:pPr>
-            <a:r>
-              <a:rPr lang="en-US" sz="3200" dirty="0" smtClean="0"/>
-              <a:t>Cloud </a:t>
-            </a:r>
-            <a:r>
-              <a:rPr lang="en-US" sz="3200" dirty="0"/>
-              <a:t>deployment &amp; </a:t>
-            </a:r>
-            <a:r>
-              <a:rPr lang="en-US" sz="3200" dirty="0" smtClean="0"/>
-              <a:t>Configuration</a:t>
-            </a:r>
-          </a:p>
-          <a:p>
-            <a:pPr marL="457200" indent="-457200">
-              <a:lnSpc>
-                <a:spcPct val="150000"/>
-              </a:lnSpc>
-              <a:buFont typeface="Arial" panose="020B0604020202020204" pitchFamily="34" charset="0"/>
-              <a:buChar char="•"/>
-            </a:pPr>
-            <a:r>
-              <a:rPr lang="en-US" sz="3200" dirty="0" smtClean="0"/>
-              <a:t>Testing </a:t>
-            </a:r>
-            <a:r>
-              <a:rPr lang="en-US" sz="3200" dirty="0"/>
-              <a:t>&amp; Evaluation </a:t>
-            </a:r>
-          </a:p>
-        </p:txBody>
-      </p:sp>
-      <p:sp>
-        <p:nvSpPr>
-          <p:cNvPr id="2" name="Slide Number Placeholder 1">
-            <a:extLst>
-              <a:ext uri="{FF2B5EF4-FFF2-40B4-BE49-F238E27FC236}">
-                <a16:creationId xmlns:a16="http://schemas.microsoft.com/office/drawing/2014/main" id="{5672C669-5357-43D6-A270-FA8BB6AE332F}"/>
-              </a:ext>
-            </a:extLst>
-          </p:cNvPr>
+          <p:cNvPr id="3" name="Slide Number Placeholder 2"/>
           <p:cNvSpPr>
             <a:spLocks noGrp="1"/>
           </p:cNvSpPr>
@@ -5614,27 +5431,69 @@
               <a:rPr lang="en-US" smtClean="0"/>
               <a:t>7</a:t>
             </a:fld>
-            <a:endParaRPr lang="en-US" dirty="0"/>
+            <a:endParaRPr lang="en-US"/>
+          </a:p>
+        </p:txBody>
+      </p:sp>
+      <p:sp>
+        <p:nvSpPr>
+          <p:cNvPr id="4" name="Title 1"/>
+          <p:cNvSpPr txBox="1">
+            <a:spLocks/>
+          </p:cNvSpPr>
+          <p:nvPr/>
+        </p:nvSpPr>
+        <p:spPr>
+          <a:xfrm>
+            <a:off x="1291079" y="2319810"/>
+            <a:ext cx="9520158" cy="1638236"/>
+          </a:xfrm>
+          <a:prstGeom prst="rect">
+            <a:avLst/>
+          </a:prstGeom>
+        </p:spPr>
+        <p:txBody>
+          <a:bodyPr/>
+          <a:lstStyle>
+            <a:lvl1pPr algn="l" defTabSz="914400" rtl="0" eaLnBrk="1" latinLnBrk="0" hangingPunct="1">
+              <a:lnSpc>
+                <a:spcPct val="90000"/>
+              </a:lnSpc>
+              <a:spcBef>
+                <a:spcPct val="0"/>
+              </a:spcBef>
+              <a:buNone/>
+              <a:defRPr sz="3200" b="0" i="0" kern="1200" cap="none">
+                <a:solidFill>
+                  <a:schemeClr val="tx1"/>
+                </a:solidFill>
+                <a:effectLst/>
+                <a:latin typeface="+mj-lt"/>
+                <a:ea typeface="+mj-ea"/>
+                <a:cs typeface="+mj-cs"/>
+              </a:defRPr>
+            </a:lvl1pPr>
+          </a:lstStyle>
+          <a:p>
+            <a:pPr algn="ctr"/>
+            <a:r>
+              <a:rPr lang="en-US" sz="8800" b="1" dirty="0" smtClean="0"/>
+              <a:t>Demo</a:t>
+            </a:r>
+            <a:endParaRPr lang="en-US" sz="8800" b="1" dirty="0"/>
           </a:p>
         </p:txBody>
       </p:sp>
     </p:spTree>
     <p:extLst>
       <p:ext uri="{BB962C8B-B14F-4D97-AF65-F5344CB8AC3E}">
-        <p14:creationId xmlns:p14="http://schemas.microsoft.com/office/powerpoint/2010/main" val="511187013"/>
+        <p14:creationId xmlns:p14="http://schemas.microsoft.com/office/powerpoint/2010/main" val="2992032986"/>
       </p:ext>
     </p:extLst>
   </p:cSld>
   <p:clrMapOvr>
     <a:masterClrMapping/>
   </p:clrMapOvr>
-  <p:timing>
-    <p:tnLst>
-      <p:par>
-        <p:cTn id="1" dur="indefinite" restart="never" nodeType="tmRoot"/>
-      </p:par>
-    </p:tnLst>
-  </p:timing>
 </p:sld>
 </file>
 
@@ -5660,7 +5519,7 @@
           <p:cNvPr id="4" name="TextBox 3">
             <a:extLst>
               <a:ext uri="{FF2B5EF4-FFF2-40B4-BE49-F238E27FC236}">
-                <a16:creationId xmlns:a16="http://schemas.microsoft.com/office/drawing/2014/main" id="{9087CC11-628F-4CC4-A2FB-7944487E1BBE}"/>
+                <a16:creationId xmlns:a16="http://schemas.microsoft.com/office/drawing/2014/main" id="{5820B0D1-4802-47DD-9B5F-C846F0C9DC62}"/>
               </a:ext>
             </a:extLst>
           </p:cNvPr>
@@ -5669,8 +5528,8 @@
         </p:nvSpPr>
         <p:spPr>
           <a:xfrm>
-            <a:off x="1431234" y="957998"/>
-            <a:ext cx="5115339" cy="830997"/>
+            <a:off x="1431234" y="940906"/>
+            <a:ext cx="6432606" cy="830997"/>
           </a:xfrm>
           <a:prstGeom prst="rect">
             <a:avLst/>
@@ -5685,7 +5544,11 @@
           <a:p>
             <a:r>
               <a:rPr lang="en-US" sz="4800" b="1" dirty="0"/>
-              <a:t>Extra Milestones</a:t>
+              <a:t>Things </a:t>
+            </a:r>
+            <a:r>
+              <a:rPr lang="en-US" sz="4800" b="1" dirty="0" smtClean="0"/>
+              <a:t>to Complete </a:t>
             </a:r>
             <a:endParaRPr lang="en-US" sz="2000" b="1" dirty="0"/>
           </a:p>
@@ -5696,7 +5559,7 @@
           <p:cNvPr id="5" name="TextBox 4">
             <a:extLst>
               <a:ext uri="{FF2B5EF4-FFF2-40B4-BE49-F238E27FC236}">
-                <a16:creationId xmlns:a16="http://schemas.microsoft.com/office/drawing/2014/main" id="{B155ED1F-3ACC-402F-979B-18EEDD0FD6F1}"/>
+                <a16:creationId xmlns:a16="http://schemas.microsoft.com/office/drawing/2014/main" id="{E6FB2EB2-44F4-44BB-9F90-0714D1A49061}"/>
               </a:ext>
             </a:extLst>
           </p:cNvPr>
@@ -5705,8 +5568,8 @@
         </p:nvSpPr>
         <p:spPr>
           <a:xfrm>
-            <a:off x="1245705" y="2281140"/>
-            <a:ext cx="9965637" cy="2208233"/>
+            <a:off x="1291079" y="2198914"/>
+            <a:ext cx="9409045" cy="3046988"/>
           </a:xfrm>
           <a:prstGeom prst="rect">
             <a:avLst/>
@@ -5719,7 +5582,7 @@
           </a:bodyPr>
           <a:lstStyle/>
           <a:p>
-            <a:pPr marL="571500" indent="-571500">
+            <a:pPr marL="457200" indent="-457200">
               <a:lnSpc>
                 <a:spcPct val="150000"/>
               </a:lnSpc>
@@ -5727,17 +5590,12 @@
               <a:buChar char="•"/>
             </a:pPr>
             <a:r>
-              <a:rPr lang="en-US" sz="3200" dirty="0"/>
-              <a:t>Developing a Mobile App (</a:t>
-            </a:r>
-            <a:r>
               <a:rPr lang="en-US" sz="3200" dirty="0" smtClean="0"/>
-              <a:t>Android)</a:t>
-            </a:r>
-            <a:endParaRPr lang="en-US" sz="3200" dirty="0"/>
-          </a:p>
-          <a:p>
-            <a:pPr marL="571500" indent="-571500">
+              <a:t>Configuring user authentication</a:t>
+            </a:r>
+          </a:p>
+          <a:p>
+            <a:pPr marL="457200" indent="-457200">
               <a:lnSpc>
                 <a:spcPct val="150000"/>
               </a:lnSpc>
@@ -5746,68 +5604,59 @@
             </a:pPr>
             <a:r>
               <a:rPr lang="en-US" sz="3200" dirty="0" smtClean="0"/>
-              <a:t>Monitoring </a:t>
+              <a:t>Styling and UX improvement </a:t>
+            </a:r>
+            <a:endParaRPr lang="en-US" sz="3200" dirty="0"/>
+          </a:p>
+          <a:p>
+            <a:pPr marL="457200" indent="-457200">
+              <a:lnSpc>
+                <a:spcPct val="150000"/>
+              </a:lnSpc>
+              <a:buFont typeface="Arial" panose="020B0604020202020204" pitchFamily="34" charset="0"/>
+              <a:buChar char="•"/>
+            </a:pPr>
+            <a:r>
+              <a:rPr lang="en-US" sz="3200" dirty="0" smtClean="0"/>
+              <a:t>Cloud </a:t>
             </a:r>
             <a:r>
               <a:rPr lang="en-US" sz="3200" dirty="0"/>
-              <a:t>System/Portal for </a:t>
+              <a:t>deployment &amp; </a:t>
             </a:r>
             <a:r>
               <a:rPr lang="en-US" sz="3200" dirty="0" smtClean="0"/>
-              <a:t>state </a:t>
+              <a:t>Configuration</a:t>
+            </a:r>
+          </a:p>
+          <a:p>
+            <a:pPr marL="457200" indent="-457200">
+              <a:lnSpc>
+                <a:spcPct val="150000"/>
+              </a:lnSpc>
+              <a:buFont typeface="Arial" panose="020B0604020202020204" pitchFamily="34" charset="0"/>
+              <a:buChar char="•"/>
+            </a:pPr>
+            <a:r>
+              <a:rPr lang="en-US" sz="3200" dirty="0" smtClean="0"/>
+              <a:t>Testing </a:t>
             </a:r>
             <a:r>
               <a:rPr lang="en-US" sz="3200" dirty="0"/>
-              <a:t>health inspectors</a:t>
-            </a:r>
-          </a:p>
-        </p:txBody>
-      </p:sp>
-      <p:pic>
-        <p:nvPicPr>
-          <p:cNvPr id="7" name="Picture 6">
+              <a:t>&amp; Evaluation </a:t>
+            </a:r>
+          </a:p>
+        </p:txBody>
+      </p:sp>
+      <p:sp>
+        <p:nvSpPr>
+          <p:cNvPr id="2" name="Slide Number Placeholder 1">
             <a:extLst>
               <a:ext uri="{FF2B5EF4-FFF2-40B4-BE49-F238E27FC236}">
-                <a16:creationId xmlns:a16="http://schemas.microsoft.com/office/drawing/2014/main" id="{1E1E41B6-0A35-4A8A-94CD-A93C8D685D72}"/>
+                <a16:creationId xmlns:a16="http://schemas.microsoft.com/office/drawing/2014/main" id="{5672C669-5357-43D6-A270-FA8BB6AE332F}"/>
               </a:ext>
             </a:extLst>
           </p:cNvPr>
-          <p:cNvPicPr>
-            <a:picLocks noChangeAspect="1"/>
-          </p:cNvPicPr>
-          <p:nvPr/>
-        </p:nvPicPr>
-        <p:blipFill>
-          <a:blip r:embed="rId2">
-            <a:extLst>
-              <a:ext uri="{28A0092B-C50C-407E-A947-70E740481C1C}">
-                <a14:useLocalDpi xmlns:a14="http://schemas.microsoft.com/office/drawing/2010/main" val="0"/>
-              </a:ext>
-            </a:extLst>
-          </a:blip>
-          <a:stretch>
-            <a:fillRect/>
-          </a:stretch>
-        </p:blipFill>
-        <p:spPr>
-          <a:xfrm>
-            <a:off x="8155620" y="247543"/>
-            <a:ext cx="2605146" cy="1838114"/>
-          </a:xfrm>
-          <a:prstGeom prst="rect">
-            <a:avLst/>
-          </a:prstGeom>
-        </p:spPr>
-      </p:pic>
-      <p:sp>
-        <p:nvSpPr>
-          <p:cNvPr id="2" name="Slide Number Placeholder 1">
-            <a:extLst>
-              <a:ext uri="{FF2B5EF4-FFF2-40B4-BE49-F238E27FC236}">
-                <a16:creationId xmlns:a16="http://schemas.microsoft.com/office/drawing/2014/main" id="{61A62C7E-7145-468D-B0B1-A1AA6FCF2087}"/>
-              </a:ext>
-            </a:extLst>
-          </p:cNvPr>
           <p:cNvSpPr>
             <a:spLocks noGrp="1"/>
           </p:cNvSpPr>
@@ -5815,12 +5664,7 @@
             <p:ph type="sldNum" sz="quarter" idx="12"/>
           </p:nvPr>
         </p:nvSpPr>
-        <p:spPr>
-          <a:xfrm>
-            <a:off x="480061" y="839141"/>
-            <a:ext cx="765644" cy="503578"/>
-          </a:xfrm>
-        </p:spPr>
+        <p:spPr/>
         <p:txBody>
           <a:bodyPr/>
           <a:lstStyle/>
@@ -5829,14 +5673,14 @@
               <a:rPr lang="en-US" smtClean="0"/>
               <a:t>8</a:t>
             </a:fld>
-            <a:endParaRPr lang="en-US"/>
+            <a:endParaRPr lang="en-US" dirty="0"/>
           </a:p>
         </p:txBody>
       </p:sp>
     </p:spTree>
     <p:extLst>
       <p:ext uri="{BB962C8B-B14F-4D97-AF65-F5344CB8AC3E}">
-        <p14:creationId xmlns:p14="http://schemas.microsoft.com/office/powerpoint/2010/main" val="4136747642"/>
+        <p14:creationId xmlns:p14="http://schemas.microsoft.com/office/powerpoint/2010/main" val="511187013"/>
       </p:ext>
     </p:extLst>
   </p:cSld>
@@ -5872,7 +5716,157 @@
       </p:grpSpPr>
       <p:sp>
         <p:nvSpPr>
-          <p:cNvPr id="3" name="Slide Number Placeholder 2"/>
+          <p:cNvPr id="4" name="TextBox 3">
+            <a:extLst>
+              <a:ext uri="{FF2B5EF4-FFF2-40B4-BE49-F238E27FC236}">
+                <a16:creationId xmlns:a16="http://schemas.microsoft.com/office/drawing/2014/main" id="{9087CC11-628F-4CC4-A2FB-7944487E1BBE}"/>
+              </a:ext>
+            </a:extLst>
+          </p:cNvPr>
+          <p:cNvSpPr txBox="1"/>
+          <p:nvPr/>
+        </p:nvSpPr>
+        <p:spPr>
+          <a:xfrm>
+            <a:off x="1431234" y="957998"/>
+            <a:ext cx="5115339" cy="830997"/>
+          </a:xfrm>
+          <a:prstGeom prst="rect">
+            <a:avLst/>
+          </a:prstGeom>
+          <a:noFill/>
+        </p:spPr>
+        <p:txBody>
+          <a:bodyPr wrap="square" rtlCol="0">
+            <a:spAutoFit/>
+          </a:bodyPr>
+          <a:lstStyle/>
+          <a:p>
+            <a:r>
+              <a:rPr lang="en-US" sz="4800" b="1" dirty="0"/>
+              <a:t>Extra Milestones</a:t>
+            </a:r>
+            <a:endParaRPr lang="en-US" sz="2000" b="1" dirty="0"/>
+          </a:p>
+        </p:txBody>
+      </p:sp>
+      <p:sp>
+        <p:nvSpPr>
+          <p:cNvPr id="5" name="TextBox 4">
+            <a:extLst>
+              <a:ext uri="{FF2B5EF4-FFF2-40B4-BE49-F238E27FC236}">
+                <a16:creationId xmlns:a16="http://schemas.microsoft.com/office/drawing/2014/main" id="{B155ED1F-3ACC-402F-979B-18EEDD0FD6F1}"/>
+              </a:ext>
+            </a:extLst>
+          </p:cNvPr>
+          <p:cNvSpPr txBox="1"/>
+          <p:nvPr/>
+        </p:nvSpPr>
+        <p:spPr>
+          <a:xfrm>
+            <a:off x="1245705" y="2281140"/>
+            <a:ext cx="9965637" cy="2208233"/>
+          </a:xfrm>
+          <a:prstGeom prst="rect">
+            <a:avLst/>
+          </a:prstGeom>
+          <a:noFill/>
+        </p:spPr>
+        <p:txBody>
+          <a:bodyPr wrap="square" rtlCol="0">
+            <a:spAutoFit/>
+          </a:bodyPr>
+          <a:lstStyle/>
+          <a:p>
+            <a:pPr marL="571500" indent="-571500">
+              <a:lnSpc>
+                <a:spcPct val="150000"/>
+              </a:lnSpc>
+              <a:buFont typeface="Arial" panose="020B0604020202020204" pitchFamily="34" charset="0"/>
+              <a:buChar char="•"/>
+            </a:pPr>
+            <a:r>
+              <a:rPr lang="en-US" sz="3200" dirty="0"/>
+              <a:t>Developing a Mobile App (</a:t>
+            </a:r>
+            <a:r>
+              <a:rPr lang="en-US" sz="3200" dirty="0" smtClean="0"/>
+              <a:t>Android)</a:t>
+            </a:r>
+            <a:endParaRPr lang="en-US" sz="3200" dirty="0"/>
+          </a:p>
+          <a:p>
+            <a:pPr marL="571500" indent="-571500">
+              <a:lnSpc>
+                <a:spcPct val="150000"/>
+              </a:lnSpc>
+              <a:buFont typeface="Arial" panose="020B0604020202020204" pitchFamily="34" charset="0"/>
+              <a:buChar char="•"/>
+            </a:pPr>
+            <a:r>
+              <a:rPr lang="en-US" sz="3200" dirty="0" smtClean="0"/>
+              <a:t>Monitoring </a:t>
+            </a:r>
+            <a:r>
+              <a:rPr lang="en-US" sz="3200" dirty="0"/>
+              <a:t>System/Portal for </a:t>
+            </a:r>
+            <a:r>
+              <a:rPr lang="en-US" sz="3200" dirty="0" smtClean="0"/>
+              <a:t>state </a:t>
+            </a:r>
+            <a:r>
+              <a:rPr lang="en-US" sz="3200" dirty="0"/>
+              <a:t>health inspectors</a:t>
+            </a:r>
+          </a:p>
+        </p:txBody>
+      </p:sp>
+      <p:pic>
+        <p:nvPicPr>
+          <p:cNvPr id="7" name="Picture 6">
+            <a:extLst>
+              <a:ext uri="{FF2B5EF4-FFF2-40B4-BE49-F238E27FC236}">
+                <a16:creationId xmlns:a16="http://schemas.microsoft.com/office/drawing/2014/main" id="{1E1E41B6-0A35-4A8A-94CD-A93C8D685D72}"/>
+              </a:ext>
+            </a:extLst>
+          </p:cNvPr>
+          <p:cNvPicPr>
+            <a:picLocks noChangeAspect="1"/>
+          </p:cNvPicPr>
+          <p:nvPr/>
+        </p:nvPicPr>
+        <p:blipFill>
+          <a:blip r:embed="rId2">
+            <a:extLst>
+              <a:ext uri="{28A0092B-C50C-407E-A947-70E740481C1C}">
+                <a14:useLocalDpi xmlns:a14="http://schemas.microsoft.com/office/drawing/2010/main" val="0"/>
+              </a:ext>
+            </a:extLst>
+          </a:blip>
+          <a:stretch>
+            <a:fillRect/>
+          </a:stretch>
+        </p:blipFill>
+        <p:spPr>
+          <a:xfrm>
+            <a:off x="8155620" y="247543"/>
+            <a:ext cx="2605146" cy="1838114"/>
+          </a:xfrm>
+          <a:prstGeom prst="rect">
+            <a:avLst/>
+          </a:prstGeom>
+        </p:spPr>
+      </p:pic>
+      <p:sp>
+        <p:nvSpPr>
+          <p:cNvPr id="2" name="Slide Number Placeholder 1">
+            <a:extLst>
+              <a:ext uri="{FF2B5EF4-FFF2-40B4-BE49-F238E27FC236}">
+                <a16:creationId xmlns:a16="http://schemas.microsoft.com/office/drawing/2014/main" id="{61A62C7E-7145-468D-B0B1-A1AA6FCF2087}"/>
+              </a:ext>
+            </a:extLst>
+          </p:cNvPr>
           <p:cNvSpPr>
             <a:spLocks noGrp="1"/>
           </p:cNvSpPr>
@@ -5880,7 +5874,12 @@
             <p:ph type="sldNum" sz="quarter" idx="12"/>
           </p:nvPr>
         </p:nvSpPr>
-        <p:spPr/>
+        <p:spPr>
+          <a:xfrm>
+            <a:off x="480061" y="839141"/>
+            <a:ext cx="765644" cy="503578"/>
+          </a:xfrm>
+        </p:spPr>
         <p:txBody>
           <a:bodyPr/>
           <a:lstStyle/>
@@ -5893,65 +5892,23 @@
           </a:p>
         </p:txBody>
       </p:sp>
-      <p:sp>
-        <p:nvSpPr>
-          <p:cNvPr id="4" name="Title 1"/>
-          <p:cNvSpPr txBox="1">
-            <a:spLocks/>
-          </p:cNvSpPr>
-          <p:nvPr/>
-        </p:nvSpPr>
-        <p:spPr>
-          <a:xfrm>
-            <a:off x="1291079" y="2319810"/>
-            <a:ext cx="9520158" cy="1638236"/>
-          </a:xfrm>
-          <a:prstGeom prst="rect">
-            <a:avLst/>
-          </a:prstGeom>
-        </p:spPr>
-        <p:txBody>
-          <a:bodyPr/>
-          <a:lstStyle>
-            <a:lvl1pPr algn="l" defTabSz="914400" rtl="0" eaLnBrk="1" latinLnBrk="0" hangingPunct="1">
-              <a:lnSpc>
-                <a:spcPct val="90000"/>
-              </a:lnSpc>
-              <a:spcBef>
-                <a:spcPct val="0"/>
-              </a:spcBef>
-              <a:buNone/>
-              <a:defRPr sz="3200" b="0" i="0" kern="1200" cap="none">
-                <a:solidFill>
-                  <a:schemeClr val="tx1"/>
-                </a:solidFill>
-                <a:effectLst/>
-                <a:latin typeface="+mj-lt"/>
-                <a:ea typeface="+mj-ea"/>
-                <a:cs typeface="+mj-cs"/>
-              </a:defRPr>
-            </a:lvl1pPr>
-          </a:lstStyle>
-          <a:p>
-            <a:pPr algn="ctr"/>
-            <a:r>
-              <a:rPr lang="en-US" sz="8800" b="1" dirty="0" smtClean="0"/>
-              <a:t>Demo</a:t>
-            </a:r>
-            <a:endParaRPr lang="en-US" sz="8800" b="1" dirty="0"/>
-          </a:p>
-        </p:txBody>
-      </p:sp>
     </p:spTree>
     <p:extLst>
       <p:ext uri="{BB962C8B-B14F-4D97-AF65-F5344CB8AC3E}">
-        <p14:creationId xmlns:p14="http://schemas.microsoft.com/office/powerpoint/2010/main" val="2992032986"/>
+        <p14:creationId xmlns:p14="http://schemas.microsoft.com/office/powerpoint/2010/main" val="4136747642"/>
       </p:ext>
     </p:extLst>
   </p:cSld>
   <p:clrMapOvr>
     <a:masterClrMapping/>
   </p:clrMapOvr>
+  <p:timing>
+    <p:tnLst>
+      <p:par>
+        <p:cTn id="1" dur="indefinite" restart="never" nodeType="tmRoot"/>
+      </p:par>
+    </p:tnLst>
+  </p:timing>
 </p:sld>
 </file>
 

--- a/Presantation/Presentation - Final.pptx
+++ b/Presantation/Presentation - Final.pptx
@@ -4078,7 +4078,28 @@
                 <a:latin typeface="Bahnschrift SemiBold" panose="020B0502040204020203" pitchFamily="34" charset="0"/>
                 <a:ea typeface="Cambria Math" panose="02040503050406030204" pitchFamily="18" charset="0"/>
               </a:rPr>
-              <a:t>Web Based Application for Plastic Waste Management</a:t>
+              <a:t>Web Based Application </a:t>
+            </a:r>
+            <a:r>
+              <a:rPr lang="en-US" sz="5400" b="1">
+                <a:latin typeface="Bahnschrift SemiBold" panose="020B0502040204020203" pitchFamily="34" charset="0"/>
+                <a:ea typeface="Cambria Math" panose="02040503050406030204" pitchFamily="18" charset="0"/>
+              </a:rPr>
+              <a:t>for </a:t>
+            </a:r>
+            <a:r>
+              <a:rPr lang="en-US" sz="5400" b="1" smtClean="0">
+                <a:latin typeface="Bahnschrift SemiBold" panose="020B0502040204020203" pitchFamily="34" charset="0"/>
+                <a:ea typeface="Cambria Math" panose="02040503050406030204" pitchFamily="18" charset="0"/>
+              </a:rPr>
+              <a:t>Solid Waste </a:t>
+            </a:r>
+            <a:r>
+              <a:rPr lang="en-US" sz="5400" b="1" dirty="0">
+                <a:latin typeface="Bahnschrift SemiBold" panose="020B0502040204020203" pitchFamily="34" charset="0"/>
+                <a:ea typeface="Cambria Math" panose="02040503050406030204" pitchFamily="18" charset="0"/>
+              </a:rPr>
+              <a:t>Management</a:t>
             </a:r>
           </a:p>
         </p:txBody>
@@ -4260,6 +4281,13 @@
   <p:clrMapOvr>
     <a:masterClrMapping/>
   </p:clrMapOvr>
+  <p:timing>
+    <p:tnLst>
+      <p:par>
+        <p:cTn id="1" dur="indefinite" restart="never" nodeType="tmRoot"/>
+      </p:par>
+    </p:tnLst>
+  </p:timing>
 </p:sld>
 </file>
 
@@ -5494,6 +5522,13 @@
   <p:clrMapOvr>
     <a:masterClrMapping/>
   </p:clrMapOvr>
+  <p:timing>
+    <p:tnLst>
+      <p:par>
+        <p:cTn id="1" dur="indefinite" restart="never" nodeType="tmRoot"/>
+      </p:par>
+    </p:tnLst>
+  </p:timing>
 </p:sld>
 </file>
 
@@ -5765,7 +5800,7 @@
         <p:spPr>
           <a:xfrm>
             <a:off x="1245705" y="2281140"/>
-            <a:ext cx="9965637" cy="2208233"/>
+            <a:ext cx="9965637" cy="2308324"/>
           </a:xfrm>
           <a:prstGeom prst="rect">
             <a:avLst/>
@@ -5791,7 +5826,7 @@
             </a:r>
             <a:r>
               <a:rPr lang="en-US" sz="3200" dirty="0" smtClean="0"/>
-              <a:t>Android)</a:t>
+              <a:t>Android, IOS)</a:t>
             </a:r>
             <a:endParaRPr lang="en-US" sz="3200" dirty="0"/>
           </a:p>
